--- a/logistic_regression/pics/perc.pptx
+++ b/logistic_regression/pics/perc.pptx
@@ -104,6 +104,11 @@
       </a:defRPr>
     </a:lvl9pPr>
   </p:defaultTextStyle>
+  <p:extLst>
+    <p:ext uri="{EFAFB233-063F-42B5-8137-9DF3F51BA10A}">
+      <p15:sldGuideLst xmlns:p15="http://schemas.microsoft.com/office/powerpoint/2012/main"/>
+    </p:ext>
+  </p:extLst>
 </p:presentation>
 </file>
 
@@ -254,7 +259,7 @@
           <a:p>
             <a:fld id="{95C9C945-6086-B246-BB53-7510ED701B45}" type="datetimeFigureOut">
               <a:rPr lang="de-DE" smtClean="0"/>
-              <a:t>01.03.20</a:t>
+              <a:t>02.03.20</a:t>
             </a:fld>
             <a:endParaRPr lang="de-DE"/>
           </a:p>
@@ -452,7 +457,7 @@
           <a:p>
             <a:fld id="{95C9C945-6086-B246-BB53-7510ED701B45}" type="datetimeFigureOut">
               <a:rPr lang="de-DE" smtClean="0"/>
-              <a:t>01.03.20</a:t>
+              <a:t>02.03.20</a:t>
             </a:fld>
             <a:endParaRPr lang="de-DE"/>
           </a:p>
@@ -660,7 +665,7 @@
           <a:p>
             <a:fld id="{95C9C945-6086-B246-BB53-7510ED701B45}" type="datetimeFigureOut">
               <a:rPr lang="de-DE" smtClean="0"/>
-              <a:t>01.03.20</a:t>
+              <a:t>02.03.20</a:t>
             </a:fld>
             <a:endParaRPr lang="de-DE"/>
           </a:p>
@@ -858,7 +863,7 @@
           <a:p>
             <a:fld id="{95C9C945-6086-B246-BB53-7510ED701B45}" type="datetimeFigureOut">
               <a:rPr lang="de-DE" smtClean="0"/>
-              <a:t>01.03.20</a:t>
+              <a:t>02.03.20</a:t>
             </a:fld>
             <a:endParaRPr lang="de-DE"/>
           </a:p>
@@ -1133,7 +1138,7 @@
           <a:p>
             <a:fld id="{95C9C945-6086-B246-BB53-7510ED701B45}" type="datetimeFigureOut">
               <a:rPr lang="de-DE" smtClean="0"/>
-              <a:t>01.03.20</a:t>
+              <a:t>02.03.20</a:t>
             </a:fld>
             <a:endParaRPr lang="de-DE"/>
           </a:p>
@@ -1398,7 +1403,7 @@
           <a:p>
             <a:fld id="{95C9C945-6086-B246-BB53-7510ED701B45}" type="datetimeFigureOut">
               <a:rPr lang="de-DE" smtClean="0"/>
-              <a:t>01.03.20</a:t>
+              <a:t>02.03.20</a:t>
             </a:fld>
             <a:endParaRPr lang="de-DE"/>
           </a:p>
@@ -1810,7 +1815,7 @@
           <a:p>
             <a:fld id="{95C9C945-6086-B246-BB53-7510ED701B45}" type="datetimeFigureOut">
               <a:rPr lang="de-DE" smtClean="0"/>
-              <a:t>01.03.20</a:t>
+              <a:t>02.03.20</a:t>
             </a:fld>
             <a:endParaRPr lang="de-DE"/>
           </a:p>
@@ -1951,7 +1956,7 @@
           <a:p>
             <a:fld id="{95C9C945-6086-B246-BB53-7510ED701B45}" type="datetimeFigureOut">
               <a:rPr lang="de-DE" smtClean="0"/>
-              <a:t>01.03.20</a:t>
+              <a:t>02.03.20</a:t>
             </a:fld>
             <a:endParaRPr lang="de-DE"/>
           </a:p>
@@ -2064,7 +2069,7 @@
           <a:p>
             <a:fld id="{95C9C945-6086-B246-BB53-7510ED701B45}" type="datetimeFigureOut">
               <a:rPr lang="de-DE" smtClean="0"/>
-              <a:t>01.03.20</a:t>
+              <a:t>02.03.20</a:t>
             </a:fld>
             <a:endParaRPr lang="de-DE"/>
           </a:p>
@@ -2375,7 +2380,7 @@
           <a:p>
             <a:fld id="{95C9C945-6086-B246-BB53-7510ED701B45}" type="datetimeFigureOut">
               <a:rPr lang="de-DE" smtClean="0"/>
-              <a:t>01.03.20</a:t>
+              <a:t>02.03.20</a:t>
             </a:fld>
             <a:endParaRPr lang="de-DE"/>
           </a:p>
@@ -2663,7 +2668,7 @@
           <a:p>
             <a:fld id="{95C9C945-6086-B246-BB53-7510ED701B45}" type="datetimeFigureOut">
               <a:rPr lang="de-DE" smtClean="0"/>
-              <a:t>01.03.20</a:t>
+              <a:t>02.03.20</a:t>
             </a:fld>
             <a:endParaRPr lang="de-DE"/>
           </a:p>
@@ -2904,7 +2909,7 @@
           <a:p>
             <a:fld id="{95C9C945-6086-B246-BB53-7510ED701B45}" type="datetimeFigureOut">
               <a:rPr lang="de-DE" smtClean="0"/>
-              <a:t>01.03.20</a:t>
+              <a:t>02.03.20</a:t>
             </a:fld>
             <a:endParaRPr lang="de-DE"/>
           </a:p>
@@ -3555,8 +3560,8 @@
           </a:p>
         </p:txBody>
       </p:sp>
-      <mc:AlternateContent xmlns:mc="http://schemas.openxmlformats.org/markup-compatibility/2006">
-        <mc:Choice xmlns:a14="http://schemas.microsoft.com/office/drawing/2010/main" Requires="a14">
+      <mc:AlternateContent xmlns:mc="http://schemas.openxmlformats.org/markup-compatibility/2006" xmlns:a14="http://schemas.microsoft.com/office/drawing/2010/main">
+        <mc:Choice Requires="a14">
           <p:sp>
             <p:nvSpPr>
               <p:cNvPr id="11" name="Textfeld 10">
@@ -3585,6 +3590,7 @@
               </a:bodyPr>
               <a:lstStyle/>
               <a:p>
+                <a:pPr/>
                 <a14:m>
                   <m:oMathPara xmlns:m="http://schemas.openxmlformats.org/officeDocument/2006/math">
                     <m:oMathParaPr>
@@ -3624,7 +3630,7 @@
             </p:txBody>
           </p:sp>
         </mc:Choice>
-        <mc:Fallback>
+        <mc:Fallback xmlns="">
           <p:sp>
             <p:nvSpPr>
               <p:cNvPr id="11" name="Textfeld 10">
@@ -3768,8 +3774,8 @@
           </a:fontRef>
         </p:style>
       </p:cxnSp>
-      <mc:AlternateContent xmlns:mc="http://schemas.openxmlformats.org/markup-compatibility/2006">
-        <mc:Choice xmlns:a14="http://schemas.microsoft.com/office/drawing/2010/main" Requires="a14">
+      <mc:AlternateContent xmlns:mc="http://schemas.openxmlformats.org/markup-compatibility/2006" xmlns:a14="http://schemas.microsoft.com/office/drawing/2010/main">
+        <mc:Choice Requires="a14">
           <p:sp>
             <p:nvSpPr>
               <p:cNvPr id="14" name="Textfeld 13">
@@ -3798,6 +3804,7 @@
               </a:bodyPr>
               <a:lstStyle/>
               <a:p>
+                <a:pPr/>
                 <a14:m>
                   <m:oMathPara xmlns:m="http://schemas.openxmlformats.org/officeDocument/2006/math">
                     <m:oMathParaPr>
@@ -3837,7 +3844,7 @@
             </p:txBody>
           </p:sp>
         </mc:Choice>
-        <mc:Fallback>
+        <mc:Fallback xmlns="">
           <p:sp>
             <p:nvSpPr>
               <p:cNvPr id="14" name="Textfeld 13">
@@ -3981,8 +3988,8 @@
           </a:fontRef>
         </p:style>
       </p:cxnSp>
-      <mc:AlternateContent xmlns:mc="http://schemas.openxmlformats.org/markup-compatibility/2006">
-        <mc:Choice xmlns:a14="http://schemas.microsoft.com/office/drawing/2010/main" Requires="a14">
+      <mc:AlternateContent xmlns:mc="http://schemas.openxmlformats.org/markup-compatibility/2006" xmlns:a14="http://schemas.microsoft.com/office/drawing/2010/main">
+        <mc:Choice Requires="a14">
           <p:sp>
             <p:nvSpPr>
               <p:cNvPr id="17" name="Textfeld 16">
@@ -4011,6 +4018,7 @@
               </a:bodyPr>
               <a:lstStyle/>
               <a:p>
+                <a:pPr/>
                 <a14:m>
                   <m:oMathPara xmlns:m="http://schemas.openxmlformats.org/officeDocument/2006/math">
                     <m:oMathParaPr>
@@ -4050,7 +4058,7 @@
             </p:txBody>
           </p:sp>
         </mc:Choice>
-        <mc:Fallback>
+        <mc:Fallback xmlns="">
           <p:sp>
             <p:nvSpPr>
               <p:cNvPr id="17" name="Textfeld 16">
@@ -4150,8 +4158,8 @@
           </a:p>
         </p:txBody>
       </p:sp>
-      <mc:AlternateContent xmlns:mc="http://schemas.openxmlformats.org/markup-compatibility/2006">
-        <mc:Choice xmlns:a14="http://schemas.microsoft.com/office/drawing/2010/main" Requires="a14">
+      <mc:AlternateContent xmlns:mc="http://schemas.openxmlformats.org/markup-compatibility/2006" xmlns:a14="http://schemas.microsoft.com/office/drawing/2010/main">
+        <mc:Choice Requires="a14">
           <p:sp>
             <p:nvSpPr>
               <p:cNvPr id="27" name="Textfeld 26">
@@ -4180,6 +4188,7 @@
               </a:bodyPr>
               <a:lstStyle/>
               <a:p>
+                <a:pPr/>
                 <a14:m>
                   <m:oMathPara xmlns:m="http://schemas.openxmlformats.org/officeDocument/2006/math">
                     <m:oMathParaPr>
@@ -4209,7 +4218,7 @@
             </p:txBody>
           </p:sp>
         </mc:Choice>
-        <mc:Fallback>
+        <mc:Fallback xmlns="">
           <p:sp>
             <p:nvSpPr>
               <p:cNvPr id="27" name="Textfeld 26">
@@ -4547,8 +4556,8 @@
           </a:p>
         </p:txBody>
       </p:sp>
-      <mc:AlternateContent xmlns:mc="http://schemas.openxmlformats.org/markup-compatibility/2006">
-        <mc:Choice xmlns:a14="http://schemas.microsoft.com/office/drawing/2010/main" Requires="a14">
+      <mc:AlternateContent xmlns:mc="http://schemas.openxmlformats.org/markup-compatibility/2006" xmlns:a14="http://schemas.microsoft.com/office/drawing/2010/main">
+        <mc:Choice Requires="a14">
           <p:sp>
             <p:nvSpPr>
               <p:cNvPr id="41" name="Textfeld 40">
@@ -4577,6 +4586,7 @@
               </a:bodyPr>
               <a:lstStyle/>
               <a:p>
+                <a:pPr/>
                 <a14:m>
                   <m:oMathPara xmlns:m="http://schemas.openxmlformats.org/officeDocument/2006/math">
                     <m:oMathParaPr>
@@ -4597,7 +4607,7 @@
             </p:txBody>
           </p:sp>
         </mc:Choice>
-        <mc:Fallback>
+        <mc:Fallback xmlns="">
           <p:sp>
             <p:nvSpPr>
               <p:cNvPr id="41" name="Textfeld 40">
@@ -4656,7 +4666,7 @@
         </p:nvSpPr>
         <p:spPr>
           <a:xfrm>
-            <a:off x="2601065" y="4856394"/>
+            <a:off x="2465859" y="1378847"/>
             <a:ext cx="774571" cy="369332"/>
           </a:xfrm>
           <a:prstGeom prst="rect">
@@ -4691,7 +4701,7 @@
         </p:nvSpPr>
         <p:spPr>
           <a:xfrm>
-            <a:off x="3474807" y="4854186"/>
+            <a:off x="3339601" y="1376639"/>
             <a:ext cx="945131" cy="369332"/>
           </a:xfrm>
           <a:prstGeom prst="rect">
@@ -4727,7 +4737,7 @@
         </p:nvSpPr>
         <p:spPr>
           <a:xfrm>
-            <a:off x="4629311" y="4854186"/>
+            <a:off x="4494105" y="1376639"/>
             <a:ext cx="596638" cy="369332"/>
           </a:xfrm>
           <a:prstGeom prst="rect">
@@ -4763,7 +4773,7 @@
         </p:nvSpPr>
         <p:spPr>
           <a:xfrm>
-            <a:off x="5445114" y="4854186"/>
+            <a:off x="5350852" y="1376639"/>
             <a:ext cx="1460656" cy="369332"/>
           </a:xfrm>
           <a:prstGeom prst="rect">
@@ -4803,7 +4813,7 @@
         </p:nvSpPr>
         <p:spPr>
           <a:xfrm>
-            <a:off x="7065611" y="4854186"/>
+            <a:off x="7039589" y="1376639"/>
             <a:ext cx="856325" cy="369332"/>
           </a:xfrm>
           <a:prstGeom prst="rect">
@@ -4824,8 +4834,8 @@
           </a:p>
         </p:txBody>
       </p:sp>
-      <mc:AlternateContent xmlns:mc="http://schemas.openxmlformats.org/markup-compatibility/2006">
-        <mc:Choice xmlns:a14="http://schemas.microsoft.com/office/drawing/2010/main" Requires="a14">
+      <mc:AlternateContent xmlns:mc="http://schemas.openxmlformats.org/markup-compatibility/2006" xmlns:a14="http://schemas.microsoft.com/office/drawing/2010/main">
+        <mc:Choice Requires="a14">
           <p:sp>
             <p:nvSpPr>
               <p:cNvPr id="53" name="Rechteck 52">
@@ -4853,6 +4863,7 @@
               </a:bodyPr>
               <a:lstStyle/>
               <a:p>
+                <a:pPr/>
                 <a14:m>
                   <m:oMathPara xmlns:m="http://schemas.openxmlformats.org/officeDocument/2006/math">
                     <m:oMathParaPr>
@@ -4892,7 +4903,7 @@
             </p:txBody>
           </p:sp>
         </mc:Choice>
-        <mc:Fallback>
+        <mc:Fallback xmlns="">
           <p:sp>
             <p:nvSpPr>
               <p:cNvPr id="53" name="Rechteck 52">
@@ -4937,8 +4948,8 @@
           </p:sp>
         </mc:Fallback>
       </mc:AlternateContent>
-      <mc:AlternateContent xmlns:mc="http://schemas.openxmlformats.org/markup-compatibility/2006">
-        <mc:Choice xmlns:a14="http://schemas.microsoft.com/office/drawing/2010/main" Requires="a14">
+      <mc:AlternateContent xmlns:mc="http://schemas.openxmlformats.org/markup-compatibility/2006" xmlns:a14="http://schemas.microsoft.com/office/drawing/2010/main">
+        <mc:Choice Requires="a14">
           <p:sp>
             <p:nvSpPr>
               <p:cNvPr id="54" name="Rechteck 53">
@@ -4966,6 +4977,7 @@
               </a:bodyPr>
               <a:lstStyle/>
               <a:p>
+                <a:pPr/>
                 <a14:m>
                   <m:oMathPara xmlns:m="http://schemas.openxmlformats.org/officeDocument/2006/math">
                     <m:oMathParaPr>
@@ -5005,7 +5017,7 @@
             </p:txBody>
           </p:sp>
         </mc:Choice>
-        <mc:Fallback>
+        <mc:Fallback xmlns="">
           <p:sp>
             <p:nvSpPr>
               <p:cNvPr id="54" name="Rechteck 53">
@@ -5050,8 +5062,8 @@
           </p:sp>
         </mc:Fallback>
       </mc:AlternateContent>
-      <mc:AlternateContent xmlns:mc="http://schemas.openxmlformats.org/markup-compatibility/2006">
-        <mc:Choice xmlns:a14="http://schemas.microsoft.com/office/drawing/2010/main" Requires="a14">
+      <mc:AlternateContent xmlns:mc="http://schemas.openxmlformats.org/markup-compatibility/2006" xmlns:a14="http://schemas.microsoft.com/office/drawing/2010/main">
+        <mc:Choice Requires="a14">
           <p:sp>
             <p:nvSpPr>
               <p:cNvPr id="55" name="Rechteck 54">
@@ -5079,6 +5091,7 @@
               </a:bodyPr>
               <a:lstStyle/>
               <a:p>
+                <a:pPr/>
                 <a14:m>
                   <m:oMathPara xmlns:m="http://schemas.openxmlformats.org/officeDocument/2006/math">
                     <m:oMathParaPr>
@@ -5118,7 +5131,7 @@
             </p:txBody>
           </p:sp>
         </mc:Choice>
-        <mc:Fallback>
+        <mc:Fallback xmlns="">
           <p:sp>
             <p:nvSpPr>
               <p:cNvPr id="55" name="Rechteck 54">
@@ -5163,8 +5176,8 @@
           </p:sp>
         </mc:Fallback>
       </mc:AlternateContent>
-      <mc:AlternateContent xmlns:mc="http://schemas.openxmlformats.org/markup-compatibility/2006">
-        <mc:Choice xmlns:a14="http://schemas.microsoft.com/office/drawing/2010/main" Requires="a14">
+      <mc:AlternateContent xmlns:mc="http://schemas.openxmlformats.org/markup-compatibility/2006" xmlns:a14="http://schemas.microsoft.com/office/drawing/2010/main">
+        <mc:Choice Requires="a14">
           <p:sp>
             <p:nvSpPr>
               <p:cNvPr id="56" name="Rechteck 55">
@@ -5192,6 +5205,7 @@
               </a:bodyPr>
               <a:lstStyle/>
               <a:p>
+                <a:pPr/>
                 <a14:m>
                   <m:oMathPara xmlns:m="http://schemas.openxmlformats.org/officeDocument/2006/math">
                     <m:oMathParaPr>
@@ -5231,7 +5245,7 @@
             </p:txBody>
           </p:sp>
         </mc:Choice>
-        <mc:Fallback>
+        <mc:Fallback xmlns="">
           <p:sp>
             <p:nvSpPr>
               <p:cNvPr id="56" name="Rechteck 55">
@@ -5276,6 +5290,547 @@
           </p:sp>
         </mc:Fallback>
       </mc:AlternateContent>
+      <mc:AlternateContent xmlns:mc="http://schemas.openxmlformats.org/markup-compatibility/2006">
+        <mc:Choice xmlns:a14="http://schemas.microsoft.com/office/drawing/2010/main" Requires="a14">
+          <p:sp>
+            <p:nvSpPr>
+              <p:cNvPr id="34" name="Textfeld 33">
+                <a:extLst>
+                  <a:ext uri="{FF2B5EF4-FFF2-40B4-BE49-F238E27FC236}">
+                    <a16:creationId xmlns:a16="http://schemas.microsoft.com/office/drawing/2014/main" id="{17E3AD67-215E-BA4A-B41F-405D603E7F4D}"/>
+                  </a:ext>
+                </a:extLst>
+              </p:cNvPr>
+              <p:cNvSpPr txBox="1"/>
+              <p:nvPr/>
+            </p:nvSpPr>
+            <p:spPr>
+              <a:xfrm>
+                <a:off x="1047916" y="1990817"/>
+                <a:ext cx="1253228" cy="369332"/>
+              </a:xfrm>
+              <a:prstGeom prst="rect">
+                <a:avLst/>
+              </a:prstGeom>
+              <a:noFill/>
+            </p:spPr>
+            <p:txBody>
+              <a:bodyPr wrap="none" rtlCol="0">
+                <a:spAutoFit/>
+              </a:bodyPr>
+              <a:lstStyle/>
+              <a:p>
+                <a:r>
+                  <a:rPr lang="de-DE" dirty="0">
+                    <a:solidFill>
+                      <a:schemeClr val="accent6"/>
+                    </a:solidFill>
+                  </a:rPr>
+                  <a:t>Bias </a:t>
+                </a:r>
+                <a:r>
+                  <a:rPr lang="de-DE" dirty="0" err="1">
+                    <a:solidFill>
+                      <a:schemeClr val="accent6"/>
+                    </a:solidFill>
+                  </a:rPr>
+                  <a:t>term</a:t>
+                </a:r>
+                <a:r>
+                  <a:rPr lang="de-DE" dirty="0">
+                    <a:solidFill>
+                      <a:schemeClr val="accent6"/>
+                    </a:solidFill>
+                  </a:rPr>
+                  <a:t> </a:t>
+                </a:r>
+                <a14:m>
+                  <m:oMath xmlns:m="http://schemas.openxmlformats.org/officeDocument/2006/math">
+                    <m:r>
+                      <a:rPr lang="de-CH" b="0" i="1" smtClean="0">
+                        <a:solidFill>
+                          <a:schemeClr val="accent6"/>
+                        </a:solidFill>
+                        <a:latin typeface="Cambria Math" panose="02040503050406030204" pitchFamily="18" charset="0"/>
+                      </a:rPr>
+                      <m:t>𝑏</m:t>
+                    </m:r>
+                  </m:oMath>
+                </a14:m>
+                <a:endParaRPr lang="de-DE" i="1" dirty="0">
+                  <a:solidFill>
+                    <a:schemeClr val="accent6"/>
+                  </a:solidFill>
+                </a:endParaRPr>
+              </a:p>
+            </p:txBody>
+          </p:sp>
+        </mc:Choice>
+        <mc:Fallback>
+          <p:sp>
+            <p:nvSpPr>
+              <p:cNvPr id="34" name="Textfeld 33">
+                <a:extLst>
+                  <a:ext uri="{FF2B5EF4-FFF2-40B4-BE49-F238E27FC236}">
+                    <a16:creationId xmlns:a16="http://schemas.microsoft.com/office/drawing/2014/main" id="{17E3AD67-215E-BA4A-B41F-405D603E7F4D}"/>
+                  </a:ext>
+                </a:extLst>
+              </p:cNvPr>
+              <p:cNvSpPr txBox="1">
+                <a:spLocks noRot="1" noChangeAspect="1" noMove="1" noResize="1" noEditPoints="1" noAdjustHandles="1" noChangeArrowheads="1" noChangeShapeType="1" noTextEdit="1"/>
+              </p:cNvSpPr>
+              <p:nvPr/>
+            </p:nvSpPr>
+            <p:spPr>
+              <a:xfrm>
+                <a:off x="1047916" y="1990817"/>
+                <a:ext cx="1253228" cy="369332"/>
+              </a:xfrm>
+              <a:prstGeom prst="rect">
+                <a:avLst/>
+              </a:prstGeom>
+              <a:blipFill>
+                <a:blip r:embed="rId11"/>
+                <a:stretch>
+                  <a:fillRect l="-4040" t="-6667" b="-23333"/>
+                </a:stretch>
+              </a:blipFill>
+            </p:spPr>
+            <p:txBody>
+              <a:bodyPr/>
+              <a:lstStyle/>
+              <a:p>
+                <a:r>
+                  <a:rPr lang="de-DE">
+                    <a:noFill/>
+                  </a:rPr>
+                  <a:t> </a:t>
+                </a:r>
+              </a:p>
+            </p:txBody>
+          </p:sp>
+        </mc:Fallback>
+      </mc:AlternateContent>
+      <mc:AlternateContent xmlns:mc="http://schemas.openxmlformats.org/markup-compatibility/2006">
+        <mc:Choice xmlns:a14="http://schemas.microsoft.com/office/drawing/2010/main" Requires="a14">
+          <p:sp>
+            <p:nvSpPr>
+              <p:cNvPr id="9" name="Textfeld 8">
+                <a:extLst>
+                  <a:ext uri="{FF2B5EF4-FFF2-40B4-BE49-F238E27FC236}">
+                    <a16:creationId xmlns:a16="http://schemas.microsoft.com/office/drawing/2014/main" id="{0B8DA192-C68B-8B49-85F4-F306DFEE0D48}"/>
+                  </a:ext>
+                </a:extLst>
+              </p:cNvPr>
+              <p:cNvSpPr txBox="1"/>
+              <p:nvPr/>
+            </p:nvSpPr>
+            <p:spPr>
+              <a:xfrm>
+                <a:off x="3723693" y="5025747"/>
+                <a:ext cx="1593128" cy="276999"/>
+              </a:xfrm>
+              <a:prstGeom prst="rect">
+                <a:avLst/>
+              </a:prstGeom>
+              <a:noFill/>
+            </p:spPr>
+            <p:txBody>
+              <a:bodyPr wrap="none" lIns="0" tIns="0" rIns="0" bIns="0" rtlCol="0">
+                <a:spAutoFit/>
+              </a:bodyPr>
+              <a:lstStyle/>
+              <a:p>
+                <a14:m>
+                  <m:oMathPara xmlns:m="http://schemas.openxmlformats.org/officeDocument/2006/math">
+                    <m:oMathParaPr>
+                      <m:jc m:val="centerGroup"/>
+                    </m:oMathParaPr>
+                    <m:oMath xmlns:m="http://schemas.openxmlformats.org/officeDocument/2006/math">
+                      <m:r>
+                        <a:rPr lang="de-CH" b="0" i="1" smtClean="0">
+                          <a:latin typeface="Cambria Math" panose="02040503050406030204" pitchFamily="18" charset="0"/>
+                        </a:rPr>
+                        <m:t>𝑍</m:t>
+                      </m:r>
+                      <m:r>
+                        <a:rPr lang="de-CH" b="0" i="1" smtClean="0">
+                          <a:latin typeface="Cambria Math" panose="02040503050406030204" pitchFamily="18" charset="0"/>
+                        </a:rPr>
+                        <m:t>=</m:t>
+                      </m:r>
+                      <m:r>
+                        <a:rPr lang="de-CH" b="0" i="1" smtClean="0">
+                          <a:latin typeface="Cambria Math" panose="02040503050406030204" pitchFamily="18" charset="0"/>
+                        </a:rPr>
+                        <m:t>𝑋</m:t>
+                      </m:r>
+                      <m:r>
+                        <a:rPr lang="de-CH" b="0" i="1" smtClean="0">
+                          <a:latin typeface="Cambria Math" panose="02040503050406030204" pitchFamily="18" charset="0"/>
+                          <a:ea typeface="Cambria Math" panose="02040503050406030204" pitchFamily="18" charset="0"/>
+                        </a:rPr>
+                        <m:t>∙</m:t>
+                      </m:r>
+                      <m:r>
+                        <a:rPr lang="de-CH" b="0" i="1" smtClean="0">
+                          <a:latin typeface="Cambria Math" panose="02040503050406030204" pitchFamily="18" charset="0"/>
+                          <a:ea typeface="Cambria Math" panose="02040503050406030204" pitchFamily="18" charset="0"/>
+                        </a:rPr>
+                        <m:t>𝑊</m:t>
+                      </m:r>
+                      <m:r>
+                        <a:rPr lang="de-CH" b="0" i="1" smtClean="0">
+                          <a:latin typeface="Cambria Math" panose="02040503050406030204" pitchFamily="18" charset="0"/>
+                          <a:ea typeface="Cambria Math" panose="02040503050406030204" pitchFamily="18" charset="0"/>
+                        </a:rPr>
+                        <m:t>+</m:t>
+                      </m:r>
+                      <m:sSub>
+                        <m:sSubPr>
+                          <m:ctrlPr>
+                            <a:rPr lang="de-CH" b="0" i="1" smtClean="0">
+                              <a:latin typeface="Cambria Math" panose="02040503050406030204" pitchFamily="18" charset="0"/>
+                              <a:ea typeface="Cambria Math" panose="02040503050406030204" pitchFamily="18" charset="0"/>
+                            </a:rPr>
+                          </m:ctrlPr>
+                        </m:sSubPr>
+                        <m:e>
+                          <m:r>
+                            <a:rPr lang="de-CH" b="0" i="1" smtClean="0">
+                              <a:latin typeface="Cambria Math" panose="02040503050406030204" pitchFamily="18" charset="0"/>
+                              <a:ea typeface="Cambria Math" panose="02040503050406030204" pitchFamily="18" charset="0"/>
+                            </a:rPr>
+                            <m:t>𝑤</m:t>
+                          </m:r>
+                        </m:e>
+                        <m:sub>
+                          <m:r>
+                            <a:rPr lang="de-CH" b="0" i="1" smtClean="0">
+                              <a:latin typeface="Cambria Math" panose="02040503050406030204" pitchFamily="18" charset="0"/>
+                              <a:ea typeface="Cambria Math" panose="02040503050406030204" pitchFamily="18" charset="0"/>
+                            </a:rPr>
+                            <m:t>0</m:t>
+                          </m:r>
+                        </m:sub>
+                      </m:sSub>
+                    </m:oMath>
+                  </m:oMathPara>
+                </a14:m>
+                <a:endParaRPr lang="de-DE" dirty="0"/>
+              </a:p>
+            </p:txBody>
+          </p:sp>
+        </mc:Choice>
+        <mc:Fallback>
+          <p:sp>
+            <p:nvSpPr>
+              <p:cNvPr id="9" name="Textfeld 8">
+                <a:extLst>
+                  <a:ext uri="{FF2B5EF4-FFF2-40B4-BE49-F238E27FC236}">
+                    <a16:creationId xmlns:a16="http://schemas.microsoft.com/office/drawing/2014/main" id="{0B8DA192-C68B-8B49-85F4-F306DFEE0D48}"/>
+                  </a:ext>
+                </a:extLst>
+              </p:cNvPr>
+              <p:cNvSpPr txBox="1">
+                <a:spLocks noRot="1" noChangeAspect="1" noMove="1" noResize="1" noEditPoints="1" noAdjustHandles="1" noChangeArrowheads="1" noChangeShapeType="1" noTextEdit="1"/>
+              </p:cNvSpPr>
+              <p:nvPr/>
+            </p:nvSpPr>
+            <p:spPr>
+              <a:xfrm>
+                <a:off x="3723693" y="5025747"/>
+                <a:ext cx="1593128" cy="276999"/>
+              </a:xfrm>
+              <a:prstGeom prst="rect">
+                <a:avLst/>
+              </a:prstGeom>
+              <a:blipFill>
+                <a:blip r:embed="rId12"/>
+                <a:stretch>
+                  <a:fillRect l="-2362" b="-9091"/>
+                </a:stretch>
+              </a:blipFill>
+            </p:spPr>
+            <p:txBody>
+              <a:bodyPr/>
+              <a:lstStyle/>
+              <a:p>
+                <a:r>
+                  <a:rPr lang="de-DE">
+                    <a:noFill/>
+                  </a:rPr>
+                  <a:t> </a:t>
+                </a:r>
+              </a:p>
+            </p:txBody>
+          </p:sp>
+        </mc:Fallback>
+      </mc:AlternateContent>
+      <mc:AlternateContent xmlns:mc="http://schemas.openxmlformats.org/markup-compatibility/2006">
+        <mc:Choice xmlns:a14="http://schemas.microsoft.com/office/drawing/2010/main" Requires="a14">
+          <p:sp>
+            <p:nvSpPr>
+              <p:cNvPr id="18" name="Textfeld 17">
+                <a:extLst>
+                  <a:ext uri="{FF2B5EF4-FFF2-40B4-BE49-F238E27FC236}">
+                    <a16:creationId xmlns:a16="http://schemas.microsoft.com/office/drawing/2014/main" id="{B3A88FBD-5C02-5245-8EF6-6CCB5DAA482E}"/>
+                  </a:ext>
+                </a:extLst>
+              </p:cNvPr>
+              <p:cNvSpPr txBox="1"/>
+              <p:nvPr/>
+            </p:nvSpPr>
+            <p:spPr>
+              <a:xfrm>
+                <a:off x="5573727" y="4870548"/>
+                <a:ext cx="1583062" cy="525016"/>
+              </a:xfrm>
+              <a:prstGeom prst="rect">
+                <a:avLst/>
+              </a:prstGeom>
+              <a:noFill/>
+            </p:spPr>
+            <p:txBody>
+              <a:bodyPr wrap="none" lIns="0" tIns="0" rIns="0" bIns="0" rtlCol="0">
+                <a:spAutoFit/>
+              </a:bodyPr>
+              <a:lstStyle/>
+              <a:p>
+                <a14:m>
+                  <m:oMathPara xmlns:m="http://schemas.openxmlformats.org/officeDocument/2006/math">
+                    <m:oMathParaPr>
+                      <m:jc m:val="centerGroup"/>
+                    </m:oMathParaPr>
+                    <m:oMath xmlns:m="http://schemas.openxmlformats.org/officeDocument/2006/math">
+                      <m:r>
+                        <a:rPr lang="de-DE" i="1" smtClean="0">
+                          <a:latin typeface="Cambria Math" panose="02040503050406030204" pitchFamily="18" charset="0"/>
+                          <a:ea typeface="Cambria Math" panose="02040503050406030204" pitchFamily="18" charset="0"/>
+                        </a:rPr>
+                        <m:t>𝜎</m:t>
+                      </m:r>
+                      <m:d>
+                        <m:dPr>
+                          <m:ctrlPr>
+                            <a:rPr lang="de-CH" b="0" i="1" smtClean="0">
+                              <a:latin typeface="Cambria Math" panose="02040503050406030204" pitchFamily="18" charset="0"/>
+                              <a:ea typeface="Cambria Math" panose="02040503050406030204" pitchFamily="18" charset="0"/>
+                            </a:rPr>
+                          </m:ctrlPr>
+                        </m:dPr>
+                        <m:e>
+                          <m:r>
+                            <a:rPr lang="de-CH" b="0" i="1" smtClean="0">
+                              <a:latin typeface="Cambria Math" panose="02040503050406030204" pitchFamily="18" charset="0"/>
+                              <a:ea typeface="Cambria Math" panose="02040503050406030204" pitchFamily="18" charset="0"/>
+                            </a:rPr>
+                            <m:t>𝑍</m:t>
+                          </m:r>
+                        </m:e>
+                      </m:d>
+                      <m:r>
+                        <a:rPr lang="de-CH" b="0" i="1" smtClean="0">
+                          <a:latin typeface="Cambria Math" panose="02040503050406030204" pitchFamily="18" charset="0"/>
+                          <a:ea typeface="Cambria Math" panose="02040503050406030204" pitchFamily="18" charset="0"/>
+                        </a:rPr>
+                        <m:t>=</m:t>
+                      </m:r>
+                      <m:f>
+                        <m:fPr>
+                          <m:ctrlPr>
+                            <a:rPr lang="de-CH" b="0" i="1" smtClean="0">
+                              <a:latin typeface="Cambria Math" panose="02040503050406030204" pitchFamily="18" charset="0"/>
+                              <a:ea typeface="Cambria Math" panose="02040503050406030204" pitchFamily="18" charset="0"/>
+                            </a:rPr>
+                          </m:ctrlPr>
+                        </m:fPr>
+                        <m:num>
+                          <m:r>
+                            <a:rPr lang="de-CH" b="0" i="1" smtClean="0">
+                              <a:latin typeface="Cambria Math" panose="02040503050406030204" pitchFamily="18" charset="0"/>
+                              <a:ea typeface="Cambria Math" panose="02040503050406030204" pitchFamily="18" charset="0"/>
+                            </a:rPr>
+                            <m:t>1</m:t>
+                          </m:r>
+                        </m:num>
+                        <m:den>
+                          <m:r>
+                            <a:rPr lang="de-CH" b="0" i="1" smtClean="0">
+                              <a:latin typeface="Cambria Math" panose="02040503050406030204" pitchFamily="18" charset="0"/>
+                              <a:ea typeface="Cambria Math" panose="02040503050406030204" pitchFamily="18" charset="0"/>
+                            </a:rPr>
+                            <m:t>1+</m:t>
+                          </m:r>
+                          <m:sSup>
+                            <m:sSupPr>
+                              <m:ctrlPr>
+                                <a:rPr lang="de-CH" b="0" i="1" smtClean="0">
+                                  <a:latin typeface="Cambria Math" panose="02040503050406030204" pitchFamily="18" charset="0"/>
+                                  <a:ea typeface="Cambria Math" panose="02040503050406030204" pitchFamily="18" charset="0"/>
+                                </a:rPr>
+                              </m:ctrlPr>
+                            </m:sSupPr>
+                            <m:e>
+                              <m:r>
+                                <a:rPr lang="de-CH" b="0" i="1" smtClean="0">
+                                  <a:latin typeface="Cambria Math" panose="02040503050406030204" pitchFamily="18" charset="0"/>
+                                  <a:ea typeface="Cambria Math" panose="02040503050406030204" pitchFamily="18" charset="0"/>
+                                </a:rPr>
+                                <m:t>𝑒</m:t>
+                              </m:r>
+                            </m:e>
+                            <m:sup>
+                              <m:r>
+                                <a:rPr lang="de-CH" b="0" i="1" smtClean="0">
+                                  <a:latin typeface="Cambria Math" panose="02040503050406030204" pitchFamily="18" charset="0"/>
+                                  <a:ea typeface="Cambria Math" panose="02040503050406030204" pitchFamily="18" charset="0"/>
+                                </a:rPr>
+                                <m:t>−</m:t>
+                              </m:r>
+                              <m:r>
+                                <a:rPr lang="de-CH" b="0" i="1" smtClean="0">
+                                  <a:latin typeface="Cambria Math" panose="02040503050406030204" pitchFamily="18" charset="0"/>
+                                  <a:ea typeface="Cambria Math" panose="02040503050406030204" pitchFamily="18" charset="0"/>
+                                </a:rPr>
+                                <m:t>𝑧</m:t>
+                              </m:r>
+                            </m:sup>
+                          </m:sSup>
+                        </m:den>
+                      </m:f>
+                    </m:oMath>
+                  </m:oMathPara>
+                </a14:m>
+                <a:endParaRPr lang="de-DE" dirty="0"/>
+              </a:p>
+            </p:txBody>
+          </p:sp>
+        </mc:Choice>
+        <mc:Fallback>
+          <p:sp>
+            <p:nvSpPr>
+              <p:cNvPr id="18" name="Textfeld 17">
+                <a:extLst>
+                  <a:ext uri="{FF2B5EF4-FFF2-40B4-BE49-F238E27FC236}">
+                    <a16:creationId xmlns:a16="http://schemas.microsoft.com/office/drawing/2014/main" id="{B3A88FBD-5C02-5245-8EF6-6CCB5DAA482E}"/>
+                  </a:ext>
+                </a:extLst>
+              </p:cNvPr>
+              <p:cNvSpPr txBox="1">
+                <a:spLocks noRot="1" noChangeAspect="1" noMove="1" noResize="1" noEditPoints="1" noAdjustHandles="1" noChangeArrowheads="1" noChangeShapeType="1" noTextEdit="1"/>
+              </p:cNvSpPr>
+              <p:nvPr/>
+            </p:nvSpPr>
+            <p:spPr>
+              <a:xfrm>
+                <a:off x="5573727" y="4870548"/>
+                <a:ext cx="1583062" cy="525016"/>
+              </a:xfrm>
+              <a:prstGeom prst="rect">
+                <a:avLst/>
+              </a:prstGeom>
+              <a:blipFill>
+                <a:blip r:embed="rId13"/>
+                <a:stretch>
+                  <a:fillRect l="-794" t="-7317" b="-9756"/>
+                </a:stretch>
+              </a:blipFill>
+            </p:spPr>
+            <p:txBody>
+              <a:bodyPr/>
+              <a:lstStyle/>
+              <a:p>
+                <a:r>
+                  <a:rPr lang="de-DE">
+                    <a:noFill/>
+                  </a:rPr>
+                  <a:t> </a:t>
+                </a:r>
+              </a:p>
+            </p:txBody>
+          </p:sp>
+        </mc:Fallback>
+      </mc:AlternateContent>
+      <p:cxnSp>
+        <p:nvCxnSpPr>
+          <p:cNvPr id="20" name="Gerade Verbindung mit Pfeil 19">
+            <a:extLst>
+              <a:ext uri="{FF2B5EF4-FFF2-40B4-BE49-F238E27FC236}">
+                <a16:creationId xmlns:a16="http://schemas.microsoft.com/office/drawing/2014/main" id="{6C928FD1-EC08-1C4C-9547-34F4B4C807C9}"/>
+              </a:ext>
+            </a:extLst>
+          </p:cNvPr>
+          <p:cNvCxnSpPr>
+            <a:cxnSpLocks/>
+          </p:cNvCxnSpPr>
+          <p:nvPr/>
+        </p:nvCxnSpPr>
+        <p:spPr>
+          <a:xfrm>
+            <a:off x="2816723" y="1130531"/>
+            <a:ext cx="4664732" cy="0"/>
+          </a:xfrm>
+          <a:prstGeom prst="straightConnector1">
+            <a:avLst/>
+          </a:prstGeom>
+          <a:ln w="28575">
+            <a:solidFill>
+              <a:schemeClr val="tx1"/>
+            </a:solidFill>
+            <a:tailEnd type="triangle"/>
+          </a:ln>
+        </p:spPr>
+        <p:style>
+          <a:lnRef idx="1">
+            <a:schemeClr val="accent1"/>
+          </a:lnRef>
+          <a:fillRef idx="0">
+            <a:schemeClr val="accent1"/>
+          </a:fillRef>
+          <a:effectRef idx="0">
+            <a:schemeClr val="accent1"/>
+          </a:effectRef>
+          <a:fontRef idx="minor">
+            <a:schemeClr val="tx1"/>
+          </a:fontRef>
+        </p:style>
+      </p:cxnSp>
+      <p:sp>
+        <p:nvSpPr>
+          <p:cNvPr id="22" name="Textfeld 21">
+            <a:extLst>
+              <a:ext uri="{FF2B5EF4-FFF2-40B4-BE49-F238E27FC236}">
+                <a16:creationId xmlns:a16="http://schemas.microsoft.com/office/drawing/2014/main" id="{BEFD900F-43D5-3E46-A3B2-C3FF85B2710A}"/>
+              </a:ext>
+            </a:extLst>
+          </p:cNvPr>
+          <p:cNvSpPr txBox="1"/>
+          <p:nvPr/>
+        </p:nvSpPr>
+        <p:spPr>
+          <a:xfrm>
+            <a:off x="4212491" y="681411"/>
+            <a:ext cx="1419235" cy="369332"/>
+          </a:xfrm>
+          <a:prstGeom prst="rect">
+            <a:avLst/>
+          </a:prstGeom>
+          <a:noFill/>
+        </p:spPr>
+        <p:txBody>
+          <a:bodyPr wrap="none" rtlCol="0">
+            <a:spAutoFit/>
+          </a:bodyPr>
+          <a:lstStyle/>
+          <a:p>
+            <a:r>
+              <a:rPr lang="de-DE" dirty="0"/>
+              <a:t>Forward Pass</a:t>
+            </a:r>
+          </a:p>
+        </p:txBody>
+      </p:sp>
     </p:spTree>
     <p:extLst>
       <p:ext uri="{BB962C8B-B14F-4D97-AF65-F5344CB8AC3E}">

--- a/logistic_regression/pics/perc.pptx
+++ b/logistic_regression/pics/perc.pptx
@@ -5,7 +5,9 @@
     <p:sldMasterId id="2147483648" r:id="rId1"/>
   </p:sldMasterIdLst>
   <p:sldIdLst>
-    <p:sldId id="256" r:id="rId2"/>
+    <p:sldId id="258" r:id="rId2"/>
+    <p:sldId id="256" r:id="rId3"/>
+    <p:sldId id="257" r:id="rId4"/>
   </p:sldIdLst>
   <p:sldSz cx="12192000" cy="6858000"/>
   <p:notesSz cx="6858000" cy="9144000"/>
@@ -259,7 +261,7 @@
           <a:p>
             <a:fld id="{95C9C945-6086-B246-BB53-7510ED701B45}" type="datetimeFigureOut">
               <a:rPr lang="de-DE" smtClean="0"/>
-              <a:t>02.03.20</a:t>
+              <a:t>05.03.20</a:t>
             </a:fld>
             <a:endParaRPr lang="de-DE"/>
           </a:p>
@@ -457,7 +459,7 @@
           <a:p>
             <a:fld id="{95C9C945-6086-B246-BB53-7510ED701B45}" type="datetimeFigureOut">
               <a:rPr lang="de-DE" smtClean="0"/>
-              <a:t>02.03.20</a:t>
+              <a:t>05.03.20</a:t>
             </a:fld>
             <a:endParaRPr lang="de-DE"/>
           </a:p>
@@ -665,7 +667,7 @@
           <a:p>
             <a:fld id="{95C9C945-6086-B246-BB53-7510ED701B45}" type="datetimeFigureOut">
               <a:rPr lang="de-DE" smtClean="0"/>
-              <a:t>02.03.20</a:t>
+              <a:t>05.03.20</a:t>
             </a:fld>
             <a:endParaRPr lang="de-DE"/>
           </a:p>
@@ -863,7 +865,7 @@
           <a:p>
             <a:fld id="{95C9C945-6086-B246-BB53-7510ED701B45}" type="datetimeFigureOut">
               <a:rPr lang="de-DE" smtClean="0"/>
-              <a:t>02.03.20</a:t>
+              <a:t>05.03.20</a:t>
             </a:fld>
             <a:endParaRPr lang="de-DE"/>
           </a:p>
@@ -1138,7 +1140,7 @@
           <a:p>
             <a:fld id="{95C9C945-6086-B246-BB53-7510ED701B45}" type="datetimeFigureOut">
               <a:rPr lang="de-DE" smtClean="0"/>
-              <a:t>02.03.20</a:t>
+              <a:t>05.03.20</a:t>
             </a:fld>
             <a:endParaRPr lang="de-DE"/>
           </a:p>
@@ -1403,7 +1405,7 @@
           <a:p>
             <a:fld id="{95C9C945-6086-B246-BB53-7510ED701B45}" type="datetimeFigureOut">
               <a:rPr lang="de-DE" smtClean="0"/>
-              <a:t>02.03.20</a:t>
+              <a:t>05.03.20</a:t>
             </a:fld>
             <a:endParaRPr lang="de-DE"/>
           </a:p>
@@ -1815,7 +1817,7 @@
           <a:p>
             <a:fld id="{95C9C945-6086-B246-BB53-7510ED701B45}" type="datetimeFigureOut">
               <a:rPr lang="de-DE" smtClean="0"/>
-              <a:t>02.03.20</a:t>
+              <a:t>05.03.20</a:t>
             </a:fld>
             <a:endParaRPr lang="de-DE"/>
           </a:p>
@@ -1956,7 +1958,7 @@
           <a:p>
             <a:fld id="{95C9C945-6086-B246-BB53-7510ED701B45}" type="datetimeFigureOut">
               <a:rPr lang="de-DE" smtClean="0"/>
-              <a:t>02.03.20</a:t>
+              <a:t>05.03.20</a:t>
             </a:fld>
             <a:endParaRPr lang="de-DE"/>
           </a:p>
@@ -2069,7 +2071,7 @@
           <a:p>
             <a:fld id="{95C9C945-6086-B246-BB53-7510ED701B45}" type="datetimeFigureOut">
               <a:rPr lang="de-DE" smtClean="0"/>
-              <a:t>02.03.20</a:t>
+              <a:t>05.03.20</a:t>
             </a:fld>
             <a:endParaRPr lang="de-DE"/>
           </a:p>
@@ -2380,7 +2382,7 @@
           <a:p>
             <a:fld id="{95C9C945-6086-B246-BB53-7510ED701B45}" type="datetimeFigureOut">
               <a:rPr lang="de-DE" smtClean="0"/>
-              <a:t>02.03.20</a:t>
+              <a:t>05.03.20</a:t>
             </a:fld>
             <a:endParaRPr lang="de-DE"/>
           </a:p>
@@ -2668,7 +2670,7 @@
           <a:p>
             <a:fld id="{95C9C945-6086-B246-BB53-7510ED701B45}" type="datetimeFigureOut">
               <a:rPr lang="de-DE" smtClean="0"/>
-              <a:t>02.03.20</a:t>
+              <a:t>05.03.20</a:t>
             </a:fld>
             <a:endParaRPr lang="de-DE"/>
           </a:p>
@@ -2909,7 +2911,7 @@
           <a:p>
             <a:fld id="{95C9C945-6086-B246-BB53-7510ED701B45}" type="datetimeFigureOut">
               <a:rPr lang="de-DE" smtClean="0"/>
-              <a:t>02.03.20</a:t>
+              <a:t>05.03.20</a:t>
             </a:fld>
             <a:endParaRPr lang="de-DE"/>
           </a:p>
@@ -3310,6 +3312,1195 @@
 </file>
 
 <file path=ppt/slides/slide1.xml><?xml version="1.0" encoding="utf-8"?>
+<p:sld xmlns:a="http://schemas.openxmlformats.org/drawingml/2006/main" xmlns:r="http://schemas.openxmlformats.org/officeDocument/2006/relationships" xmlns:p="http://schemas.openxmlformats.org/presentationml/2006/main">
+  <p:cSld>
+    <p:spTree>
+      <p:nvGrpSpPr>
+        <p:cNvPr id="1" name=""/>
+        <p:cNvGrpSpPr/>
+        <p:nvPr/>
+      </p:nvGrpSpPr>
+      <p:grpSpPr>
+        <a:xfrm>
+          <a:off x="0" y="0"/>
+          <a:ext cx="0" cy="0"/>
+          <a:chOff x="0" y="0"/>
+          <a:chExt cx="0" cy="0"/>
+        </a:xfrm>
+      </p:grpSpPr>
+      <mc:AlternateContent xmlns:mc="http://schemas.openxmlformats.org/markup-compatibility/2006">
+        <mc:Choice xmlns:a14="http://schemas.microsoft.com/office/drawing/2010/main" Requires="a14">
+          <p:sp>
+            <p:nvSpPr>
+              <p:cNvPr id="4" name="Textfeld 3">
+                <a:extLst>
+                  <a:ext uri="{FF2B5EF4-FFF2-40B4-BE49-F238E27FC236}">
+                    <a16:creationId xmlns:a16="http://schemas.microsoft.com/office/drawing/2014/main" id="{E5C9E0D3-6A07-F24C-BAE1-6B593377074C}"/>
+                  </a:ext>
+                </a:extLst>
+              </p:cNvPr>
+              <p:cNvSpPr txBox="1"/>
+              <p:nvPr/>
+            </p:nvSpPr>
+            <p:spPr>
+              <a:xfrm>
+                <a:off x="4272197" y="4641551"/>
+                <a:ext cx="2158584" cy="1077539"/>
+              </a:xfrm>
+              <a:prstGeom prst="rect">
+                <a:avLst/>
+              </a:prstGeom>
+              <a:noFill/>
+            </p:spPr>
+            <p:txBody>
+              <a:bodyPr wrap="square" lIns="0" tIns="0" rIns="0" bIns="0" rtlCol="0">
+                <a:spAutoFit/>
+              </a:bodyPr>
+              <a:lstStyle/>
+              <a:p>
+                <a14:m>
+                  <m:oMathPara xmlns:m="http://schemas.openxmlformats.org/officeDocument/2006/math">
+                    <m:oMathParaPr>
+                      <m:jc m:val="centerGroup"/>
+                    </m:oMathParaPr>
+                    <m:oMath xmlns:m="http://schemas.openxmlformats.org/officeDocument/2006/math">
+                      <m:m>
+                        <m:mPr>
+                          <m:mcs>
+                            <m:mc>
+                              <m:mcPr>
+                                <m:count m:val="4"/>
+                                <m:mcJc m:val="center"/>
+                              </m:mcPr>
+                            </m:mc>
+                          </m:mcs>
+                          <m:ctrlPr>
+                            <a:rPr lang="de-DE" b="0" i="1" smtClean="0">
+                              <a:latin typeface="Cambria Math" panose="02040503050406030204" pitchFamily="18" charset="0"/>
+                            </a:rPr>
+                          </m:ctrlPr>
+                        </m:mPr>
+                        <m:mr>
+                          <m:e>
+                            <m:sSub>
+                              <m:sSubPr>
+                                <m:ctrlPr>
+                                  <a:rPr lang="de-CH" b="0" i="1" smtClean="0">
+                                    <a:latin typeface="Cambria Math" panose="02040503050406030204" pitchFamily="18" charset="0"/>
+                                  </a:rPr>
+                                </m:ctrlPr>
+                              </m:sSubPr>
+                              <m:e>
+                                <m:r>
+                                  <m:rPr>
+                                    <m:brk m:alnAt="7"/>
+                                  </m:rPr>
+                                  <a:rPr lang="de-CH" b="0" i="1" smtClean="0">
+                                    <a:latin typeface="Cambria Math" panose="02040503050406030204" pitchFamily="18" charset="0"/>
+                                  </a:rPr>
+                                  <m:t>𝑥</m:t>
+                                </m:r>
+                              </m:e>
+                              <m:sub>
+                                <m:r>
+                                  <m:rPr>
+                                    <m:brk m:alnAt="7"/>
+                                  </m:rPr>
+                                  <a:rPr lang="de-CH" b="0" i="1" smtClean="0">
+                                    <a:latin typeface="Cambria Math" panose="02040503050406030204" pitchFamily="18" charset="0"/>
+                                  </a:rPr>
+                                  <m:t>1,1</m:t>
+                                </m:r>
+                              </m:sub>
+                            </m:sSub>
+                          </m:e>
+                          <m:e>
+                            <m:sSub>
+                              <m:sSubPr>
+                                <m:ctrlPr>
+                                  <a:rPr lang="de-CH" b="0" i="1" smtClean="0">
+                                    <a:latin typeface="Cambria Math" panose="02040503050406030204" pitchFamily="18" charset="0"/>
+                                  </a:rPr>
+                                </m:ctrlPr>
+                              </m:sSubPr>
+                              <m:e>
+                                <m:r>
+                                  <a:rPr lang="de-CH" b="0" i="1" smtClean="0">
+                                    <a:latin typeface="Cambria Math" panose="02040503050406030204" pitchFamily="18" charset="0"/>
+                                  </a:rPr>
+                                  <m:t>𝑥</m:t>
+                                </m:r>
+                              </m:e>
+                              <m:sub>
+                                <m:r>
+                                  <a:rPr lang="de-CH" b="0" i="1" smtClean="0">
+                                    <a:latin typeface="Cambria Math" panose="02040503050406030204" pitchFamily="18" charset="0"/>
+                                  </a:rPr>
+                                  <m:t>1,2</m:t>
+                                </m:r>
+                              </m:sub>
+                            </m:sSub>
+                          </m:e>
+                          <m:e>
+                            <m:r>
+                              <a:rPr lang="de-CH" b="0" i="1" smtClean="0">
+                                <a:latin typeface="Cambria Math" panose="02040503050406030204" pitchFamily="18" charset="0"/>
+                              </a:rPr>
+                              <m:t>⋯</m:t>
+                            </m:r>
+                          </m:e>
+                          <m:e>
+                            <m:sSub>
+                              <m:sSubPr>
+                                <m:ctrlPr>
+                                  <a:rPr lang="de-CH" b="0" i="1" smtClean="0">
+                                    <a:latin typeface="Cambria Math" panose="02040503050406030204" pitchFamily="18" charset="0"/>
+                                  </a:rPr>
+                                </m:ctrlPr>
+                              </m:sSubPr>
+                              <m:e>
+                                <m:r>
+                                  <a:rPr lang="de-CH" b="0" i="1" smtClean="0">
+                                    <a:latin typeface="Cambria Math" panose="02040503050406030204" pitchFamily="18" charset="0"/>
+                                  </a:rPr>
+                                  <m:t>𝑥</m:t>
+                                </m:r>
+                              </m:e>
+                              <m:sub>
+                                <m:r>
+                                  <a:rPr lang="de-CH" b="0" i="1" smtClean="0">
+                                    <a:latin typeface="Cambria Math" panose="02040503050406030204" pitchFamily="18" charset="0"/>
+                                  </a:rPr>
+                                  <m:t>1,</m:t>
+                                </m:r>
+                                <m:r>
+                                  <a:rPr lang="de-CH" b="0" i="1" smtClean="0">
+                                    <a:latin typeface="Cambria Math" panose="02040503050406030204" pitchFamily="18" charset="0"/>
+                                  </a:rPr>
+                                  <m:t>𝐷</m:t>
+                                </m:r>
+                              </m:sub>
+                            </m:sSub>
+                          </m:e>
+                        </m:mr>
+                        <m:mr>
+                          <m:e>
+                            <m:sSub>
+                              <m:sSubPr>
+                                <m:ctrlPr>
+                                  <a:rPr lang="de-CH" b="0" i="1" smtClean="0">
+                                    <a:latin typeface="Cambria Math" panose="02040503050406030204" pitchFamily="18" charset="0"/>
+                                  </a:rPr>
+                                </m:ctrlPr>
+                              </m:sSubPr>
+                              <m:e>
+                                <m:r>
+                                  <a:rPr lang="de-CH" b="0" i="1" smtClean="0">
+                                    <a:latin typeface="Cambria Math" panose="02040503050406030204" pitchFamily="18" charset="0"/>
+                                  </a:rPr>
+                                  <m:t>𝑥</m:t>
+                                </m:r>
+                              </m:e>
+                              <m:sub>
+                                <m:r>
+                                  <a:rPr lang="de-CH" b="0" i="1" smtClean="0">
+                                    <a:latin typeface="Cambria Math" panose="02040503050406030204" pitchFamily="18" charset="0"/>
+                                  </a:rPr>
+                                  <m:t>2,1</m:t>
+                                </m:r>
+                              </m:sub>
+                            </m:sSub>
+                          </m:e>
+                          <m:e>
+                            <m:sSub>
+                              <m:sSubPr>
+                                <m:ctrlPr>
+                                  <a:rPr lang="de-CH" b="0" i="1" smtClean="0">
+                                    <a:latin typeface="Cambria Math" panose="02040503050406030204" pitchFamily="18" charset="0"/>
+                                  </a:rPr>
+                                </m:ctrlPr>
+                              </m:sSubPr>
+                              <m:e>
+                                <m:r>
+                                  <a:rPr lang="de-CH" b="0" i="1" smtClean="0">
+                                    <a:latin typeface="Cambria Math" panose="02040503050406030204" pitchFamily="18" charset="0"/>
+                                  </a:rPr>
+                                  <m:t>𝑥</m:t>
+                                </m:r>
+                              </m:e>
+                              <m:sub>
+                                <m:r>
+                                  <a:rPr lang="de-CH" b="0" i="1" smtClean="0">
+                                    <a:latin typeface="Cambria Math" panose="02040503050406030204" pitchFamily="18" charset="0"/>
+                                  </a:rPr>
+                                  <m:t>2,2</m:t>
+                                </m:r>
+                              </m:sub>
+                            </m:sSub>
+                          </m:e>
+                          <m:e>
+                            <m:r>
+                              <a:rPr lang="de-CH" b="0" i="1" smtClean="0">
+                                <a:latin typeface="Cambria Math" panose="02040503050406030204" pitchFamily="18" charset="0"/>
+                              </a:rPr>
+                              <m:t>…</m:t>
+                            </m:r>
+                          </m:e>
+                          <m:e>
+                            <m:sSub>
+                              <m:sSubPr>
+                                <m:ctrlPr>
+                                  <a:rPr lang="de-CH" b="0" i="1" smtClean="0">
+                                    <a:latin typeface="Cambria Math" panose="02040503050406030204" pitchFamily="18" charset="0"/>
+                                  </a:rPr>
+                                </m:ctrlPr>
+                              </m:sSubPr>
+                              <m:e>
+                                <m:r>
+                                  <a:rPr lang="de-CH" b="0" i="1" smtClean="0">
+                                    <a:latin typeface="Cambria Math" panose="02040503050406030204" pitchFamily="18" charset="0"/>
+                                  </a:rPr>
+                                  <m:t>𝑥</m:t>
+                                </m:r>
+                              </m:e>
+                              <m:sub>
+                                <m:r>
+                                  <a:rPr lang="de-CH" b="0" i="1" smtClean="0">
+                                    <a:latin typeface="Cambria Math" panose="02040503050406030204" pitchFamily="18" charset="0"/>
+                                  </a:rPr>
+                                  <m:t>2,</m:t>
+                                </m:r>
+                                <m:r>
+                                  <a:rPr lang="de-CH" b="0" i="1" smtClean="0">
+                                    <a:latin typeface="Cambria Math" panose="02040503050406030204" pitchFamily="18" charset="0"/>
+                                  </a:rPr>
+                                  <m:t>𝐷</m:t>
+                                </m:r>
+                              </m:sub>
+                            </m:sSub>
+                          </m:e>
+                        </m:mr>
+                        <m:mr>
+                          <m:e>
+                            <m:r>
+                              <a:rPr lang="de-CH" b="0" i="1" smtClean="0">
+                                <a:latin typeface="Cambria Math" panose="02040503050406030204" pitchFamily="18" charset="0"/>
+                              </a:rPr>
+                              <m:t>⋮</m:t>
+                            </m:r>
+                          </m:e>
+                          <m:e>
+                            <m:r>
+                              <a:rPr lang="de-CH" b="0" i="1" smtClean="0">
+                                <a:latin typeface="Cambria Math" panose="02040503050406030204" pitchFamily="18" charset="0"/>
+                              </a:rPr>
+                              <m:t>⋮</m:t>
+                            </m:r>
+                          </m:e>
+                          <m:e>
+                            <m:r>
+                              <a:rPr lang="de-CH" b="0" i="1" smtClean="0">
+                                <a:latin typeface="Cambria Math" panose="02040503050406030204" pitchFamily="18" charset="0"/>
+                              </a:rPr>
+                              <m:t>⋱</m:t>
+                            </m:r>
+                          </m:e>
+                          <m:e>
+                            <m:r>
+                              <a:rPr lang="de-CH" b="0" i="1" smtClean="0">
+                                <a:latin typeface="Cambria Math" panose="02040503050406030204" pitchFamily="18" charset="0"/>
+                              </a:rPr>
+                              <m:t>⋮</m:t>
+                            </m:r>
+                          </m:e>
+                        </m:mr>
+                        <m:mr>
+                          <m:e>
+                            <m:sSub>
+                              <m:sSubPr>
+                                <m:ctrlPr>
+                                  <a:rPr lang="de-CH" b="0" i="1" smtClean="0">
+                                    <a:latin typeface="Cambria Math" panose="02040503050406030204" pitchFamily="18" charset="0"/>
+                                  </a:rPr>
+                                </m:ctrlPr>
+                              </m:sSubPr>
+                              <m:e>
+                                <m:r>
+                                  <a:rPr lang="de-CH" b="0" i="1" smtClean="0">
+                                    <a:latin typeface="Cambria Math" panose="02040503050406030204" pitchFamily="18" charset="0"/>
+                                  </a:rPr>
+                                  <m:t>𝑋</m:t>
+                                </m:r>
+                              </m:e>
+                              <m:sub>
+                                <m:r>
+                                  <a:rPr lang="de-CH" b="0" i="1" smtClean="0">
+                                    <a:latin typeface="Cambria Math" panose="02040503050406030204" pitchFamily="18" charset="0"/>
+                                  </a:rPr>
+                                  <m:t>𝑁</m:t>
+                                </m:r>
+                                <m:r>
+                                  <a:rPr lang="de-CH" b="0" i="1" smtClean="0">
+                                    <a:latin typeface="Cambria Math" panose="02040503050406030204" pitchFamily="18" charset="0"/>
+                                  </a:rPr>
+                                  <m:t>,1</m:t>
+                                </m:r>
+                              </m:sub>
+                            </m:sSub>
+                          </m:e>
+                          <m:e>
+                            <m:r>
+                              <a:rPr lang="de-CH" b="0" i="1" smtClean="0">
+                                <a:latin typeface="Cambria Math" panose="02040503050406030204" pitchFamily="18" charset="0"/>
+                              </a:rPr>
+                              <m:t>…</m:t>
+                            </m:r>
+                          </m:e>
+                          <m:e>
+                            <m:r>
+                              <a:rPr lang="de-CH" b="0" i="1" smtClean="0">
+                                <a:latin typeface="Cambria Math" panose="02040503050406030204" pitchFamily="18" charset="0"/>
+                              </a:rPr>
+                              <m:t>…</m:t>
+                            </m:r>
+                          </m:e>
+                          <m:e>
+                            <m:sSub>
+                              <m:sSubPr>
+                                <m:ctrlPr>
+                                  <a:rPr lang="de-CH" b="0" i="1" smtClean="0">
+                                    <a:latin typeface="Cambria Math" panose="02040503050406030204" pitchFamily="18" charset="0"/>
+                                  </a:rPr>
+                                </m:ctrlPr>
+                              </m:sSubPr>
+                              <m:e>
+                                <m:r>
+                                  <a:rPr lang="de-CH" b="0" i="1" smtClean="0">
+                                    <a:latin typeface="Cambria Math" panose="02040503050406030204" pitchFamily="18" charset="0"/>
+                                  </a:rPr>
+                                  <m:t>𝑥</m:t>
+                                </m:r>
+                              </m:e>
+                              <m:sub>
+                                <m:r>
+                                  <a:rPr lang="de-CH" b="0" i="1" smtClean="0">
+                                    <a:latin typeface="Cambria Math" panose="02040503050406030204" pitchFamily="18" charset="0"/>
+                                  </a:rPr>
+                                  <m:t>𝑁</m:t>
+                                </m:r>
+                                <m:r>
+                                  <a:rPr lang="de-CH" b="0" i="1" smtClean="0">
+                                    <a:latin typeface="Cambria Math" panose="02040503050406030204" pitchFamily="18" charset="0"/>
+                                  </a:rPr>
+                                  <m:t>,</m:t>
+                                </m:r>
+                                <m:r>
+                                  <a:rPr lang="de-CH" b="0" i="1" smtClean="0">
+                                    <a:latin typeface="Cambria Math" panose="02040503050406030204" pitchFamily="18" charset="0"/>
+                                  </a:rPr>
+                                  <m:t>𝐷</m:t>
+                                </m:r>
+                              </m:sub>
+                            </m:sSub>
+                            <m:r>
+                              <a:rPr lang="de-CH" b="0" i="1" smtClean="0">
+                                <a:latin typeface="Cambria Math" panose="02040503050406030204" pitchFamily="18" charset="0"/>
+                              </a:rPr>
+                              <m:t> </m:t>
+                            </m:r>
+                          </m:e>
+                        </m:mr>
+                      </m:m>
+                    </m:oMath>
+                  </m:oMathPara>
+                </a14:m>
+                <a:endParaRPr lang="de-DE" dirty="0"/>
+              </a:p>
+            </p:txBody>
+          </p:sp>
+        </mc:Choice>
+        <mc:Fallback>
+          <p:sp>
+            <p:nvSpPr>
+              <p:cNvPr id="4" name="Textfeld 3">
+                <a:extLst>
+                  <a:ext uri="{FF2B5EF4-FFF2-40B4-BE49-F238E27FC236}">
+                    <a16:creationId xmlns:a16="http://schemas.microsoft.com/office/drawing/2014/main" id="{E5C9E0D3-6A07-F24C-BAE1-6B593377074C}"/>
+                  </a:ext>
+                </a:extLst>
+              </p:cNvPr>
+              <p:cNvSpPr txBox="1">
+                <a:spLocks noRot="1" noChangeAspect="1" noMove="1" noResize="1" noEditPoints="1" noAdjustHandles="1" noChangeArrowheads="1" noChangeShapeType="1" noTextEdit="1"/>
+              </p:cNvSpPr>
+              <p:nvPr/>
+            </p:nvSpPr>
+            <p:spPr>
+              <a:xfrm>
+                <a:off x="4272197" y="4641551"/>
+                <a:ext cx="2158584" cy="1077539"/>
+              </a:xfrm>
+              <a:prstGeom prst="rect">
+                <a:avLst/>
+              </a:prstGeom>
+              <a:blipFill>
+                <a:blip r:embed="rId2"/>
+                <a:stretch>
+                  <a:fillRect l="-2941" r="-4118" b="-4651"/>
+                </a:stretch>
+              </a:blipFill>
+            </p:spPr>
+            <p:txBody>
+              <a:bodyPr/>
+              <a:lstStyle/>
+              <a:p>
+                <a:r>
+                  <a:rPr lang="de-DE">
+                    <a:noFill/>
+                  </a:rPr>
+                  <a:t> </a:t>
+                </a:r>
+              </a:p>
+            </p:txBody>
+          </p:sp>
+        </mc:Fallback>
+      </mc:AlternateContent>
+      <p:sp>
+        <p:nvSpPr>
+          <p:cNvPr id="5" name="Textfeld 4">
+            <a:extLst>
+              <a:ext uri="{FF2B5EF4-FFF2-40B4-BE49-F238E27FC236}">
+                <a16:creationId xmlns:a16="http://schemas.microsoft.com/office/drawing/2014/main" id="{6B6DDC14-86CE-2E46-AC68-FB5E0A18AF64}"/>
+              </a:ext>
+            </a:extLst>
+          </p:cNvPr>
+          <p:cNvSpPr txBox="1"/>
+          <p:nvPr/>
+        </p:nvSpPr>
+        <p:spPr>
+          <a:xfrm>
+            <a:off x="3649151" y="4119447"/>
+            <a:ext cx="1034579" cy="369332"/>
+          </a:xfrm>
+          <a:prstGeom prst="rect">
+            <a:avLst/>
+          </a:prstGeom>
+          <a:noFill/>
+        </p:spPr>
+        <p:txBody>
+          <a:bodyPr wrap="none" rtlCol="0">
+            <a:spAutoFit/>
+          </a:bodyPr>
+          <a:lstStyle/>
+          <a:p>
+            <a:r>
+              <a:rPr lang="de-DE" dirty="0" err="1"/>
+              <a:t>feature</a:t>
+            </a:r>
+            <a:r>
+              <a:rPr lang="de-DE" dirty="0"/>
+              <a:t> 1</a:t>
+            </a:r>
+          </a:p>
+        </p:txBody>
+      </p:sp>
+      <p:sp>
+        <p:nvSpPr>
+          <p:cNvPr id="6" name="Textfeld 5">
+            <a:extLst>
+              <a:ext uri="{FF2B5EF4-FFF2-40B4-BE49-F238E27FC236}">
+                <a16:creationId xmlns:a16="http://schemas.microsoft.com/office/drawing/2014/main" id="{DD9E1610-04B8-0747-B0CF-8AB8B1FD4AC1}"/>
+              </a:ext>
+            </a:extLst>
+          </p:cNvPr>
+          <p:cNvSpPr txBox="1"/>
+          <p:nvPr/>
+        </p:nvSpPr>
+        <p:spPr>
+          <a:xfrm>
+            <a:off x="5885502" y="4113546"/>
+            <a:ext cx="1060227" cy="369332"/>
+          </a:xfrm>
+          <a:prstGeom prst="rect">
+            <a:avLst/>
+          </a:prstGeom>
+          <a:noFill/>
+        </p:spPr>
+        <p:txBody>
+          <a:bodyPr wrap="none" rtlCol="0">
+            <a:spAutoFit/>
+          </a:bodyPr>
+          <a:lstStyle/>
+          <a:p>
+            <a:r>
+              <a:rPr lang="de-DE" dirty="0" err="1"/>
+              <a:t>feature</a:t>
+            </a:r>
+            <a:r>
+              <a:rPr lang="de-DE" dirty="0"/>
+              <a:t> D</a:t>
+            </a:r>
+          </a:p>
+        </p:txBody>
+      </p:sp>
+      <p:sp>
+        <p:nvSpPr>
+          <p:cNvPr id="7" name="Textfeld 6">
+            <a:extLst>
+              <a:ext uri="{FF2B5EF4-FFF2-40B4-BE49-F238E27FC236}">
+                <a16:creationId xmlns:a16="http://schemas.microsoft.com/office/drawing/2014/main" id="{5D4FCE61-F737-384D-BD89-2B210A3B44DA}"/>
+              </a:ext>
+            </a:extLst>
+          </p:cNvPr>
+          <p:cNvSpPr txBox="1"/>
+          <p:nvPr/>
+        </p:nvSpPr>
+        <p:spPr>
+          <a:xfrm>
+            <a:off x="6658131" y="4595942"/>
+            <a:ext cx="1029449" cy="369332"/>
+          </a:xfrm>
+          <a:prstGeom prst="rect">
+            <a:avLst/>
+          </a:prstGeom>
+          <a:noFill/>
+        </p:spPr>
+        <p:txBody>
+          <a:bodyPr wrap="none" rtlCol="0">
+            <a:spAutoFit/>
+          </a:bodyPr>
+          <a:lstStyle/>
+          <a:p>
+            <a:r>
+              <a:rPr lang="de-DE" dirty="0"/>
+              <a:t>sample 1</a:t>
+            </a:r>
+          </a:p>
+        </p:txBody>
+      </p:sp>
+      <p:sp>
+        <p:nvSpPr>
+          <p:cNvPr id="8" name="Textfeld 7">
+            <a:extLst>
+              <a:ext uri="{FF2B5EF4-FFF2-40B4-BE49-F238E27FC236}">
+                <a16:creationId xmlns:a16="http://schemas.microsoft.com/office/drawing/2014/main" id="{9E1B9B42-AA18-3B4B-A653-D57490275E5E}"/>
+              </a:ext>
+            </a:extLst>
+          </p:cNvPr>
+          <p:cNvSpPr txBox="1"/>
+          <p:nvPr/>
+        </p:nvSpPr>
+        <p:spPr>
+          <a:xfrm>
+            <a:off x="6658131" y="5384861"/>
+            <a:ext cx="1061509" cy="369332"/>
+          </a:xfrm>
+          <a:prstGeom prst="rect">
+            <a:avLst/>
+          </a:prstGeom>
+          <a:noFill/>
+        </p:spPr>
+        <p:txBody>
+          <a:bodyPr wrap="none" rtlCol="0">
+            <a:spAutoFit/>
+          </a:bodyPr>
+          <a:lstStyle/>
+          <a:p>
+            <a:r>
+              <a:rPr lang="de-DE" dirty="0"/>
+              <a:t>sample N</a:t>
+            </a:r>
+          </a:p>
+        </p:txBody>
+      </p:sp>
+      <p:sp>
+        <p:nvSpPr>
+          <p:cNvPr id="9" name="Textfeld 8">
+            <a:extLst>
+              <a:ext uri="{FF2B5EF4-FFF2-40B4-BE49-F238E27FC236}">
+                <a16:creationId xmlns:a16="http://schemas.microsoft.com/office/drawing/2014/main" id="{15FB35AF-A824-9D4D-8FBF-4C485C9157D7}"/>
+              </a:ext>
+            </a:extLst>
+          </p:cNvPr>
+          <p:cNvSpPr txBox="1"/>
+          <p:nvPr/>
+        </p:nvSpPr>
+        <p:spPr>
+          <a:xfrm>
+            <a:off x="1229193" y="834485"/>
+            <a:ext cx="9927269" cy="1754326"/>
+          </a:xfrm>
+          <a:prstGeom prst="rect">
+            <a:avLst/>
+          </a:prstGeom>
+          <a:noFill/>
+        </p:spPr>
+        <p:txBody>
+          <a:bodyPr wrap="none" rtlCol="0">
+            <a:spAutoFit/>
+          </a:bodyPr>
+          <a:lstStyle/>
+          <a:p>
+            <a:r>
+              <a:rPr lang="de-DE" dirty="0"/>
+              <a:t>N Samples</a:t>
+            </a:r>
+          </a:p>
+          <a:p>
+            <a:r>
+              <a:rPr lang="de-DE" dirty="0"/>
+              <a:t>D </a:t>
+            </a:r>
+            <a:r>
+              <a:rPr lang="de-DE" dirty="0" err="1"/>
+              <a:t>Dimensions</a:t>
+            </a:r>
+            <a:r>
+              <a:rPr lang="de-DE" dirty="0"/>
+              <a:t>/Features </a:t>
+            </a:r>
+            <a:r>
+              <a:rPr lang="de-DE" dirty="0" err="1"/>
+              <a:t>each</a:t>
+            </a:r>
+            <a:endParaRPr lang="de-DE" dirty="0"/>
+          </a:p>
+          <a:p>
+            <a:r>
+              <a:rPr lang="de-DE" dirty="0"/>
+              <a:t>K </a:t>
+            </a:r>
+            <a:r>
+              <a:rPr lang="de-DE" dirty="0" err="1"/>
+              <a:t>number</a:t>
+            </a:r>
+            <a:r>
+              <a:rPr lang="de-DE" dirty="0"/>
+              <a:t> </a:t>
+            </a:r>
+            <a:r>
+              <a:rPr lang="de-DE" dirty="0" err="1"/>
+              <a:t>of</a:t>
+            </a:r>
+            <a:r>
+              <a:rPr lang="de-DE" dirty="0"/>
+              <a:t> </a:t>
+            </a:r>
+            <a:r>
+              <a:rPr lang="de-DE" dirty="0" err="1"/>
+              <a:t>classes</a:t>
+            </a:r>
+            <a:endParaRPr lang="de-DE" dirty="0"/>
+          </a:p>
+          <a:p>
+            <a:endParaRPr lang="de-DE" dirty="0"/>
+          </a:p>
+          <a:p>
+            <a:r>
+              <a:rPr lang="de-DE" dirty="0"/>
+              <a:t>Source </a:t>
+            </a:r>
+            <a:r>
+              <a:rPr lang="de-DE" dirty="0" err="1"/>
+              <a:t>of</a:t>
+            </a:r>
+            <a:r>
+              <a:rPr lang="de-DE" dirty="0"/>
+              <a:t> </a:t>
+            </a:r>
+            <a:r>
+              <a:rPr lang="de-DE" dirty="0" err="1"/>
+              <a:t>confusion</a:t>
+            </a:r>
+            <a:r>
+              <a:rPr lang="de-DE" dirty="0"/>
+              <a:t>: </a:t>
+            </a:r>
+            <a:r>
+              <a:rPr lang="de-DE" dirty="0" err="1"/>
+              <a:t>Vectors</a:t>
+            </a:r>
+            <a:r>
+              <a:rPr lang="de-DE" dirty="0"/>
+              <a:t> </a:t>
+            </a:r>
+            <a:r>
+              <a:rPr lang="de-DE" dirty="0" err="1"/>
+              <a:t>are</a:t>
+            </a:r>
+            <a:r>
+              <a:rPr lang="de-DE" dirty="0"/>
+              <a:t> </a:t>
+            </a:r>
+            <a:r>
+              <a:rPr lang="de-DE" dirty="0" err="1"/>
+              <a:t>considered</a:t>
+            </a:r>
+            <a:r>
+              <a:rPr lang="de-DE" dirty="0"/>
+              <a:t> </a:t>
+            </a:r>
+            <a:r>
+              <a:rPr lang="de-DE" dirty="0" err="1"/>
+              <a:t>as</a:t>
+            </a:r>
+            <a:r>
+              <a:rPr lang="de-DE" dirty="0"/>
+              <a:t> </a:t>
+            </a:r>
+            <a:r>
+              <a:rPr lang="de-DE" dirty="0" err="1"/>
+              <a:t>column</a:t>
+            </a:r>
+            <a:r>
+              <a:rPr lang="de-DE" dirty="0"/>
+              <a:t> </a:t>
+            </a:r>
+            <a:r>
+              <a:rPr lang="de-DE" dirty="0" err="1"/>
+              <a:t>vectors</a:t>
+            </a:r>
+            <a:r>
+              <a:rPr lang="de-DE" dirty="0"/>
+              <a:t> </a:t>
+            </a:r>
+            <a:r>
+              <a:rPr lang="de-DE" dirty="0" err="1"/>
+              <a:t>by</a:t>
+            </a:r>
+            <a:r>
+              <a:rPr lang="de-DE" dirty="0"/>
+              <a:t> </a:t>
+            </a:r>
+            <a:r>
+              <a:rPr lang="de-DE" dirty="0" err="1"/>
+              <a:t>convention</a:t>
+            </a:r>
+            <a:r>
+              <a:rPr lang="de-DE" dirty="0"/>
+              <a:t>, </a:t>
+            </a:r>
+            <a:r>
+              <a:rPr lang="de-DE" dirty="0" err="1"/>
+              <a:t>therefore</a:t>
+            </a:r>
+            <a:r>
+              <a:rPr lang="de-DE" dirty="0"/>
+              <a:t> </a:t>
+            </a:r>
+            <a:r>
+              <a:rPr lang="de-DE" dirty="0" err="1"/>
+              <a:t>scalar</a:t>
+            </a:r>
+            <a:r>
+              <a:rPr lang="de-DE" dirty="0"/>
+              <a:t> </a:t>
+            </a:r>
+            <a:r>
+              <a:rPr lang="de-DE" dirty="0" err="1"/>
+              <a:t>products</a:t>
+            </a:r>
+            <a:r>
+              <a:rPr lang="de-DE" dirty="0"/>
+              <a:t> </a:t>
+            </a:r>
+          </a:p>
+          <a:p>
+            <a:r>
+              <a:rPr lang="de-DE" dirty="0" err="1"/>
+              <a:t>and</a:t>
+            </a:r>
+            <a:r>
+              <a:rPr lang="de-DE" dirty="0"/>
+              <a:t> </a:t>
+            </a:r>
+            <a:r>
+              <a:rPr lang="de-DE" dirty="0" err="1"/>
+              <a:t>matrix</a:t>
+            </a:r>
+            <a:r>
+              <a:rPr lang="de-DE" dirty="0"/>
+              <a:t> </a:t>
+            </a:r>
+            <a:r>
+              <a:rPr lang="de-DE" dirty="0" err="1"/>
+              <a:t>products</a:t>
+            </a:r>
+            <a:r>
+              <a:rPr lang="de-DE" dirty="0"/>
+              <a:t> </a:t>
+            </a:r>
+            <a:r>
+              <a:rPr lang="de-DE" dirty="0" err="1"/>
+              <a:t>have</a:t>
+            </a:r>
+            <a:r>
+              <a:rPr lang="de-DE" dirty="0"/>
+              <a:t> </a:t>
+            </a:r>
+            <a:r>
+              <a:rPr lang="de-DE" dirty="0" err="1"/>
+              <a:t>the</a:t>
+            </a:r>
+            <a:r>
+              <a:rPr lang="de-DE" dirty="0"/>
+              <a:t> </a:t>
+            </a:r>
+            <a:r>
+              <a:rPr lang="de-DE" dirty="0" err="1"/>
+              <a:t>objects</a:t>
+            </a:r>
+            <a:r>
+              <a:rPr lang="de-DE" dirty="0"/>
+              <a:t> in different </a:t>
+            </a:r>
+            <a:r>
+              <a:rPr lang="de-DE" dirty="0" err="1"/>
+              <a:t>order</a:t>
+            </a:r>
+            <a:r>
+              <a:rPr lang="de-DE" dirty="0"/>
+              <a:t> </a:t>
+            </a:r>
+            <a:r>
+              <a:rPr lang="de-DE" dirty="0" err="1"/>
+              <a:t>sometimes</a:t>
+            </a:r>
+            <a:r>
+              <a:rPr lang="de-DE" dirty="0"/>
+              <a:t>. </a:t>
+            </a:r>
+            <a:r>
+              <a:rPr lang="de-DE" dirty="0" err="1"/>
+              <a:t>For</a:t>
+            </a:r>
+            <a:r>
+              <a:rPr lang="de-DE" dirty="0"/>
+              <a:t> </a:t>
+            </a:r>
+            <a:r>
+              <a:rPr lang="de-DE" dirty="0" err="1"/>
+              <a:t>example</a:t>
+            </a:r>
+            <a:r>
+              <a:rPr lang="de-DE" dirty="0"/>
+              <a:t>:</a:t>
+            </a:r>
+          </a:p>
+        </p:txBody>
+      </p:sp>
+      <mc:AlternateContent xmlns:mc="http://schemas.openxmlformats.org/markup-compatibility/2006">
+        <mc:Choice xmlns:a14="http://schemas.microsoft.com/office/drawing/2010/main" Requires="a14">
+          <p:sp>
+            <p:nvSpPr>
+              <p:cNvPr id="10" name="Rechteck 9">
+                <a:extLst>
+                  <a:ext uri="{FF2B5EF4-FFF2-40B4-BE49-F238E27FC236}">
+                    <a16:creationId xmlns:a16="http://schemas.microsoft.com/office/drawing/2014/main" id="{F31726B6-4C38-2B4B-A7E9-3236B88A3A5D}"/>
+                  </a:ext>
+                </a:extLst>
+              </p:cNvPr>
+              <p:cNvSpPr/>
+              <p:nvPr/>
+            </p:nvSpPr>
+            <p:spPr>
+              <a:xfrm>
+                <a:off x="4578799" y="2781154"/>
+                <a:ext cx="1256626" cy="369332"/>
+              </a:xfrm>
+              <a:prstGeom prst="rect">
+                <a:avLst/>
+              </a:prstGeom>
+            </p:spPr>
+            <p:txBody>
+              <a:bodyPr wrap="none">
+                <a:spAutoFit/>
+              </a:bodyPr>
+              <a:lstStyle/>
+              <a:p>
+                <a:pPr/>
+                <a14:m>
+                  <m:oMathPara xmlns:m="http://schemas.openxmlformats.org/officeDocument/2006/math">
+                    <m:oMathParaPr>
+                      <m:jc m:val="centerGroup"/>
+                    </m:oMathParaPr>
+                    <m:oMath xmlns:m="http://schemas.openxmlformats.org/officeDocument/2006/math">
+                      <m:r>
+                        <a:rPr lang="de-CH" i="1" smtClean="0">
+                          <a:latin typeface="Cambria Math" panose="02040503050406030204" pitchFamily="18" charset="0"/>
+                        </a:rPr>
+                        <m:t>𝑧</m:t>
+                      </m:r>
+                      <m:r>
+                        <a:rPr lang="de-CH" i="1" smtClean="0">
+                          <a:latin typeface="Cambria Math" panose="02040503050406030204" pitchFamily="18" charset="0"/>
+                        </a:rPr>
+                        <m:t>=</m:t>
+                      </m:r>
+                      <m:sSup>
+                        <m:sSupPr>
+                          <m:ctrlPr>
+                            <a:rPr lang="de-CH" i="1">
+                              <a:latin typeface="Cambria Math" panose="02040503050406030204" pitchFamily="18" charset="0"/>
+                            </a:rPr>
+                          </m:ctrlPr>
+                        </m:sSupPr>
+                        <m:e>
+                          <m:r>
+                            <a:rPr lang="de-CH" b="0" i="1" smtClean="0">
+                              <a:latin typeface="Cambria Math" panose="02040503050406030204" pitchFamily="18" charset="0"/>
+                            </a:rPr>
+                            <m:t>𝑤</m:t>
+                          </m:r>
+                        </m:e>
+                        <m:sup>
+                          <m:r>
+                            <a:rPr lang="de-CH" i="1">
+                              <a:latin typeface="Cambria Math" panose="02040503050406030204" pitchFamily="18" charset="0"/>
+                            </a:rPr>
+                            <m:t>𝑇</m:t>
+                          </m:r>
+                        </m:sup>
+                      </m:sSup>
+                      <m:r>
+                        <a:rPr lang="de-CH" i="1">
+                          <a:latin typeface="Cambria Math" panose="02040503050406030204" pitchFamily="18" charset="0"/>
+                          <a:ea typeface="Cambria Math" panose="02040503050406030204" pitchFamily="18" charset="0"/>
+                        </a:rPr>
+                        <m:t>∙</m:t>
+                      </m:r>
+                      <m:r>
+                        <a:rPr lang="de-CH" i="1">
+                          <a:latin typeface="Cambria Math" panose="02040503050406030204" pitchFamily="18" charset="0"/>
+                          <a:ea typeface="Cambria Math" panose="02040503050406030204" pitchFamily="18" charset="0"/>
+                        </a:rPr>
+                        <m:t>𝑥</m:t>
+                      </m:r>
+                    </m:oMath>
+                  </m:oMathPara>
+                </a14:m>
+                <a:endParaRPr lang="de-DE" dirty="0"/>
+              </a:p>
+            </p:txBody>
+          </p:sp>
+        </mc:Choice>
+        <mc:Fallback>
+          <p:sp>
+            <p:nvSpPr>
+              <p:cNvPr id="10" name="Rechteck 9">
+                <a:extLst>
+                  <a:ext uri="{FF2B5EF4-FFF2-40B4-BE49-F238E27FC236}">
+                    <a16:creationId xmlns:a16="http://schemas.microsoft.com/office/drawing/2014/main" id="{F31726B6-4C38-2B4B-A7E9-3236B88A3A5D}"/>
+                  </a:ext>
+                </a:extLst>
+              </p:cNvPr>
+              <p:cNvSpPr>
+                <a:spLocks noRot="1" noChangeAspect="1" noMove="1" noResize="1" noEditPoints="1" noAdjustHandles="1" noChangeArrowheads="1" noChangeShapeType="1" noTextEdit="1"/>
+              </p:cNvSpPr>
+              <p:nvPr/>
+            </p:nvSpPr>
+            <p:spPr>
+              <a:xfrm>
+                <a:off x="4578799" y="2781154"/>
+                <a:ext cx="1256626" cy="369332"/>
+              </a:xfrm>
+              <a:prstGeom prst="rect">
+                <a:avLst/>
+              </a:prstGeom>
+              <a:blipFill>
+                <a:blip r:embed="rId3"/>
+                <a:stretch>
+                  <a:fillRect/>
+                </a:stretch>
+              </a:blipFill>
+            </p:spPr>
+            <p:txBody>
+              <a:bodyPr/>
+              <a:lstStyle/>
+              <a:p>
+                <a:r>
+                  <a:rPr lang="de-DE">
+                    <a:noFill/>
+                  </a:rPr>
+                  <a:t> </a:t>
+                </a:r>
+              </a:p>
+            </p:txBody>
+          </p:sp>
+        </mc:Fallback>
+      </mc:AlternateContent>
+      <mc:AlternateContent xmlns:mc="http://schemas.openxmlformats.org/markup-compatibility/2006">
+        <mc:Choice xmlns:a14="http://schemas.microsoft.com/office/drawing/2010/main" Requires="a14">
+          <p:sp>
+            <p:nvSpPr>
+              <p:cNvPr id="11" name="Rechteck 10">
+                <a:extLst>
+                  <a:ext uri="{FF2B5EF4-FFF2-40B4-BE49-F238E27FC236}">
+                    <a16:creationId xmlns:a16="http://schemas.microsoft.com/office/drawing/2014/main" id="{0709B732-DD4F-234C-9ADB-BF0C58796F12}"/>
+                  </a:ext>
+                </a:extLst>
+              </p:cNvPr>
+              <p:cNvSpPr/>
+              <p:nvPr/>
+            </p:nvSpPr>
+            <p:spPr>
+              <a:xfrm>
+                <a:off x="6552015" y="2776437"/>
+                <a:ext cx="1214050" cy="369332"/>
+              </a:xfrm>
+              <a:prstGeom prst="rect">
+                <a:avLst/>
+              </a:prstGeom>
+            </p:spPr>
+            <p:txBody>
+              <a:bodyPr wrap="none">
+                <a:spAutoFit/>
+              </a:bodyPr>
+              <a:lstStyle/>
+              <a:p>
+                <a:pPr/>
+                <a14:m>
+                  <m:oMathPara xmlns:m="http://schemas.openxmlformats.org/officeDocument/2006/math">
+                    <m:oMathParaPr>
+                      <m:jc m:val="centerGroup"/>
+                    </m:oMathParaPr>
+                    <m:oMath xmlns:m="http://schemas.openxmlformats.org/officeDocument/2006/math">
+                      <m:r>
+                        <m:rPr>
+                          <m:sty m:val="p"/>
+                        </m:rPr>
+                        <a:rPr lang="de-CH" b="0" i="0" smtClean="0">
+                          <a:latin typeface="Cambria Math" panose="02040503050406030204" pitchFamily="18" charset="0"/>
+                        </a:rPr>
+                        <m:t>Z</m:t>
+                      </m:r>
+                      <m:r>
+                        <a:rPr lang="de-CH" i="1" smtClean="0">
+                          <a:latin typeface="Cambria Math" panose="02040503050406030204" pitchFamily="18" charset="0"/>
+                        </a:rPr>
+                        <m:t>=</m:t>
+                      </m:r>
+                      <m:r>
+                        <a:rPr lang="de-CH" b="0" i="1" smtClean="0">
+                          <a:latin typeface="Cambria Math" panose="02040503050406030204" pitchFamily="18" charset="0"/>
+                        </a:rPr>
+                        <m:t>𝑋</m:t>
+                      </m:r>
+                      <m:r>
+                        <a:rPr lang="de-CH" i="1">
+                          <a:latin typeface="Cambria Math" panose="02040503050406030204" pitchFamily="18" charset="0"/>
+                          <a:ea typeface="Cambria Math" panose="02040503050406030204" pitchFamily="18" charset="0"/>
+                        </a:rPr>
+                        <m:t>∙</m:t>
+                      </m:r>
+                      <m:r>
+                        <a:rPr lang="de-CH" b="0" i="1" smtClean="0">
+                          <a:latin typeface="Cambria Math" panose="02040503050406030204" pitchFamily="18" charset="0"/>
+                          <a:ea typeface="Cambria Math" panose="02040503050406030204" pitchFamily="18" charset="0"/>
+                        </a:rPr>
+                        <m:t>𝑊</m:t>
+                      </m:r>
+                    </m:oMath>
+                  </m:oMathPara>
+                </a14:m>
+                <a:endParaRPr lang="de-DE" dirty="0"/>
+              </a:p>
+            </p:txBody>
+          </p:sp>
+        </mc:Choice>
+        <mc:Fallback>
+          <p:sp>
+            <p:nvSpPr>
+              <p:cNvPr id="11" name="Rechteck 10">
+                <a:extLst>
+                  <a:ext uri="{FF2B5EF4-FFF2-40B4-BE49-F238E27FC236}">
+                    <a16:creationId xmlns:a16="http://schemas.microsoft.com/office/drawing/2014/main" id="{0709B732-DD4F-234C-9ADB-BF0C58796F12}"/>
+                  </a:ext>
+                </a:extLst>
+              </p:cNvPr>
+              <p:cNvSpPr>
+                <a:spLocks noRot="1" noChangeAspect="1" noMove="1" noResize="1" noEditPoints="1" noAdjustHandles="1" noChangeArrowheads="1" noChangeShapeType="1" noTextEdit="1"/>
+              </p:cNvSpPr>
+              <p:nvPr/>
+            </p:nvSpPr>
+            <p:spPr>
+              <a:xfrm>
+                <a:off x="6552015" y="2776437"/>
+                <a:ext cx="1214050" cy="369332"/>
+              </a:xfrm>
+              <a:prstGeom prst="rect">
+                <a:avLst/>
+              </a:prstGeom>
+              <a:blipFill>
+                <a:blip r:embed="rId4"/>
+                <a:stretch>
+                  <a:fillRect/>
+                </a:stretch>
+              </a:blipFill>
+            </p:spPr>
+            <p:txBody>
+              <a:bodyPr/>
+              <a:lstStyle/>
+              <a:p>
+                <a:r>
+                  <a:rPr lang="de-DE">
+                    <a:noFill/>
+                  </a:rPr>
+                  <a:t> </a:t>
+                </a:r>
+              </a:p>
+            </p:txBody>
+          </p:sp>
+        </mc:Fallback>
+      </mc:AlternateContent>
+      <p:sp>
+        <p:nvSpPr>
+          <p:cNvPr id="12" name="Textfeld 11">
+            <a:extLst>
+              <a:ext uri="{FF2B5EF4-FFF2-40B4-BE49-F238E27FC236}">
+                <a16:creationId xmlns:a16="http://schemas.microsoft.com/office/drawing/2014/main" id="{F943978E-6254-6043-B03D-FF4EF300448F}"/>
+              </a:ext>
+            </a:extLst>
+          </p:cNvPr>
+          <p:cNvSpPr txBox="1"/>
+          <p:nvPr/>
+        </p:nvSpPr>
+        <p:spPr>
+          <a:xfrm>
+            <a:off x="5966125" y="2776437"/>
+            <a:ext cx="505267" cy="369332"/>
+          </a:xfrm>
+          <a:prstGeom prst="rect">
+            <a:avLst/>
+          </a:prstGeom>
+          <a:noFill/>
+        </p:spPr>
+        <p:txBody>
+          <a:bodyPr wrap="none" rtlCol="0">
+            <a:spAutoFit/>
+          </a:bodyPr>
+          <a:lstStyle/>
+          <a:p>
+            <a:r>
+              <a:rPr lang="de-DE" dirty="0"/>
+              <a:t>but</a:t>
+            </a:r>
+          </a:p>
+        </p:txBody>
+      </p:sp>
+    </p:spTree>
+    <p:extLst>
+      <p:ext uri="{BB962C8B-B14F-4D97-AF65-F5344CB8AC3E}">
+        <p14:creationId xmlns:p14="http://schemas.microsoft.com/office/powerpoint/2010/main" val="3159293305"/>
+      </p:ext>
+    </p:extLst>
+  </p:cSld>
+  <p:clrMapOvr>
+    <a:masterClrMapping/>
+  </p:clrMapOvr>
+</p:sld>
+</file>
+
+<file path=ppt/slides/slide2.xml><?xml version="1.0" encoding="utf-8"?>
 <p:sld xmlns:a="http://schemas.openxmlformats.org/drawingml/2006/main" xmlns:r="http://schemas.openxmlformats.org/officeDocument/2006/relationships" xmlns:p="http://schemas.openxmlformats.org/presentationml/2006/main">
   <p:cSld>
     <p:spTree>
@@ -5290,8 +6481,8 @@
           </p:sp>
         </mc:Fallback>
       </mc:AlternateContent>
-      <mc:AlternateContent xmlns:mc="http://schemas.openxmlformats.org/markup-compatibility/2006">
-        <mc:Choice xmlns:a14="http://schemas.microsoft.com/office/drawing/2010/main" Requires="a14">
+      <mc:AlternateContent xmlns:mc="http://schemas.openxmlformats.org/markup-compatibility/2006" xmlns:a14="http://schemas.microsoft.com/office/drawing/2010/main">
+        <mc:Choice Requires="a14">
           <p:sp>
             <p:nvSpPr>
               <p:cNvPr id="34" name="Textfeld 33">
@@ -5366,7 +6557,7 @@
             </p:txBody>
           </p:sp>
         </mc:Choice>
-        <mc:Fallback>
+        <mc:Fallback xmlns="">
           <p:sp>
             <p:nvSpPr>
               <p:cNvPr id="34" name="Textfeld 33">
@@ -5415,162 +6606,6 @@
         <mc:Choice xmlns:a14="http://schemas.microsoft.com/office/drawing/2010/main" Requires="a14">
           <p:sp>
             <p:nvSpPr>
-              <p:cNvPr id="9" name="Textfeld 8">
-                <a:extLst>
-                  <a:ext uri="{FF2B5EF4-FFF2-40B4-BE49-F238E27FC236}">
-                    <a16:creationId xmlns:a16="http://schemas.microsoft.com/office/drawing/2014/main" id="{0B8DA192-C68B-8B49-85F4-F306DFEE0D48}"/>
-                  </a:ext>
-                </a:extLst>
-              </p:cNvPr>
-              <p:cNvSpPr txBox="1"/>
-              <p:nvPr/>
-            </p:nvSpPr>
-            <p:spPr>
-              <a:xfrm>
-                <a:off x="3723693" y="5025747"/>
-                <a:ext cx="1593128" cy="276999"/>
-              </a:xfrm>
-              <a:prstGeom prst="rect">
-                <a:avLst/>
-              </a:prstGeom>
-              <a:noFill/>
-            </p:spPr>
-            <p:txBody>
-              <a:bodyPr wrap="none" lIns="0" tIns="0" rIns="0" bIns="0" rtlCol="0">
-                <a:spAutoFit/>
-              </a:bodyPr>
-              <a:lstStyle/>
-              <a:p>
-                <a14:m>
-                  <m:oMathPara xmlns:m="http://schemas.openxmlformats.org/officeDocument/2006/math">
-                    <m:oMathParaPr>
-                      <m:jc m:val="centerGroup"/>
-                    </m:oMathParaPr>
-                    <m:oMath xmlns:m="http://schemas.openxmlformats.org/officeDocument/2006/math">
-                      <m:r>
-                        <a:rPr lang="de-CH" b="0" i="1" smtClean="0">
-                          <a:latin typeface="Cambria Math" panose="02040503050406030204" pitchFamily="18" charset="0"/>
-                        </a:rPr>
-                        <m:t>𝑍</m:t>
-                      </m:r>
-                      <m:r>
-                        <a:rPr lang="de-CH" b="0" i="1" smtClean="0">
-                          <a:latin typeface="Cambria Math" panose="02040503050406030204" pitchFamily="18" charset="0"/>
-                        </a:rPr>
-                        <m:t>=</m:t>
-                      </m:r>
-                      <m:r>
-                        <a:rPr lang="de-CH" b="0" i="1" smtClean="0">
-                          <a:latin typeface="Cambria Math" panose="02040503050406030204" pitchFamily="18" charset="0"/>
-                        </a:rPr>
-                        <m:t>𝑋</m:t>
-                      </m:r>
-                      <m:r>
-                        <a:rPr lang="de-CH" b="0" i="1" smtClean="0">
-                          <a:latin typeface="Cambria Math" panose="02040503050406030204" pitchFamily="18" charset="0"/>
-                          <a:ea typeface="Cambria Math" panose="02040503050406030204" pitchFamily="18" charset="0"/>
-                        </a:rPr>
-                        <m:t>∙</m:t>
-                      </m:r>
-                      <m:r>
-                        <a:rPr lang="de-CH" b="0" i="1" smtClean="0">
-                          <a:latin typeface="Cambria Math" panose="02040503050406030204" pitchFamily="18" charset="0"/>
-                          <a:ea typeface="Cambria Math" panose="02040503050406030204" pitchFamily="18" charset="0"/>
-                        </a:rPr>
-                        <m:t>𝑊</m:t>
-                      </m:r>
-                      <m:r>
-                        <a:rPr lang="de-CH" b="0" i="1" smtClean="0">
-                          <a:latin typeface="Cambria Math" panose="02040503050406030204" pitchFamily="18" charset="0"/>
-                          <a:ea typeface="Cambria Math" panose="02040503050406030204" pitchFamily="18" charset="0"/>
-                        </a:rPr>
-                        <m:t>+</m:t>
-                      </m:r>
-                      <m:sSub>
-                        <m:sSubPr>
-                          <m:ctrlPr>
-                            <a:rPr lang="de-CH" b="0" i="1" smtClean="0">
-                              <a:latin typeface="Cambria Math" panose="02040503050406030204" pitchFamily="18" charset="0"/>
-                              <a:ea typeface="Cambria Math" panose="02040503050406030204" pitchFamily="18" charset="0"/>
-                            </a:rPr>
-                          </m:ctrlPr>
-                        </m:sSubPr>
-                        <m:e>
-                          <m:r>
-                            <a:rPr lang="de-CH" b="0" i="1" smtClean="0">
-                              <a:latin typeface="Cambria Math" panose="02040503050406030204" pitchFamily="18" charset="0"/>
-                              <a:ea typeface="Cambria Math" panose="02040503050406030204" pitchFamily="18" charset="0"/>
-                            </a:rPr>
-                            <m:t>𝑤</m:t>
-                          </m:r>
-                        </m:e>
-                        <m:sub>
-                          <m:r>
-                            <a:rPr lang="de-CH" b="0" i="1" smtClean="0">
-                              <a:latin typeface="Cambria Math" panose="02040503050406030204" pitchFamily="18" charset="0"/>
-                              <a:ea typeface="Cambria Math" panose="02040503050406030204" pitchFamily="18" charset="0"/>
-                            </a:rPr>
-                            <m:t>0</m:t>
-                          </m:r>
-                        </m:sub>
-                      </m:sSub>
-                    </m:oMath>
-                  </m:oMathPara>
-                </a14:m>
-                <a:endParaRPr lang="de-DE" dirty="0"/>
-              </a:p>
-            </p:txBody>
-          </p:sp>
-        </mc:Choice>
-        <mc:Fallback>
-          <p:sp>
-            <p:nvSpPr>
-              <p:cNvPr id="9" name="Textfeld 8">
-                <a:extLst>
-                  <a:ext uri="{FF2B5EF4-FFF2-40B4-BE49-F238E27FC236}">
-                    <a16:creationId xmlns:a16="http://schemas.microsoft.com/office/drawing/2014/main" id="{0B8DA192-C68B-8B49-85F4-F306DFEE0D48}"/>
-                  </a:ext>
-                </a:extLst>
-              </p:cNvPr>
-              <p:cNvSpPr txBox="1">
-                <a:spLocks noRot="1" noChangeAspect="1" noMove="1" noResize="1" noEditPoints="1" noAdjustHandles="1" noChangeArrowheads="1" noChangeShapeType="1" noTextEdit="1"/>
-              </p:cNvSpPr>
-              <p:nvPr/>
-            </p:nvSpPr>
-            <p:spPr>
-              <a:xfrm>
-                <a:off x="3723693" y="5025747"/>
-                <a:ext cx="1593128" cy="276999"/>
-              </a:xfrm>
-              <a:prstGeom prst="rect">
-                <a:avLst/>
-              </a:prstGeom>
-              <a:blipFill>
-                <a:blip r:embed="rId12"/>
-                <a:stretch>
-                  <a:fillRect l="-2362" b="-9091"/>
-                </a:stretch>
-              </a:blipFill>
-            </p:spPr>
-            <p:txBody>
-              <a:bodyPr/>
-              <a:lstStyle/>
-              <a:p>
-                <a:r>
-                  <a:rPr lang="de-DE">
-                    <a:noFill/>
-                  </a:rPr>
-                  <a:t> </a:t>
-                </a:r>
-              </a:p>
-            </p:txBody>
-          </p:sp>
-        </mc:Fallback>
-      </mc:AlternateContent>
-      <mc:AlternateContent xmlns:mc="http://schemas.openxmlformats.org/markup-compatibility/2006">
-        <mc:Choice xmlns:a14="http://schemas.microsoft.com/office/drawing/2010/main" Requires="a14">
-          <p:sp>
-            <p:nvSpPr>
               <p:cNvPr id="18" name="Textfeld 17">
                 <a:extLst>
                   <a:ext uri="{FF2B5EF4-FFF2-40B4-BE49-F238E27FC236}">
@@ -5584,7 +6619,7 @@
             <p:spPr>
               <a:xfrm>
                 <a:off x="5573727" y="4870548"/>
-                <a:ext cx="1583062" cy="525016"/>
+                <a:ext cx="1557349" cy="525016"/>
               </a:xfrm>
               <a:prstGeom prst="rect">
                 <a:avLst/>
@@ -5597,6 +6632,7 @@
               </a:bodyPr>
               <a:lstStyle/>
               <a:p>
+                <a:pPr/>
                 <a14:m>
                   <m:oMathPara xmlns:m="http://schemas.openxmlformats.org/officeDocument/2006/math">
                     <m:oMathParaPr>
@@ -5625,7 +6661,7 @@
                               <a:latin typeface="Cambria Math" panose="02040503050406030204" pitchFamily="18" charset="0"/>
                               <a:ea typeface="Cambria Math" panose="02040503050406030204" pitchFamily="18" charset="0"/>
                             </a:rPr>
-                            <m:t>𝑍</m:t>
+                            <m:t>𝑧</m:t>
                           </m:r>
                         </m:e>
                       </m:d>
@@ -5725,15 +6761,15 @@
             <p:spPr>
               <a:xfrm>
                 <a:off x="5573727" y="4870548"/>
-                <a:ext cx="1583062" cy="525016"/>
+                <a:ext cx="1557349" cy="525016"/>
               </a:xfrm>
               <a:prstGeom prst="rect">
                 <a:avLst/>
               </a:prstGeom>
               <a:blipFill>
-                <a:blip r:embed="rId13"/>
+                <a:blip r:embed="rId12"/>
                 <a:stretch>
-                  <a:fillRect l="-794" t="-7317" b="-9756"/>
+                  <a:fillRect l="-806" t="-7317" b="-9756"/>
                 </a:stretch>
               </a:blipFill>
             </p:spPr>
@@ -5831,10 +6867,4855 @@
           </a:p>
         </p:txBody>
       </p:sp>
+      <mc:AlternateContent xmlns:mc="http://schemas.openxmlformats.org/markup-compatibility/2006">
+        <mc:Choice xmlns:a14="http://schemas.microsoft.com/office/drawing/2010/main" Requires="a14">
+          <p:sp>
+            <p:nvSpPr>
+              <p:cNvPr id="2" name="Rechteck 1">
+                <a:extLst>
+                  <a:ext uri="{FF2B5EF4-FFF2-40B4-BE49-F238E27FC236}">
+                    <a16:creationId xmlns:a16="http://schemas.microsoft.com/office/drawing/2014/main" id="{1A7808DB-30B9-4A4D-BDF3-AD756CC922E4}"/>
+                  </a:ext>
+                </a:extLst>
+              </p:cNvPr>
+              <p:cNvSpPr/>
+              <p:nvPr/>
+            </p:nvSpPr>
+            <p:spPr>
+              <a:xfrm>
+                <a:off x="3589457" y="4953667"/>
+                <a:ext cx="1801904" cy="369332"/>
+              </a:xfrm>
+              <a:prstGeom prst="rect">
+                <a:avLst/>
+              </a:prstGeom>
+            </p:spPr>
+            <p:txBody>
+              <a:bodyPr wrap="none">
+                <a:spAutoFit/>
+              </a:bodyPr>
+              <a:lstStyle/>
+              <a:p>
+                <a:pPr/>
+                <a14:m>
+                  <m:oMathPara xmlns:m="http://schemas.openxmlformats.org/officeDocument/2006/math">
+                    <m:oMathParaPr>
+                      <m:jc m:val="centerGroup"/>
+                    </m:oMathParaPr>
+                    <m:oMath xmlns:m="http://schemas.openxmlformats.org/officeDocument/2006/math">
+                      <m:r>
+                        <a:rPr lang="de-CH" i="1" smtClean="0">
+                          <a:latin typeface="Cambria Math" panose="02040503050406030204" pitchFamily="18" charset="0"/>
+                        </a:rPr>
+                        <m:t>𝑧</m:t>
+                      </m:r>
+                      <m:r>
+                        <a:rPr lang="de-CH" i="1" smtClean="0">
+                          <a:latin typeface="Cambria Math" panose="02040503050406030204" pitchFamily="18" charset="0"/>
+                        </a:rPr>
+                        <m:t>=</m:t>
+                      </m:r>
+                      <m:sSup>
+                        <m:sSupPr>
+                          <m:ctrlPr>
+                            <a:rPr lang="de-CH" i="1">
+                              <a:latin typeface="Cambria Math" panose="02040503050406030204" pitchFamily="18" charset="0"/>
+                            </a:rPr>
+                          </m:ctrlPr>
+                        </m:sSupPr>
+                        <m:e>
+                          <m:r>
+                            <a:rPr lang="de-CH" b="0" i="1" smtClean="0">
+                              <a:latin typeface="Cambria Math" panose="02040503050406030204" pitchFamily="18" charset="0"/>
+                            </a:rPr>
+                            <m:t>𝑤</m:t>
+                          </m:r>
+                        </m:e>
+                        <m:sup>
+                          <m:r>
+                            <a:rPr lang="de-CH" i="1">
+                              <a:latin typeface="Cambria Math" panose="02040503050406030204" pitchFamily="18" charset="0"/>
+                            </a:rPr>
+                            <m:t>𝑇</m:t>
+                          </m:r>
+                        </m:sup>
+                      </m:sSup>
+                      <m:r>
+                        <a:rPr lang="de-CH" i="1">
+                          <a:latin typeface="Cambria Math" panose="02040503050406030204" pitchFamily="18" charset="0"/>
+                          <a:ea typeface="Cambria Math" panose="02040503050406030204" pitchFamily="18" charset="0"/>
+                        </a:rPr>
+                        <m:t>∙</m:t>
+                      </m:r>
+                      <m:r>
+                        <a:rPr lang="de-CH" i="1">
+                          <a:latin typeface="Cambria Math" panose="02040503050406030204" pitchFamily="18" charset="0"/>
+                          <a:ea typeface="Cambria Math" panose="02040503050406030204" pitchFamily="18" charset="0"/>
+                        </a:rPr>
+                        <m:t>𝑥</m:t>
+                      </m:r>
+                      <m:r>
+                        <a:rPr lang="de-CH" i="1">
+                          <a:latin typeface="Cambria Math" panose="02040503050406030204" pitchFamily="18" charset="0"/>
+                          <a:ea typeface="Cambria Math" panose="02040503050406030204" pitchFamily="18" charset="0"/>
+                        </a:rPr>
+                        <m:t>+</m:t>
+                      </m:r>
+                      <m:sSub>
+                        <m:sSubPr>
+                          <m:ctrlPr>
+                            <a:rPr lang="de-CH" b="0" i="1" smtClean="0">
+                              <a:latin typeface="Cambria Math" panose="02040503050406030204" pitchFamily="18" charset="0"/>
+                              <a:ea typeface="Cambria Math" panose="02040503050406030204" pitchFamily="18" charset="0"/>
+                            </a:rPr>
+                          </m:ctrlPr>
+                        </m:sSubPr>
+                        <m:e>
+                          <m:r>
+                            <a:rPr lang="de-CH" b="0" i="1" smtClean="0">
+                              <a:latin typeface="Cambria Math" panose="02040503050406030204" pitchFamily="18" charset="0"/>
+                              <a:ea typeface="Cambria Math" panose="02040503050406030204" pitchFamily="18" charset="0"/>
+                            </a:rPr>
+                            <m:t>𝑤</m:t>
+                          </m:r>
+                        </m:e>
+                        <m:sub>
+                          <m:r>
+                            <a:rPr lang="de-CH" b="0" i="1" smtClean="0">
+                              <a:latin typeface="Cambria Math" panose="02040503050406030204" pitchFamily="18" charset="0"/>
+                              <a:ea typeface="Cambria Math" panose="02040503050406030204" pitchFamily="18" charset="0"/>
+                            </a:rPr>
+                            <m:t>0</m:t>
+                          </m:r>
+                        </m:sub>
+                      </m:sSub>
+                    </m:oMath>
+                  </m:oMathPara>
+                </a14:m>
+                <a:endParaRPr lang="de-DE" dirty="0"/>
+              </a:p>
+            </p:txBody>
+          </p:sp>
+        </mc:Choice>
+        <mc:Fallback>
+          <p:sp>
+            <p:nvSpPr>
+              <p:cNvPr id="2" name="Rechteck 1">
+                <a:extLst>
+                  <a:ext uri="{FF2B5EF4-FFF2-40B4-BE49-F238E27FC236}">
+                    <a16:creationId xmlns:a16="http://schemas.microsoft.com/office/drawing/2014/main" id="{1A7808DB-30B9-4A4D-BDF3-AD756CC922E4}"/>
+                  </a:ext>
+                </a:extLst>
+              </p:cNvPr>
+              <p:cNvSpPr>
+                <a:spLocks noRot="1" noChangeAspect="1" noMove="1" noResize="1" noEditPoints="1" noAdjustHandles="1" noChangeArrowheads="1" noChangeShapeType="1" noTextEdit="1"/>
+              </p:cNvSpPr>
+              <p:nvPr/>
+            </p:nvSpPr>
+            <p:spPr>
+              <a:xfrm>
+                <a:off x="3589457" y="4953667"/>
+                <a:ext cx="1801904" cy="369332"/>
+              </a:xfrm>
+              <a:prstGeom prst="rect">
+                <a:avLst/>
+              </a:prstGeom>
+              <a:blipFill>
+                <a:blip r:embed="rId13"/>
+                <a:stretch>
+                  <a:fillRect/>
+                </a:stretch>
+              </a:blipFill>
+            </p:spPr>
+            <p:txBody>
+              <a:bodyPr/>
+              <a:lstStyle/>
+              <a:p>
+                <a:r>
+                  <a:rPr lang="de-DE">
+                    <a:noFill/>
+                  </a:rPr>
+                  <a:t> </a:t>
+                </a:r>
+              </a:p>
+            </p:txBody>
+          </p:sp>
+        </mc:Fallback>
+      </mc:AlternateContent>
     </p:spTree>
     <p:extLst>
       <p:ext uri="{BB962C8B-B14F-4D97-AF65-F5344CB8AC3E}">
         <p14:creationId xmlns:p14="http://schemas.microsoft.com/office/powerpoint/2010/main" val="2276168195"/>
+      </p:ext>
+    </p:extLst>
+  </p:cSld>
+  <p:clrMapOvr>
+    <a:masterClrMapping/>
+  </p:clrMapOvr>
+</p:sld>
+</file>
+
+<file path=ppt/slides/slide3.xml><?xml version="1.0" encoding="utf-8"?>
+<p:sld xmlns:a="http://schemas.openxmlformats.org/drawingml/2006/main" xmlns:r="http://schemas.openxmlformats.org/officeDocument/2006/relationships" xmlns:p="http://schemas.openxmlformats.org/presentationml/2006/main">
+  <p:cSld>
+    <p:spTree>
+      <p:nvGrpSpPr>
+        <p:cNvPr id="1" name=""/>
+        <p:cNvGrpSpPr/>
+        <p:nvPr/>
+      </p:nvGrpSpPr>
+      <p:grpSpPr>
+        <a:xfrm>
+          <a:off x="0" y="0"/>
+          <a:ext cx="0" cy="0"/>
+          <a:chOff x="0" y="0"/>
+          <a:chExt cx="0" cy="0"/>
+        </a:xfrm>
+      </p:grpSpPr>
+      <p:cxnSp>
+        <p:nvCxnSpPr>
+          <p:cNvPr id="81" name="Gerade Verbindung mit Pfeil 80">
+            <a:extLst>
+              <a:ext uri="{FF2B5EF4-FFF2-40B4-BE49-F238E27FC236}">
+                <a16:creationId xmlns:a16="http://schemas.microsoft.com/office/drawing/2014/main" id="{B2F3331A-3787-1147-B307-67ED11B7247E}"/>
+              </a:ext>
+            </a:extLst>
+          </p:cNvPr>
+          <p:cNvCxnSpPr>
+            <a:cxnSpLocks/>
+            <a:stCxn id="13" idx="6"/>
+            <a:endCxn id="40" idx="2"/>
+          </p:cNvCxnSpPr>
+          <p:nvPr/>
+        </p:nvCxnSpPr>
+        <p:spPr>
+          <a:xfrm flipV="1">
+            <a:off x="2680212" y="2916505"/>
+            <a:ext cx="1896877" cy="1876622"/>
+          </a:xfrm>
+          <a:prstGeom prst="straightConnector1">
+            <a:avLst/>
+          </a:prstGeom>
+          <a:ln w="28575">
+            <a:solidFill>
+              <a:schemeClr val="accent1"/>
+            </a:solidFill>
+            <a:headEnd type="none" w="med" len="med"/>
+            <a:tailEnd type="none" w="med" len="med"/>
+          </a:ln>
+        </p:spPr>
+        <p:style>
+          <a:lnRef idx="1">
+            <a:schemeClr val="accent1"/>
+          </a:lnRef>
+          <a:fillRef idx="0">
+            <a:schemeClr val="accent1"/>
+          </a:fillRef>
+          <a:effectRef idx="0">
+            <a:schemeClr val="accent1"/>
+          </a:effectRef>
+          <a:fontRef idx="minor">
+            <a:schemeClr val="tx1"/>
+          </a:fontRef>
+        </p:style>
+      </p:cxnSp>
+      <p:cxnSp>
+        <p:nvCxnSpPr>
+          <p:cNvPr id="7" name="Gerade Verbindung mit Pfeil 6">
+            <a:extLst>
+              <a:ext uri="{FF2B5EF4-FFF2-40B4-BE49-F238E27FC236}">
+                <a16:creationId xmlns:a16="http://schemas.microsoft.com/office/drawing/2014/main" id="{5398EB73-DAC2-0E4C-B9BB-DA818F64BF3F}"/>
+              </a:ext>
+            </a:extLst>
+          </p:cNvPr>
+          <p:cNvCxnSpPr>
+            <a:cxnSpLocks/>
+            <a:stCxn id="5" idx="6"/>
+            <a:endCxn id="40" idx="2"/>
+          </p:cNvCxnSpPr>
+          <p:nvPr/>
+        </p:nvCxnSpPr>
+        <p:spPr>
+          <a:xfrm>
+            <a:off x="2680212" y="2809429"/>
+            <a:ext cx="1896877" cy="107076"/>
+          </a:xfrm>
+          <a:prstGeom prst="straightConnector1">
+            <a:avLst/>
+          </a:prstGeom>
+          <a:ln w="28575">
+            <a:solidFill>
+              <a:schemeClr val="accent1"/>
+            </a:solidFill>
+            <a:headEnd type="none" w="med" len="med"/>
+            <a:tailEnd type="none" w="med" len="med"/>
+          </a:ln>
+        </p:spPr>
+        <p:style>
+          <a:lnRef idx="1">
+            <a:schemeClr val="accent1"/>
+          </a:lnRef>
+          <a:fillRef idx="0">
+            <a:schemeClr val="accent1"/>
+          </a:fillRef>
+          <a:effectRef idx="0">
+            <a:schemeClr val="accent1"/>
+          </a:effectRef>
+          <a:fontRef idx="minor">
+            <a:schemeClr val="tx1"/>
+          </a:fontRef>
+        </p:style>
+      </p:cxnSp>
+      <p:sp>
+        <p:nvSpPr>
+          <p:cNvPr id="5" name="Oval 4">
+            <a:extLst>
+              <a:ext uri="{FF2B5EF4-FFF2-40B4-BE49-F238E27FC236}">
+                <a16:creationId xmlns:a16="http://schemas.microsoft.com/office/drawing/2014/main" id="{0F25A534-2EDC-B140-88BD-2C395B08273A}"/>
+              </a:ext>
+            </a:extLst>
+          </p:cNvPr>
+          <p:cNvSpPr/>
+          <p:nvPr/>
+        </p:nvSpPr>
+        <p:spPr>
+          <a:xfrm>
+            <a:off x="2085852" y="2504629"/>
+            <a:ext cx="594360" cy="609600"/>
+          </a:xfrm>
+          <a:prstGeom prst="ellipse">
+            <a:avLst/>
+          </a:prstGeom>
+          <a:solidFill>
+            <a:schemeClr val="accent1">
+              <a:lumMod val="60000"/>
+              <a:lumOff val="40000"/>
+            </a:schemeClr>
+          </a:solidFill>
+          <a:ln>
+            <a:noFill/>
+          </a:ln>
+        </p:spPr>
+        <p:style>
+          <a:lnRef idx="2">
+            <a:schemeClr val="accent1">
+              <a:shade val="50000"/>
+            </a:schemeClr>
+          </a:lnRef>
+          <a:fillRef idx="1">
+            <a:schemeClr val="accent1"/>
+          </a:fillRef>
+          <a:effectRef idx="0">
+            <a:schemeClr val="accent1"/>
+          </a:effectRef>
+          <a:fontRef idx="minor">
+            <a:schemeClr val="lt1"/>
+          </a:fontRef>
+        </p:style>
+        <p:txBody>
+          <a:bodyPr rtlCol="0" anchor="ctr"/>
+          <a:lstStyle/>
+          <a:p>
+            <a:pPr algn="ctr"/>
+            <a:endParaRPr lang="de-DE"/>
+          </a:p>
+        </p:txBody>
+      </p:sp>
+      <mc:AlternateContent xmlns:mc="http://schemas.openxmlformats.org/markup-compatibility/2006">
+        <mc:Choice xmlns:a14="http://schemas.microsoft.com/office/drawing/2010/main" Requires="a14">
+          <p:sp>
+            <p:nvSpPr>
+              <p:cNvPr id="9" name="Textfeld 8">
+                <a:extLst>
+                  <a:ext uri="{FF2B5EF4-FFF2-40B4-BE49-F238E27FC236}">
+                    <a16:creationId xmlns:a16="http://schemas.microsoft.com/office/drawing/2014/main" id="{BEFCB61E-FC0E-E247-AE2D-4A574616658A}"/>
+                  </a:ext>
+                </a:extLst>
+              </p:cNvPr>
+              <p:cNvSpPr txBox="1"/>
+              <p:nvPr/>
+            </p:nvSpPr>
+            <p:spPr>
+              <a:xfrm>
+                <a:off x="2152649" y="2624763"/>
+                <a:ext cx="460767" cy="369332"/>
+              </a:xfrm>
+              <a:prstGeom prst="rect">
+                <a:avLst/>
+              </a:prstGeom>
+              <a:noFill/>
+            </p:spPr>
+            <p:txBody>
+              <a:bodyPr wrap="none" rtlCol="0">
+                <a:spAutoFit/>
+              </a:bodyPr>
+              <a:lstStyle/>
+              <a:p>
+                <a:pPr/>
+                <a14:m>
+                  <m:oMathPara xmlns:m="http://schemas.openxmlformats.org/officeDocument/2006/math">
+                    <m:oMathParaPr>
+                      <m:jc m:val="centerGroup"/>
+                    </m:oMathParaPr>
+                    <m:oMath xmlns:m="http://schemas.openxmlformats.org/officeDocument/2006/math">
+                      <m:sSub>
+                        <m:sSubPr>
+                          <m:ctrlPr>
+                            <a:rPr lang="de-CH" b="0" i="1" smtClean="0">
+                              <a:latin typeface="Cambria Math" panose="02040503050406030204" pitchFamily="18" charset="0"/>
+                            </a:rPr>
+                          </m:ctrlPr>
+                        </m:sSubPr>
+                        <m:e>
+                          <m:r>
+                            <a:rPr lang="de-CH" b="0" i="1" smtClean="0">
+                              <a:latin typeface="Cambria Math" panose="02040503050406030204" pitchFamily="18" charset="0"/>
+                            </a:rPr>
+                            <m:t>𝑥</m:t>
+                          </m:r>
+                        </m:e>
+                        <m:sub>
+                          <m:r>
+                            <a:rPr lang="de-CH" b="0" i="1" smtClean="0">
+                              <a:latin typeface="Cambria Math" panose="02040503050406030204" pitchFamily="18" charset="0"/>
+                            </a:rPr>
+                            <m:t>1</m:t>
+                          </m:r>
+                        </m:sub>
+                      </m:sSub>
+                    </m:oMath>
+                  </m:oMathPara>
+                </a14:m>
+                <a:endParaRPr lang="de-DE" dirty="0"/>
+              </a:p>
+            </p:txBody>
+          </p:sp>
+        </mc:Choice>
+        <mc:Fallback>
+          <p:sp>
+            <p:nvSpPr>
+              <p:cNvPr id="9" name="Textfeld 8">
+                <a:extLst>
+                  <a:ext uri="{FF2B5EF4-FFF2-40B4-BE49-F238E27FC236}">
+                    <a16:creationId xmlns:a16="http://schemas.microsoft.com/office/drawing/2014/main" id="{BEFCB61E-FC0E-E247-AE2D-4A574616658A}"/>
+                  </a:ext>
+                </a:extLst>
+              </p:cNvPr>
+              <p:cNvSpPr txBox="1">
+                <a:spLocks noRot="1" noChangeAspect="1" noMove="1" noResize="1" noEditPoints="1" noAdjustHandles="1" noChangeArrowheads="1" noChangeShapeType="1" noTextEdit="1"/>
+              </p:cNvSpPr>
+              <p:nvPr/>
+            </p:nvSpPr>
+            <p:spPr>
+              <a:xfrm>
+                <a:off x="2152649" y="2624763"/>
+                <a:ext cx="460767" cy="369332"/>
+              </a:xfrm>
+              <a:prstGeom prst="rect">
+                <a:avLst/>
+              </a:prstGeom>
+              <a:blipFill>
+                <a:blip r:embed="rId2"/>
+                <a:stretch>
+                  <a:fillRect/>
+                </a:stretch>
+              </a:blipFill>
+            </p:spPr>
+            <p:txBody>
+              <a:bodyPr/>
+              <a:lstStyle/>
+              <a:p>
+                <a:r>
+                  <a:rPr lang="de-DE">
+                    <a:noFill/>
+                  </a:rPr>
+                  <a:t> </a:t>
+                </a:r>
+              </a:p>
+            </p:txBody>
+          </p:sp>
+        </mc:Fallback>
+      </mc:AlternateContent>
+      <p:sp>
+        <p:nvSpPr>
+          <p:cNvPr id="10" name="Oval 9">
+            <a:extLst>
+              <a:ext uri="{FF2B5EF4-FFF2-40B4-BE49-F238E27FC236}">
+                <a16:creationId xmlns:a16="http://schemas.microsoft.com/office/drawing/2014/main" id="{E8605383-BD23-2745-8D1E-1C10635DFB56}"/>
+              </a:ext>
+            </a:extLst>
+          </p:cNvPr>
+          <p:cNvSpPr/>
+          <p:nvPr/>
+        </p:nvSpPr>
+        <p:spPr>
+          <a:xfrm>
+            <a:off x="2085852" y="3193125"/>
+            <a:ext cx="594360" cy="609600"/>
+          </a:xfrm>
+          <a:prstGeom prst="ellipse">
+            <a:avLst/>
+          </a:prstGeom>
+          <a:solidFill>
+            <a:schemeClr val="accent1">
+              <a:lumMod val="60000"/>
+              <a:lumOff val="40000"/>
+            </a:schemeClr>
+          </a:solidFill>
+          <a:ln>
+            <a:noFill/>
+          </a:ln>
+        </p:spPr>
+        <p:style>
+          <a:lnRef idx="2">
+            <a:schemeClr val="accent1">
+              <a:shade val="50000"/>
+            </a:schemeClr>
+          </a:lnRef>
+          <a:fillRef idx="1">
+            <a:schemeClr val="accent1"/>
+          </a:fillRef>
+          <a:effectRef idx="0">
+            <a:schemeClr val="accent1"/>
+          </a:effectRef>
+          <a:fontRef idx="minor">
+            <a:schemeClr val="lt1"/>
+          </a:fontRef>
+        </p:style>
+        <p:txBody>
+          <a:bodyPr rtlCol="0" anchor="ctr"/>
+          <a:lstStyle/>
+          <a:p>
+            <a:pPr algn="ctr"/>
+            <a:endParaRPr lang="de-DE"/>
+          </a:p>
+        </p:txBody>
+      </p:sp>
+      <mc:AlternateContent xmlns:mc="http://schemas.openxmlformats.org/markup-compatibility/2006">
+        <mc:Choice xmlns:a14="http://schemas.microsoft.com/office/drawing/2010/main" Requires="a14">
+          <p:sp>
+            <p:nvSpPr>
+              <p:cNvPr id="12" name="Textfeld 11">
+                <a:extLst>
+                  <a:ext uri="{FF2B5EF4-FFF2-40B4-BE49-F238E27FC236}">
+                    <a16:creationId xmlns:a16="http://schemas.microsoft.com/office/drawing/2014/main" id="{A9D07F54-802A-9D45-AEC0-422869BF1BE1}"/>
+                  </a:ext>
+                </a:extLst>
+              </p:cNvPr>
+              <p:cNvSpPr txBox="1"/>
+              <p:nvPr/>
+            </p:nvSpPr>
+            <p:spPr>
+              <a:xfrm>
+                <a:off x="2152649" y="3313259"/>
+                <a:ext cx="466090" cy="369332"/>
+              </a:xfrm>
+              <a:prstGeom prst="rect">
+                <a:avLst/>
+              </a:prstGeom>
+              <a:noFill/>
+            </p:spPr>
+            <p:txBody>
+              <a:bodyPr wrap="none" rtlCol="0">
+                <a:spAutoFit/>
+              </a:bodyPr>
+              <a:lstStyle/>
+              <a:p>
+                <a:pPr/>
+                <a14:m>
+                  <m:oMathPara xmlns:m="http://schemas.openxmlformats.org/officeDocument/2006/math">
+                    <m:oMathParaPr>
+                      <m:jc m:val="centerGroup"/>
+                    </m:oMathParaPr>
+                    <m:oMath xmlns:m="http://schemas.openxmlformats.org/officeDocument/2006/math">
+                      <m:sSub>
+                        <m:sSubPr>
+                          <m:ctrlPr>
+                            <a:rPr lang="de-CH" b="0" i="1" smtClean="0">
+                              <a:latin typeface="Cambria Math" panose="02040503050406030204" pitchFamily="18" charset="0"/>
+                            </a:rPr>
+                          </m:ctrlPr>
+                        </m:sSubPr>
+                        <m:e>
+                          <m:r>
+                            <a:rPr lang="de-CH" b="0" i="1" smtClean="0">
+                              <a:latin typeface="Cambria Math" panose="02040503050406030204" pitchFamily="18" charset="0"/>
+                            </a:rPr>
+                            <m:t>𝑥</m:t>
+                          </m:r>
+                        </m:e>
+                        <m:sub>
+                          <m:r>
+                            <a:rPr lang="de-CH" b="0" i="1" smtClean="0">
+                              <a:latin typeface="Cambria Math" panose="02040503050406030204" pitchFamily="18" charset="0"/>
+                            </a:rPr>
+                            <m:t>2</m:t>
+                          </m:r>
+                        </m:sub>
+                      </m:sSub>
+                    </m:oMath>
+                  </m:oMathPara>
+                </a14:m>
+                <a:endParaRPr lang="de-DE" dirty="0"/>
+              </a:p>
+            </p:txBody>
+          </p:sp>
+        </mc:Choice>
+        <mc:Fallback>
+          <p:sp>
+            <p:nvSpPr>
+              <p:cNvPr id="12" name="Textfeld 11">
+                <a:extLst>
+                  <a:ext uri="{FF2B5EF4-FFF2-40B4-BE49-F238E27FC236}">
+                    <a16:creationId xmlns:a16="http://schemas.microsoft.com/office/drawing/2014/main" id="{A9D07F54-802A-9D45-AEC0-422869BF1BE1}"/>
+                  </a:ext>
+                </a:extLst>
+              </p:cNvPr>
+              <p:cNvSpPr txBox="1">
+                <a:spLocks noRot="1" noChangeAspect="1" noMove="1" noResize="1" noEditPoints="1" noAdjustHandles="1" noChangeArrowheads="1" noChangeShapeType="1" noTextEdit="1"/>
+              </p:cNvSpPr>
+              <p:nvPr/>
+            </p:nvSpPr>
+            <p:spPr>
+              <a:xfrm>
+                <a:off x="2152649" y="3313259"/>
+                <a:ext cx="466090" cy="369332"/>
+              </a:xfrm>
+              <a:prstGeom prst="rect">
+                <a:avLst/>
+              </a:prstGeom>
+              <a:blipFill>
+                <a:blip r:embed="rId3"/>
+                <a:stretch>
+                  <a:fillRect/>
+                </a:stretch>
+              </a:blipFill>
+            </p:spPr>
+            <p:txBody>
+              <a:bodyPr/>
+              <a:lstStyle/>
+              <a:p>
+                <a:r>
+                  <a:rPr lang="de-DE">
+                    <a:noFill/>
+                  </a:rPr>
+                  <a:t> </a:t>
+                </a:r>
+              </a:p>
+            </p:txBody>
+          </p:sp>
+        </mc:Fallback>
+      </mc:AlternateContent>
+      <p:sp>
+        <p:nvSpPr>
+          <p:cNvPr id="13" name="Oval 12">
+            <a:extLst>
+              <a:ext uri="{FF2B5EF4-FFF2-40B4-BE49-F238E27FC236}">
+                <a16:creationId xmlns:a16="http://schemas.microsoft.com/office/drawing/2014/main" id="{2A5DF8DF-1AD0-3F46-8C79-4AA317C62F82}"/>
+              </a:ext>
+            </a:extLst>
+          </p:cNvPr>
+          <p:cNvSpPr/>
+          <p:nvPr/>
+        </p:nvSpPr>
+        <p:spPr>
+          <a:xfrm>
+            <a:off x="2085852" y="4488327"/>
+            <a:ext cx="594360" cy="609600"/>
+          </a:xfrm>
+          <a:prstGeom prst="ellipse">
+            <a:avLst/>
+          </a:prstGeom>
+          <a:solidFill>
+            <a:schemeClr val="accent1">
+              <a:lumMod val="60000"/>
+              <a:lumOff val="40000"/>
+            </a:schemeClr>
+          </a:solidFill>
+          <a:ln>
+            <a:noFill/>
+          </a:ln>
+        </p:spPr>
+        <p:style>
+          <a:lnRef idx="2">
+            <a:schemeClr val="accent1">
+              <a:shade val="50000"/>
+            </a:schemeClr>
+          </a:lnRef>
+          <a:fillRef idx="1">
+            <a:schemeClr val="accent1"/>
+          </a:fillRef>
+          <a:effectRef idx="0">
+            <a:schemeClr val="accent1"/>
+          </a:effectRef>
+          <a:fontRef idx="minor">
+            <a:schemeClr val="lt1"/>
+          </a:fontRef>
+        </p:style>
+        <p:txBody>
+          <a:bodyPr rtlCol="0" anchor="ctr"/>
+          <a:lstStyle/>
+          <a:p>
+            <a:pPr algn="ctr"/>
+            <a:endParaRPr lang="de-DE"/>
+          </a:p>
+        </p:txBody>
+      </p:sp>
+      <mc:AlternateContent xmlns:mc="http://schemas.openxmlformats.org/markup-compatibility/2006">
+        <mc:Choice xmlns:a14="http://schemas.microsoft.com/office/drawing/2010/main" Requires="a14">
+          <p:sp>
+            <p:nvSpPr>
+              <p:cNvPr id="15" name="Textfeld 14">
+                <a:extLst>
+                  <a:ext uri="{FF2B5EF4-FFF2-40B4-BE49-F238E27FC236}">
+                    <a16:creationId xmlns:a16="http://schemas.microsoft.com/office/drawing/2014/main" id="{BD090F6C-9C4D-8E42-89E4-D08E5F49BA83}"/>
+                  </a:ext>
+                </a:extLst>
+              </p:cNvPr>
+              <p:cNvSpPr txBox="1"/>
+              <p:nvPr/>
+            </p:nvSpPr>
+            <p:spPr>
+              <a:xfrm>
+                <a:off x="2152649" y="4608461"/>
+                <a:ext cx="492635" cy="369332"/>
+              </a:xfrm>
+              <a:prstGeom prst="rect">
+                <a:avLst/>
+              </a:prstGeom>
+              <a:noFill/>
+            </p:spPr>
+            <p:txBody>
+              <a:bodyPr wrap="none" rtlCol="0">
+                <a:spAutoFit/>
+              </a:bodyPr>
+              <a:lstStyle/>
+              <a:p>
+                <a:pPr/>
+                <a14:m>
+                  <m:oMathPara xmlns:m="http://schemas.openxmlformats.org/officeDocument/2006/math">
+                    <m:oMathParaPr>
+                      <m:jc m:val="centerGroup"/>
+                    </m:oMathParaPr>
+                    <m:oMath xmlns:m="http://schemas.openxmlformats.org/officeDocument/2006/math">
+                      <m:sSub>
+                        <m:sSubPr>
+                          <m:ctrlPr>
+                            <a:rPr lang="de-CH" b="0" i="1" smtClean="0">
+                              <a:latin typeface="Cambria Math" panose="02040503050406030204" pitchFamily="18" charset="0"/>
+                            </a:rPr>
+                          </m:ctrlPr>
+                        </m:sSubPr>
+                        <m:e>
+                          <m:r>
+                            <a:rPr lang="de-CH" b="0" i="1" smtClean="0">
+                              <a:latin typeface="Cambria Math" panose="02040503050406030204" pitchFamily="18" charset="0"/>
+                            </a:rPr>
+                            <m:t>𝑥</m:t>
+                          </m:r>
+                        </m:e>
+                        <m:sub>
+                          <m:r>
+                            <a:rPr lang="de-CH" b="0" i="1" smtClean="0">
+                              <a:latin typeface="Cambria Math" panose="02040503050406030204" pitchFamily="18" charset="0"/>
+                            </a:rPr>
+                            <m:t>𝐷</m:t>
+                          </m:r>
+                        </m:sub>
+                      </m:sSub>
+                    </m:oMath>
+                  </m:oMathPara>
+                </a14:m>
+                <a:endParaRPr lang="de-DE" dirty="0"/>
+              </a:p>
+            </p:txBody>
+          </p:sp>
+        </mc:Choice>
+        <mc:Fallback>
+          <p:sp>
+            <p:nvSpPr>
+              <p:cNvPr id="15" name="Textfeld 14">
+                <a:extLst>
+                  <a:ext uri="{FF2B5EF4-FFF2-40B4-BE49-F238E27FC236}">
+                    <a16:creationId xmlns:a16="http://schemas.microsoft.com/office/drawing/2014/main" id="{BD090F6C-9C4D-8E42-89E4-D08E5F49BA83}"/>
+                  </a:ext>
+                </a:extLst>
+              </p:cNvPr>
+              <p:cNvSpPr txBox="1">
+                <a:spLocks noRot="1" noChangeAspect="1" noMove="1" noResize="1" noEditPoints="1" noAdjustHandles="1" noChangeArrowheads="1" noChangeShapeType="1" noTextEdit="1"/>
+              </p:cNvSpPr>
+              <p:nvPr/>
+            </p:nvSpPr>
+            <p:spPr>
+              <a:xfrm>
+                <a:off x="2152649" y="4608461"/>
+                <a:ext cx="492635" cy="369332"/>
+              </a:xfrm>
+              <a:prstGeom prst="rect">
+                <a:avLst/>
+              </a:prstGeom>
+              <a:blipFill>
+                <a:blip r:embed="rId4"/>
+                <a:stretch>
+                  <a:fillRect/>
+                </a:stretch>
+              </a:blipFill>
+            </p:spPr>
+            <p:txBody>
+              <a:bodyPr/>
+              <a:lstStyle/>
+              <a:p>
+                <a:r>
+                  <a:rPr lang="de-DE">
+                    <a:noFill/>
+                  </a:rPr>
+                  <a:t> </a:t>
+                </a:r>
+              </a:p>
+            </p:txBody>
+          </p:sp>
+        </mc:Fallback>
+      </mc:AlternateContent>
+      <p:sp>
+        <p:nvSpPr>
+          <p:cNvPr id="16" name="Oval 15">
+            <a:extLst>
+              <a:ext uri="{FF2B5EF4-FFF2-40B4-BE49-F238E27FC236}">
+                <a16:creationId xmlns:a16="http://schemas.microsoft.com/office/drawing/2014/main" id="{92854A0D-9AE3-6B4A-93EB-96007CF2EE82}"/>
+              </a:ext>
+            </a:extLst>
+          </p:cNvPr>
+          <p:cNvSpPr/>
+          <p:nvPr/>
+        </p:nvSpPr>
+        <p:spPr>
+          <a:xfrm>
+            <a:off x="4599626" y="3427399"/>
+            <a:ext cx="594360" cy="609600"/>
+          </a:xfrm>
+          <a:prstGeom prst="ellipse">
+            <a:avLst/>
+          </a:prstGeom>
+          <a:solidFill>
+            <a:schemeClr val="accent2">
+              <a:lumMod val="60000"/>
+              <a:lumOff val="40000"/>
+            </a:schemeClr>
+          </a:solidFill>
+          <a:ln>
+            <a:noFill/>
+          </a:ln>
+        </p:spPr>
+        <p:style>
+          <a:lnRef idx="2">
+            <a:schemeClr val="accent1">
+              <a:shade val="50000"/>
+            </a:schemeClr>
+          </a:lnRef>
+          <a:fillRef idx="1">
+            <a:schemeClr val="accent1"/>
+          </a:fillRef>
+          <a:effectRef idx="0">
+            <a:schemeClr val="accent1"/>
+          </a:effectRef>
+          <a:fontRef idx="minor">
+            <a:schemeClr val="lt1"/>
+          </a:fontRef>
+        </p:style>
+        <p:txBody>
+          <a:bodyPr rtlCol="0" anchor="ctr"/>
+          <a:lstStyle/>
+          <a:p>
+            <a:pPr algn="ctr"/>
+            <a:endParaRPr lang="de-DE"/>
+          </a:p>
+        </p:txBody>
+      </p:sp>
+      <mc:AlternateContent xmlns:mc="http://schemas.openxmlformats.org/markup-compatibility/2006">
+        <mc:Choice xmlns:a14="http://schemas.microsoft.com/office/drawing/2010/main" Requires="a14">
+          <p:sp>
+            <p:nvSpPr>
+              <p:cNvPr id="17" name="Textfeld 16">
+                <a:extLst>
+                  <a:ext uri="{FF2B5EF4-FFF2-40B4-BE49-F238E27FC236}">
+                    <a16:creationId xmlns:a16="http://schemas.microsoft.com/office/drawing/2014/main" id="{6BB344F2-76FF-F64C-BFF5-0A1D89F4D3B6}"/>
+                  </a:ext>
+                </a:extLst>
+              </p:cNvPr>
+              <p:cNvSpPr txBox="1"/>
+              <p:nvPr/>
+            </p:nvSpPr>
+            <p:spPr>
+              <a:xfrm>
+                <a:off x="4643397" y="3474506"/>
+                <a:ext cx="590675" cy="539507"/>
+              </a:xfrm>
+              <a:prstGeom prst="rect">
+                <a:avLst/>
+              </a:prstGeom>
+              <a:noFill/>
+            </p:spPr>
+            <p:txBody>
+              <a:bodyPr wrap="none" rtlCol="0">
+                <a:spAutoFit/>
+              </a:bodyPr>
+              <a:lstStyle/>
+              <a:p>
+                <a:pPr/>
+                <a14:m>
+                  <m:oMathPara xmlns:m="http://schemas.openxmlformats.org/officeDocument/2006/math">
+                    <m:oMathParaPr>
+                      <m:jc m:val="centerGroup"/>
+                    </m:oMathParaPr>
+                    <m:oMath xmlns:m="http://schemas.openxmlformats.org/officeDocument/2006/math">
+                      <m:nary>
+                        <m:naryPr>
+                          <m:chr m:val="∑"/>
+                          <m:subHide m:val="on"/>
+                          <m:supHide m:val="on"/>
+                          <m:ctrlPr>
+                            <a:rPr lang="de-DE" sz="1200" i="1" smtClean="0">
+                              <a:latin typeface="Cambria Math" panose="02040503050406030204" pitchFamily="18" charset="0"/>
+                            </a:rPr>
+                          </m:ctrlPr>
+                        </m:naryPr>
+                        <m:sub/>
+                        <m:sup/>
+                        <m:e/>
+                      </m:nary>
+                    </m:oMath>
+                  </m:oMathPara>
+                </a14:m>
+                <a:endParaRPr lang="de-DE" sz="1200" dirty="0"/>
+              </a:p>
+            </p:txBody>
+          </p:sp>
+        </mc:Choice>
+        <mc:Fallback>
+          <p:sp>
+            <p:nvSpPr>
+              <p:cNvPr id="17" name="Textfeld 16">
+                <a:extLst>
+                  <a:ext uri="{FF2B5EF4-FFF2-40B4-BE49-F238E27FC236}">
+                    <a16:creationId xmlns:a16="http://schemas.microsoft.com/office/drawing/2014/main" id="{6BB344F2-76FF-F64C-BFF5-0A1D89F4D3B6}"/>
+                  </a:ext>
+                </a:extLst>
+              </p:cNvPr>
+              <p:cNvSpPr txBox="1">
+                <a:spLocks noRot="1" noChangeAspect="1" noMove="1" noResize="1" noEditPoints="1" noAdjustHandles="1" noChangeArrowheads="1" noChangeShapeType="1" noTextEdit="1"/>
+              </p:cNvSpPr>
+              <p:nvPr/>
+            </p:nvSpPr>
+            <p:spPr>
+              <a:xfrm>
+                <a:off x="4643397" y="3474506"/>
+                <a:ext cx="590675" cy="539507"/>
+              </a:xfrm>
+              <a:prstGeom prst="rect">
+                <a:avLst/>
+              </a:prstGeom>
+              <a:blipFill>
+                <a:blip r:embed="rId5"/>
+                <a:stretch>
+                  <a:fillRect l="-78723" t="-111628" r="-17021" b="-162791"/>
+                </a:stretch>
+              </a:blipFill>
+            </p:spPr>
+            <p:txBody>
+              <a:bodyPr/>
+              <a:lstStyle/>
+              <a:p>
+                <a:r>
+                  <a:rPr lang="de-DE">
+                    <a:noFill/>
+                  </a:rPr>
+                  <a:t> </a:t>
+                </a:r>
+              </a:p>
+            </p:txBody>
+          </p:sp>
+        </mc:Fallback>
+      </mc:AlternateContent>
+      <p:cxnSp>
+        <p:nvCxnSpPr>
+          <p:cNvPr id="18" name="Gerade Verbindung mit Pfeil 17">
+            <a:extLst>
+              <a:ext uri="{FF2B5EF4-FFF2-40B4-BE49-F238E27FC236}">
+                <a16:creationId xmlns:a16="http://schemas.microsoft.com/office/drawing/2014/main" id="{814A2435-E506-5D4B-AD1C-D497E9E8B16C}"/>
+              </a:ext>
+            </a:extLst>
+          </p:cNvPr>
+          <p:cNvCxnSpPr>
+            <a:cxnSpLocks/>
+          </p:cNvCxnSpPr>
+          <p:nvPr/>
+        </p:nvCxnSpPr>
+        <p:spPr>
+          <a:xfrm>
+            <a:off x="5234072" y="3744259"/>
+            <a:ext cx="532263" cy="0"/>
+          </a:xfrm>
+          <a:prstGeom prst="straightConnector1">
+            <a:avLst/>
+          </a:prstGeom>
+          <a:ln w="28575">
+            <a:solidFill>
+              <a:schemeClr val="accent2"/>
+            </a:solidFill>
+            <a:tailEnd type="triangle"/>
+          </a:ln>
+        </p:spPr>
+        <p:style>
+          <a:lnRef idx="1">
+            <a:schemeClr val="accent1"/>
+          </a:lnRef>
+          <a:fillRef idx="0">
+            <a:schemeClr val="accent1"/>
+          </a:fillRef>
+          <a:effectRef idx="0">
+            <a:schemeClr val="accent1"/>
+          </a:effectRef>
+          <a:fontRef idx="minor">
+            <a:schemeClr val="tx1"/>
+          </a:fontRef>
+        </p:style>
+      </p:cxnSp>
+      <p:sp>
+        <p:nvSpPr>
+          <p:cNvPr id="19" name="Oval 18">
+            <a:extLst>
+              <a:ext uri="{FF2B5EF4-FFF2-40B4-BE49-F238E27FC236}">
+                <a16:creationId xmlns:a16="http://schemas.microsoft.com/office/drawing/2014/main" id="{65101FA3-5F53-5541-8EA8-F1421057B388}"/>
+              </a:ext>
+            </a:extLst>
+          </p:cNvPr>
+          <p:cNvSpPr/>
+          <p:nvPr/>
+        </p:nvSpPr>
+        <p:spPr>
+          <a:xfrm>
+            <a:off x="5893042" y="2360814"/>
+            <a:ext cx="594360" cy="3120541"/>
+          </a:xfrm>
+          <a:prstGeom prst="ellipse">
+            <a:avLst/>
+          </a:prstGeom>
+          <a:solidFill>
+            <a:schemeClr val="accent4">
+              <a:lumMod val="60000"/>
+              <a:lumOff val="40000"/>
+            </a:schemeClr>
+          </a:solidFill>
+          <a:ln>
+            <a:noFill/>
+          </a:ln>
+        </p:spPr>
+        <p:style>
+          <a:lnRef idx="2">
+            <a:schemeClr val="accent1">
+              <a:shade val="50000"/>
+            </a:schemeClr>
+          </a:lnRef>
+          <a:fillRef idx="1">
+            <a:schemeClr val="accent1"/>
+          </a:fillRef>
+          <a:effectRef idx="0">
+            <a:schemeClr val="accent1"/>
+          </a:effectRef>
+          <a:fontRef idx="minor">
+            <a:schemeClr val="lt1"/>
+          </a:fontRef>
+        </p:style>
+        <p:txBody>
+          <a:bodyPr rtlCol="0" anchor="ctr"/>
+          <a:lstStyle/>
+          <a:p>
+            <a:pPr algn="ctr"/>
+            <a:endParaRPr lang="de-DE"/>
+          </a:p>
+        </p:txBody>
+      </p:sp>
+      <p:cxnSp>
+        <p:nvCxnSpPr>
+          <p:cNvPr id="21" name="Gerade Verbindung mit Pfeil 20">
+            <a:extLst>
+              <a:ext uri="{FF2B5EF4-FFF2-40B4-BE49-F238E27FC236}">
+                <a16:creationId xmlns:a16="http://schemas.microsoft.com/office/drawing/2014/main" id="{5D06311B-4DFC-794A-9E0D-93EF52CC8913}"/>
+              </a:ext>
+            </a:extLst>
+          </p:cNvPr>
+          <p:cNvCxnSpPr/>
+          <p:nvPr/>
+        </p:nvCxnSpPr>
+        <p:spPr>
+          <a:xfrm>
+            <a:off x="6567552" y="3744259"/>
+            <a:ext cx="532263" cy="0"/>
+          </a:xfrm>
+          <a:prstGeom prst="straightConnector1">
+            <a:avLst/>
+          </a:prstGeom>
+          <a:ln w="28575">
+            <a:solidFill>
+              <a:schemeClr val="accent4"/>
+            </a:solidFill>
+            <a:tailEnd type="triangle"/>
+          </a:ln>
+        </p:spPr>
+        <p:style>
+          <a:lnRef idx="1">
+            <a:schemeClr val="accent1"/>
+          </a:lnRef>
+          <a:fillRef idx="0">
+            <a:schemeClr val="accent1"/>
+          </a:fillRef>
+          <a:effectRef idx="0">
+            <a:schemeClr val="accent1"/>
+          </a:effectRef>
+          <a:fontRef idx="minor">
+            <a:schemeClr val="tx1"/>
+          </a:fontRef>
+        </p:style>
+      </p:cxnSp>
+      <p:sp>
+        <p:nvSpPr>
+          <p:cNvPr id="22" name="Oval 21">
+            <a:extLst>
+              <a:ext uri="{FF2B5EF4-FFF2-40B4-BE49-F238E27FC236}">
+                <a16:creationId xmlns:a16="http://schemas.microsoft.com/office/drawing/2014/main" id="{7C7AD59F-F6B8-0345-82C6-B00F59F61D42}"/>
+              </a:ext>
+            </a:extLst>
+          </p:cNvPr>
+          <p:cNvSpPr/>
+          <p:nvPr/>
+        </p:nvSpPr>
+        <p:spPr>
+          <a:xfrm>
+            <a:off x="7208995" y="3440580"/>
+            <a:ext cx="594360" cy="609600"/>
+          </a:xfrm>
+          <a:prstGeom prst="ellipse">
+            <a:avLst/>
+          </a:prstGeom>
+          <a:solidFill>
+            <a:srgbClr val="D883FF"/>
+          </a:solidFill>
+          <a:ln>
+            <a:noFill/>
+          </a:ln>
+        </p:spPr>
+        <p:style>
+          <a:lnRef idx="2">
+            <a:schemeClr val="accent1">
+              <a:shade val="50000"/>
+            </a:schemeClr>
+          </a:lnRef>
+          <a:fillRef idx="1">
+            <a:schemeClr val="accent1"/>
+          </a:fillRef>
+          <a:effectRef idx="0">
+            <a:schemeClr val="accent1"/>
+          </a:effectRef>
+          <a:fontRef idx="minor">
+            <a:schemeClr val="lt1"/>
+          </a:fontRef>
+        </p:style>
+        <p:txBody>
+          <a:bodyPr rtlCol="0" anchor="ctr"/>
+          <a:lstStyle/>
+          <a:p>
+            <a:pPr algn="ctr"/>
+            <a:endParaRPr lang="de-DE"/>
+          </a:p>
+        </p:txBody>
+      </p:sp>
+      <mc:AlternateContent xmlns:mc="http://schemas.openxmlformats.org/markup-compatibility/2006">
+        <mc:Choice xmlns:a14="http://schemas.microsoft.com/office/drawing/2010/main" Requires="a14">
+          <p:sp>
+            <p:nvSpPr>
+              <p:cNvPr id="23" name="Textfeld 22">
+                <a:extLst>
+                  <a:ext uri="{FF2B5EF4-FFF2-40B4-BE49-F238E27FC236}">
+                    <a16:creationId xmlns:a16="http://schemas.microsoft.com/office/drawing/2014/main" id="{EC0804E6-4C5D-D04C-BCAF-9C9888B4E2E9}"/>
+                  </a:ext>
+                </a:extLst>
+              </p:cNvPr>
+              <p:cNvSpPr txBox="1"/>
+              <p:nvPr/>
+            </p:nvSpPr>
+            <p:spPr>
+              <a:xfrm>
+                <a:off x="7174562" y="3547533"/>
+                <a:ext cx="697114" cy="369332"/>
+              </a:xfrm>
+              <a:prstGeom prst="rect">
+                <a:avLst/>
+              </a:prstGeom>
+              <a:noFill/>
+            </p:spPr>
+            <p:txBody>
+              <a:bodyPr wrap="none" rtlCol="0">
+                <a:spAutoFit/>
+              </a:bodyPr>
+              <a:lstStyle/>
+              <a:p>
+                <a:pPr/>
+                <a14:m>
+                  <m:oMathPara xmlns:m="http://schemas.openxmlformats.org/officeDocument/2006/math">
+                    <m:oMathParaPr>
+                      <m:jc m:val="centerGroup"/>
+                    </m:oMathParaPr>
+                    <m:oMath xmlns:m="http://schemas.openxmlformats.org/officeDocument/2006/math">
+                      <m:sSub>
+                        <m:sSubPr>
+                          <m:ctrlPr>
+                            <a:rPr lang="de-CH" b="0" i="1" smtClean="0">
+                              <a:latin typeface="Cambria Math" panose="02040503050406030204" pitchFamily="18" charset="0"/>
+                            </a:rPr>
+                          </m:ctrlPr>
+                        </m:sSubPr>
+                        <m:e>
+                          <m:r>
+                            <a:rPr lang="de-CH" b="0" i="1" smtClean="0">
+                              <a:latin typeface="Cambria Math" panose="02040503050406030204" pitchFamily="18" charset="0"/>
+                            </a:rPr>
+                            <m:t>𝑦</m:t>
+                          </m:r>
+                        </m:e>
+                        <m:sub>
+                          <m:r>
+                            <a:rPr lang="de-CH" b="0" i="1" smtClean="0">
+                              <a:latin typeface="Cambria Math" panose="02040503050406030204" pitchFamily="18" charset="0"/>
+                            </a:rPr>
+                            <m:t>𝑘</m:t>
+                          </m:r>
+                          <m:r>
+                            <a:rPr lang="de-CH" b="0" i="1" smtClean="0">
+                              <a:latin typeface="Cambria Math" panose="02040503050406030204" pitchFamily="18" charset="0"/>
+                            </a:rPr>
+                            <m:t>=2</m:t>
+                          </m:r>
+                        </m:sub>
+                      </m:sSub>
+                    </m:oMath>
+                  </m:oMathPara>
+                </a14:m>
+                <a:endParaRPr lang="de-DE" dirty="0"/>
+              </a:p>
+            </p:txBody>
+          </p:sp>
+        </mc:Choice>
+        <mc:Fallback>
+          <p:sp>
+            <p:nvSpPr>
+              <p:cNvPr id="23" name="Textfeld 22">
+                <a:extLst>
+                  <a:ext uri="{FF2B5EF4-FFF2-40B4-BE49-F238E27FC236}">
+                    <a16:creationId xmlns:a16="http://schemas.microsoft.com/office/drawing/2014/main" id="{EC0804E6-4C5D-D04C-BCAF-9C9888B4E2E9}"/>
+                  </a:ext>
+                </a:extLst>
+              </p:cNvPr>
+              <p:cNvSpPr txBox="1">
+                <a:spLocks noRot="1" noChangeAspect="1" noMove="1" noResize="1" noEditPoints="1" noAdjustHandles="1" noChangeArrowheads="1" noChangeShapeType="1" noTextEdit="1"/>
+              </p:cNvSpPr>
+              <p:nvPr/>
+            </p:nvSpPr>
+            <p:spPr>
+              <a:xfrm>
+                <a:off x="7174562" y="3547533"/>
+                <a:ext cx="697114" cy="369332"/>
+              </a:xfrm>
+              <a:prstGeom prst="rect">
+                <a:avLst/>
+              </a:prstGeom>
+              <a:blipFill>
+                <a:blip r:embed="rId6"/>
+                <a:stretch>
+                  <a:fillRect b="-6667"/>
+                </a:stretch>
+              </a:blipFill>
+            </p:spPr>
+            <p:txBody>
+              <a:bodyPr/>
+              <a:lstStyle/>
+              <a:p>
+                <a:r>
+                  <a:rPr lang="de-DE">
+                    <a:noFill/>
+                  </a:rPr>
+                  <a:t> </a:t>
+                </a:r>
+              </a:p>
+            </p:txBody>
+          </p:sp>
+        </mc:Fallback>
+      </mc:AlternateContent>
+      <p:sp>
+        <p:nvSpPr>
+          <p:cNvPr id="24" name="Textfeld 23">
+            <a:extLst>
+              <a:ext uri="{FF2B5EF4-FFF2-40B4-BE49-F238E27FC236}">
+                <a16:creationId xmlns:a16="http://schemas.microsoft.com/office/drawing/2014/main" id="{F9E0E326-B2EC-B146-AA42-7B45BCB1EDE2}"/>
+              </a:ext>
+            </a:extLst>
+          </p:cNvPr>
+          <p:cNvSpPr txBox="1"/>
+          <p:nvPr/>
+        </p:nvSpPr>
+        <p:spPr>
+          <a:xfrm>
+            <a:off x="1979987" y="1563945"/>
+            <a:ext cx="774571" cy="369332"/>
+          </a:xfrm>
+          <a:prstGeom prst="rect">
+            <a:avLst/>
+          </a:prstGeom>
+          <a:noFill/>
+        </p:spPr>
+        <p:txBody>
+          <a:bodyPr wrap="none" rtlCol="0">
+            <a:spAutoFit/>
+          </a:bodyPr>
+          <a:lstStyle/>
+          <a:p>
+            <a:r>
+              <a:rPr lang="de-DE" dirty="0"/>
+              <a:t>Inputs</a:t>
+            </a:r>
+          </a:p>
+        </p:txBody>
+      </p:sp>
+      <p:sp>
+        <p:nvSpPr>
+          <p:cNvPr id="25" name="Textfeld 24">
+            <a:extLst>
+              <a:ext uri="{FF2B5EF4-FFF2-40B4-BE49-F238E27FC236}">
+                <a16:creationId xmlns:a16="http://schemas.microsoft.com/office/drawing/2014/main" id="{794ECFB9-08BF-AD46-BD05-D9D4A7AA7F4C}"/>
+              </a:ext>
+            </a:extLst>
+          </p:cNvPr>
+          <p:cNvSpPr txBox="1"/>
+          <p:nvPr/>
+        </p:nvSpPr>
+        <p:spPr>
+          <a:xfrm>
+            <a:off x="2936991" y="1563878"/>
+            <a:ext cx="945131" cy="369332"/>
+          </a:xfrm>
+          <a:prstGeom prst="rect">
+            <a:avLst/>
+          </a:prstGeom>
+          <a:noFill/>
+        </p:spPr>
+        <p:txBody>
+          <a:bodyPr wrap="none" rtlCol="0">
+            <a:spAutoFit/>
+          </a:bodyPr>
+          <a:lstStyle/>
+          <a:p>
+            <a:r>
+              <a:rPr lang="de-DE" dirty="0" err="1"/>
+              <a:t>Weights</a:t>
+            </a:r>
+            <a:endParaRPr lang="de-DE" dirty="0"/>
+          </a:p>
+        </p:txBody>
+      </p:sp>
+      <p:sp>
+        <p:nvSpPr>
+          <p:cNvPr id="26" name="Textfeld 25">
+            <a:extLst>
+              <a:ext uri="{FF2B5EF4-FFF2-40B4-BE49-F238E27FC236}">
+                <a16:creationId xmlns:a16="http://schemas.microsoft.com/office/drawing/2014/main" id="{355F9F0A-1192-B843-BE35-0FE5BC9DCE87}"/>
+              </a:ext>
+            </a:extLst>
+          </p:cNvPr>
+          <p:cNvSpPr txBox="1"/>
+          <p:nvPr/>
+        </p:nvSpPr>
+        <p:spPr>
+          <a:xfrm>
+            <a:off x="4494105" y="1563878"/>
+            <a:ext cx="596638" cy="369332"/>
+          </a:xfrm>
+          <a:prstGeom prst="rect">
+            <a:avLst/>
+          </a:prstGeom>
+          <a:noFill/>
+        </p:spPr>
+        <p:txBody>
+          <a:bodyPr wrap="none" rtlCol="0">
+            <a:spAutoFit/>
+          </a:bodyPr>
+          <a:lstStyle/>
+          <a:p>
+            <a:r>
+              <a:rPr lang="de-DE" dirty="0" err="1"/>
+              <a:t>Sum</a:t>
+            </a:r>
+            <a:endParaRPr lang="de-DE" dirty="0"/>
+          </a:p>
+        </p:txBody>
+      </p:sp>
+      <p:sp>
+        <p:nvSpPr>
+          <p:cNvPr id="27" name="Textfeld 26">
+            <a:extLst>
+              <a:ext uri="{FF2B5EF4-FFF2-40B4-BE49-F238E27FC236}">
+                <a16:creationId xmlns:a16="http://schemas.microsoft.com/office/drawing/2014/main" id="{663626F6-6927-0B4E-89D1-E99FFCBA9570}"/>
+              </a:ext>
+            </a:extLst>
+          </p:cNvPr>
+          <p:cNvSpPr txBox="1"/>
+          <p:nvPr/>
+        </p:nvSpPr>
+        <p:spPr>
+          <a:xfrm>
+            <a:off x="5528583" y="1563878"/>
+            <a:ext cx="1460656" cy="369332"/>
+          </a:xfrm>
+          <a:prstGeom prst="rect">
+            <a:avLst/>
+          </a:prstGeom>
+          <a:noFill/>
+        </p:spPr>
+        <p:txBody>
+          <a:bodyPr wrap="none" rtlCol="0">
+            <a:spAutoFit/>
+          </a:bodyPr>
+          <a:lstStyle/>
+          <a:p>
+            <a:r>
+              <a:rPr lang="de-DE" dirty="0"/>
+              <a:t>Non-</a:t>
+            </a:r>
+            <a:r>
+              <a:rPr lang="de-DE" dirty="0" err="1"/>
+              <a:t>Linearity</a:t>
+            </a:r>
+            <a:endParaRPr lang="de-DE" dirty="0"/>
+          </a:p>
+        </p:txBody>
+      </p:sp>
+      <p:sp>
+        <p:nvSpPr>
+          <p:cNvPr id="28" name="Textfeld 27">
+            <a:extLst>
+              <a:ext uri="{FF2B5EF4-FFF2-40B4-BE49-F238E27FC236}">
+                <a16:creationId xmlns:a16="http://schemas.microsoft.com/office/drawing/2014/main" id="{E47DC359-D96B-484D-B7D9-8F008B722A45}"/>
+              </a:ext>
+            </a:extLst>
+          </p:cNvPr>
+          <p:cNvSpPr txBox="1"/>
+          <p:nvPr/>
+        </p:nvSpPr>
+        <p:spPr>
+          <a:xfrm>
+            <a:off x="9123222" y="1563878"/>
+            <a:ext cx="856325" cy="369332"/>
+          </a:xfrm>
+          <a:prstGeom prst="rect">
+            <a:avLst/>
+          </a:prstGeom>
+          <a:noFill/>
+        </p:spPr>
+        <p:txBody>
+          <a:bodyPr wrap="none" rtlCol="0">
+            <a:spAutoFit/>
+          </a:bodyPr>
+          <a:lstStyle/>
+          <a:p>
+            <a:r>
+              <a:rPr lang="de-DE" dirty="0"/>
+              <a:t>Output</a:t>
+            </a:r>
+          </a:p>
+        </p:txBody>
+      </p:sp>
+      <mc:AlternateContent xmlns:mc="http://schemas.openxmlformats.org/markup-compatibility/2006">
+        <mc:Choice xmlns:a14="http://schemas.microsoft.com/office/drawing/2010/main" Requires="a14">
+          <p:sp>
+            <p:nvSpPr>
+              <p:cNvPr id="29" name="Rechteck 28">
+                <a:extLst>
+                  <a:ext uri="{FF2B5EF4-FFF2-40B4-BE49-F238E27FC236}">
+                    <a16:creationId xmlns:a16="http://schemas.microsoft.com/office/drawing/2014/main" id="{D03182D8-533A-4847-B1F6-1EE454921409}"/>
+                  </a:ext>
+                </a:extLst>
+              </p:cNvPr>
+              <p:cNvSpPr/>
+              <p:nvPr/>
+            </p:nvSpPr>
+            <p:spPr>
+              <a:xfrm>
+                <a:off x="3251894" y="2500817"/>
+                <a:ext cx="507127" cy="381515"/>
+              </a:xfrm>
+              <a:prstGeom prst="rect">
+                <a:avLst/>
+              </a:prstGeom>
+            </p:spPr>
+            <p:txBody>
+              <a:bodyPr wrap="square">
+                <a:spAutoFit/>
+              </a:bodyPr>
+              <a:lstStyle/>
+              <a:p>
+                <a:pPr/>
+                <a14:m>
+                  <m:oMathPara xmlns:m="http://schemas.openxmlformats.org/officeDocument/2006/math">
+                    <m:oMathParaPr>
+                      <m:jc m:val="centerGroup"/>
+                    </m:oMathParaPr>
+                    <m:oMath xmlns:m="http://schemas.openxmlformats.org/officeDocument/2006/math">
+                      <m:sSub>
+                        <m:sSubPr>
+                          <m:ctrlPr>
+                            <a:rPr lang="de-CH" b="0" i="1" smtClean="0">
+                              <a:latin typeface="Cambria Math" panose="02040503050406030204" pitchFamily="18" charset="0"/>
+                            </a:rPr>
+                          </m:ctrlPr>
+                        </m:sSubPr>
+                        <m:e>
+                          <m:r>
+                            <a:rPr lang="de-CH" b="0" i="1" smtClean="0">
+                              <a:latin typeface="Cambria Math" panose="02040503050406030204" pitchFamily="18" charset="0"/>
+                            </a:rPr>
+                            <m:t>𝑤</m:t>
+                          </m:r>
+                        </m:e>
+                        <m:sub>
+                          <m:r>
+                            <a:rPr lang="de-CH" b="0" i="1" smtClean="0">
+                              <a:latin typeface="Cambria Math" panose="02040503050406030204" pitchFamily="18" charset="0"/>
+                            </a:rPr>
+                            <m:t>1,1</m:t>
+                          </m:r>
+                        </m:sub>
+                      </m:sSub>
+                    </m:oMath>
+                  </m:oMathPara>
+                </a14:m>
+                <a:endParaRPr lang="de-DE" dirty="0"/>
+              </a:p>
+            </p:txBody>
+          </p:sp>
+        </mc:Choice>
+        <mc:Fallback>
+          <p:sp>
+            <p:nvSpPr>
+              <p:cNvPr id="29" name="Rechteck 28">
+                <a:extLst>
+                  <a:ext uri="{FF2B5EF4-FFF2-40B4-BE49-F238E27FC236}">
+                    <a16:creationId xmlns:a16="http://schemas.microsoft.com/office/drawing/2014/main" id="{D03182D8-533A-4847-B1F6-1EE454921409}"/>
+                  </a:ext>
+                </a:extLst>
+              </p:cNvPr>
+              <p:cNvSpPr>
+                <a:spLocks noRot="1" noChangeAspect="1" noMove="1" noResize="1" noEditPoints="1" noAdjustHandles="1" noChangeArrowheads="1" noChangeShapeType="1" noTextEdit="1"/>
+              </p:cNvSpPr>
+              <p:nvPr/>
+            </p:nvSpPr>
+            <p:spPr>
+              <a:xfrm>
+                <a:off x="3251894" y="2500817"/>
+                <a:ext cx="507127" cy="381515"/>
+              </a:xfrm>
+              <a:prstGeom prst="rect">
+                <a:avLst/>
+              </a:prstGeom>
+              <a:blipFill>
+                <a:blip r:embed="rId7"/>
+                <a:stretch>
+                  <a:fillRect r="-2439"/>
+                </a:stretch>
+              </a:blipFill>
+            </p:spPr>
+            <p:txBody>
+              <a:bodyPr/>
+              <a:lstStyle/>
+              <a:p>
+                <a:r>
+                  <a:rPr lang="de-DE">
+                    <a:noFill/>
+                  </a:rPr>
+                  <a:t> </a:t>
+                </a:r>
+              </a:p>
+            </p:txBody>
+          </p:sp>
+        </mc:Fallback>
+      </mc:AlternateContent>
+      <mc:AlternateContent xmlns:mc="http://schemas.openxmlformats.org/markup-compatibility/2006">
+        <mc:Choice xmlns:a14="http://schemas.microsoft.com/office/drawing/2010/main" Requires="a14">
+          <p:sp>
+            <p:nvSpPr>
+              <p:cNvPr id="34" name="Textfeld 33">
+                <a:extLst>
+                  <a:ext uri="{FF2B5EF4-FFF2-40B4-BE49-F238E27FC236}">
+                    <a16:creationId xmlns:a16="http://schemas.microsoft.com/office/drawing/2014/main" id="{DFF53270-FB2C-0A4B-8D89-177D11B58E27}"/>
+                  </a:ext>
+                </a:extLst>
+              </p:cNvPr>
+              <p:cNvSpPr txBox="1"/>
+              <p:nvPr/>
+            </p:nvSpPr>
+            <p:spPr>
+              <a:xfrm>
+                <a:off x="4116867" y="5863888"/>
+                <a:ext cx="1527854" cy="276999"/>
+              </a:xfrm>
+              <a:prstGeom prst="rect">
+                <a:avLst/>
+              </a:prstGeom>
+              <a:noFill/>
+            </p:spPr>
+            <p:txBody>
+              <a:bodyPr wrap="none" lIns="0" tIns="0" rIns="0" bIns="0" rtlCol="0">
+                <a:spAutoFit/>
+              </a:bodyPr>
+              <a:lstStyle/>
+              <a:p>
+                <a:pPr/>
+                <a14:m>
+                  <m:oMathPara xmlns:m="http://schemas.openxmlformats.org/officeDocument/2006/math">
+                    <m:oMathParaPr>
+                      <m:jc m:val="centerGroup"/>
+                    </m:oMathParaPr>
+                    <m:oMath xmlns:m="http://schemas.openxmlformats.org/officeDocument/2006/math">
+                      <m:r>
+                        <a:rPr lang="de-CH" b="0" i="1" smtClean="0">
+                          <a:latin typeface="Cambria Math" panose="02040503050406030204" pitchFamily="18" charset="0"/>
+                        </a:rPr>
+                        <m:t>𝑧</m:t>
+                      </m:r>
+                      <m:r>
+                        <a:rPr lang="de-CH" b="0" i="1" smtClean="0">
+                          <a:latin typeface="Cambria Math" panose="02040503050406030204" pitchFamily="18" charset="0"/>
+                        </a:rPr>
+                        <m:t>=</m:t>
+                      </m:r>
+                      <m:sSup>
+                        <m:sSupPr>
+                          <m:ctrlPr>
+                            <a:rPr lang="de-CH" b="0" i="1" smtClean="0">
+                              <a:latin typeface="Cambria Math" panose="02040503050406030204" pitchFamily="18" charset="0"/>
+                            </a:rPr>
+                          </m:ctrlPr>
+                        </m:sSupPr>
+                        <m:e>
+                          <m:r>
+                            <a:rPr lang="de-CH" b="0" i="1" smtClean="0">
+                              <a:latin typeface="Cambria Math" panose="02040503050406030204" pitchFamily="18" charset="0"/>
+                            </a:rPr>
+                            <m:t>𝑊</m:t>
+                          </m:r>
+                        </m:e>
+                        <m:sup>
+                          <m:r>
+                            <a:rPr lang="de-CH" b="0" i="1" smtClean="0">
+                              <a:latin typeface="Cambria Math" panose="02040503050406030204" pitchFamily="18" charset="0"/>
+                            </a:rPr>
+                            <m:t>𝑇</m:t>
+                          </m:r>
+                        </m:sup>
+                      </m:sSup>
+                      <m:r>
+                        <a:rPr lang="de-CH" b="0" i="1" smtClean="0">
+                          <a:latin typeface="Cambria Math" panose="02040503050406030204" pitchFamily="18" charset="0"/>
+                          <a:ea typeface="Cambria Math" panose="02040503050406030204" pitchFamily="18" charset="0"/>
+                        </a:rPr>
+                        <m:t>∙</m:t>
+                      </m:r>
+                      <m:r>
+                        <a:rPr lang="de-CH" b="0" i="1" smtClean="0">
+                          <a:latin typeface="Cambria Math" panose="02040503050406030204" pitchFamily="18" charset="0"/>
+                          <a:ea typeface="Cambria Math" panose="02040503050406030204" pitchFamily="18" charset="0"/>
+                        </a:rPr>
+                        <m:t>𝑥</m:t>
+                      </m:r>
+                      <m:r>
+                        <a:rPr lang="de-CH" b="0" i="1" smtClean="0">
+                          <a:latin typeface="Cambria Math" panose="02040503050406030204" pitchFamily="18" charset="0"/>
+                          <a:ea typeface="Cambria Math" panose="02040503050406030204" pitchFamily="18" charset="0"/>
+                        </a:rPr>
+                        <m:t>+</m:t>
+                      </m:r>
+                      <m:r>
+                        <a:rPr lang="de-CH" b="0" i="1" smtClean="0">
+                          <a:latin typeface="Cambria Math" panose="02040503050406030204" pitchFamily="18" charset="0"/>
+                          <a:ea typeface="Cambria Math" panose="02040503050406030204" pitchFamily="18" charset="0"/>
+                        </a:rPr>
+                        <m:t>𝑏</m:t>
+                      </m:r>
+                    </m:oMath>
+                  </m:oMathPara>
+                </a14:m>
+                <a:endParaRPr lang="de-DE" dirty="0"/>
+              </a:p>
+            </p:txBody>
+          </p:sp>
+        </mc:Choice>
+        <mc:Fallback>
+          <p:sp>
+            <p:nvSpPr>
+              <p:cNvPr id="34" name="Textfeld 33">
+                <a:extLst>
+                  <a:ext uri="{FF2B5EF4-FFF2-40B4-BE49-F238E27FC236}">
+                    <a16:creationId xmlns:a16="http://schemas.microsoft.com/office/drawing/2014/main" id="{DFF53270-FB2C-0A4B-8D89-177D11B58E27}"/>
+                  </a:ext>
+                </a:extLst>
+              </p:cNvPr>
+              <p:cNvSpPr txBox="1">
+                <a:spLocks noRot="1" noChangeAspect="1" noMove="1" noResize="1" noEditPoints="1" noAdjustHandles="1" noChangeArrowheads="1" noChangeShapeType="1" noTextEdit="1"/>
+              </p:cNvSpPr>
+              <p:nvPr/>
+            </p:nvSpPr>
+            <p:spPr>
+              <a:xfrm>
+                <a:off x="4116867" y="5863888"/>
+                <a:ext cx="1527854" cy="276999"/>
+              </a:xfrm>
+              <a:prstGeom prst="rect">
+                <a:avLst/>
+              </a:prstGeom>
+              <a:blipFill>
+                <a:blip r:embed="rId8"/>
+                <a:stretch>
+                  <a:fillRect l="-1667" t="-4348" r="-3333" b="-4348"/>
+                </a:stretch>
+              </a:blipFill>
+            </p:spPr>
+            <p:txBody>
+              <a:bodyPr/>
+              <a:lstStyle/>
+              <a:p>
+                <a:r>
+                  <a:rPr lang="de-DE">
+                    <a:noFill/>
+                  </a:rPr>
+                  <a:t> </a:t>
+                </a:r>
+              </a:p>
+            </p:txBody>
+          </p:sp>
+        </mc:Fallback>
+      </mc:AlternateContent>
+      <mc:AlternateContent xmlns:mc="http://schemas.openxmlformats.org/markup-compatibility/2006">
+        <mc:Choice xmlns:a14="http://schemas.microsoft.com/office/drawing/2010/main" Requires="a14">
+          <p:sp>
+            <p:nvSpPr>
+              <p:cNvPr id="35" name="Textfeld 34">
+                <a:extLst>
+                  <a:ext uri="{FF2B5EF4-FFF2-40B4-BE49-F238E27FC236}">
+                    <a16:creationId xmlns:a16="http://schemas.microsoft.com/office/drawing/2014/main" id="{07A5360B-8ABD-0344-A9EC-365FFEAE6B01}"/>
+                  </a:ext>
+                </a:extLst>
+              </p:cNvPr>
+              <p:cNvSpPr txBox="1"/>
+              <p:nvPr/>
+            </p:nvSpPr>
+            <p:spPr>
+              <a:xfrm>
+                <a:off x="6544655" y="5757602"/>
+                <a:ext cx="2638094" cy="493661"/>
+              </a:xfrm>
+              <a:prstGeom prst="rect">
+                <a:avLst/>
+              </a:prstGeom>
+              <a:noFill/>
+            </p:spPr>
+            <p:txBody>
+              <a:bodyPr wrap="none" lIns="0" tIns="0" rIns="0" bIns="0" rtlCol="0">
+                <a:spAutoFit/>
+              </a:bodyPr>
+              <a:lstStyle/>
+              <a:p>
+                <a:pPr/>
+                <a14:m>
+                  <m:oMath xmlns:m="http://schemas.openxmlformats.org/officeDocument/2006/math">
+                    <m:sSub>
+                      <m:sSubPr>
+                        <m:ctrlPr>
+                          <a:rPr lang="de-CH" b="0" i="1" smtClean="0">
+                            <a:latin typeface="Cambria Math" panose="02040503050406030204" pitchFamily="18" charset="0"/>
+                            <a:ea typeface="Cambria Math" panose="02040503050406030204" pitchFamily="18" charset="0"/>
+                          </a:rPr>
+                        </m:ctrlPr>
+                      </m:sSubPr>
+                      <m:e>
+                        <m:r>
+                          <a:rPr lang="de-CH" b="0" i="1" smtClean="0">
+                            <a:latin typeface="Cambria Math" panose="02040503050406030204" pitchFamily="18" charset="0"/>
+                            <a:ea typeface="Cambria Math" panose="02040503050406030204" pitchFamily="18" charset="0"/>
+                          </a:rPr>
+                          <m:t>𝑦</m:t>
+                        </m:r>
+                      </m:e>
+                      <m:sub>
+                        <m:r>
+                          <a:rPr lang="de-CH" b="0" i="1" smtClean="0">
+                            <a:latin typeface="Cambria Math" panose="02040503050406030204" pitchFamily="18" charset="0"/>
+                            <a:ea typeface="Cambria Math" panose="02040503050406030204" pitchFamily="18" charset="0"/>
+                          </a:rPr>
+                          <m:t>𝑘</m:t>
+                        </m:r>
+                      </m:sub>
+                    </m:sSub>
+                    <m:r>
+                      <a:rPr lang="de-CH" b="0" i="1" smtClean="0">
+                        <a:latin typeface="Cambria Math" panose="02040503050406030204" pitchFamily="18" charset="0"/>
+                        <a:ea typeface="Cambria Math" panose="02040503050406030204" pitchFamily="18" charset="0"/>
+                      </a:rPr>
+                      <m:t>= </m:t>
+                    </m:r>
+                  </m:oMath>
+                </a14:m>
+                <a:r>
+                  <a:rPr lang="de-CH" b="0" dirty="0" err="1">
+                    <a:ea typeface="Cambria Math" panose="02040503050406030204" pitchFamily="18" charset="0"/>
+                  </a:rPr>
+                  <a:t>softmax</a:t>
+                </a:r>
+                <a14:m>
+                  <m:oMath xmlns:m="http://schemas.openxmlformats.org/officeDocument/2006/math">
+                    <m:sSub>
+                      <m:sSubPr>
+                        <m:ctrlPr>
+                          <a:rPr lang="de-CH" b="0" i="1" smtClean="0">
+                            <a:latin typeface="Cambria Math" panose="02040503050406030204" pitchFamily="18" charset="0"/>
+                            <a:ea typeface="Cambria Math" panose="02040503050406030204" pitchFamily="18" charset="0"/>
+                          </a:rPr>
+                        </m:ctrlPr>
+                      </m:sSubPr>
+                      <m:e>
+                        <m:d>
+                          <m:dPr>
+                            <m:ctrlPr>
+                              <a:rPr lang="de-CH" b="0" i="1" smtClean="0">
+                                <a:latin typeface="Cambria Math" panose="02040503050406030204" pitchFamily="18" charset="0"/>
+                                <a:ea typeface="Cambria Math" panose="02040503050406030204" pitchFamily="18" charset="0"/>
+                              </a:rPr>
+                            </m:ctrlPr>
+                          </m:dPr>
+                          <m:e>
+                            <m:r>
+                              <a:rPr lang="de-CH" b="0" i="1" smtClean="0">
+                                <a:latin typeface="Cambria Math" panose="02040503050406030204" pitchFamily="18" charset="0"/>
+                                <a:ea typeface="Cambria Math" panose="02040503050406030204" pitchFamily="18" charset="0"/>
+                              </a:rPr>
+                              <m:t>𝑧</m:t>
+                            </m:r>
+                          </m:e>
+                        </m:d>
+                      </m:e>
+                      <m:sub>
+                        <m:r>
+                          <a:rPr lang="de-CH" b="0" i="1" smtClean="0">
+                            <a:latin typeface="Cambria Math" panose="02040503050406030204" pitchFamily="18" charset="0"/>
+                            <a:ea typeface="Cambria Math" panose="02040503050406030204" pitchFamily="18" charset="0"/>
+                          </a:rPr>
+                          <m:t>𝑘</m:t>
+                        </m:r>
+                      </m:sub>
+                    </m:sSub>
+                    <m:r>
+                      <a:rPr lang="de-CH" b="0" i="1" smtClean="0">
+                        <a:latin typeface="Cambria Math" panose="02040503050406030204" pitchFamily="18" charset="0"/>
+                        <a:ea typeface="Cambria Math" panose="02040503050406030204" pitchFamily="18" charset="0"/>
+                      </a:rPr>
+                      <m:t>=</m:t>
+                    </m:r>
+                    <m:f>
+                      <m:fPr>
+                        <m:ctrlPr>
+                          <a:rPr lang="de-CH" b="0" i="1" smtClean="0">
+                            <a:latin typeface="Cambria Math" panose="02040503050406030204" pitchFamily="18" charset="0"/>
+                            <a:ea typeface="Cambria Math" panose="02040503050406030204" pitchFamily="18" charset="0"/>
+                          </a:rPr>
+                        </m:ctrlPr>
+                      </m:fPr>
+                      <m:num>
+                        <m:sSup>
+                          <m:sSupPr>
+                            <m:ctrlPr>
+                              <a:rPr lang="de-CH" b="0" i="1" smtClean="0">
+                                <a:latin typeface="Cambria Math" panose="02040503050406030204" pitchFamily="18" charset="0"/>
+                                <a:ea typeface="Cambria Math" panose="02040503050406030204" pitchFamily="18" charset="0"/>
+                              </a:rPr>
+                            </m:ctrlPr>
+                          </m:sSupPr>
+                          <m:e>
+                            <m:r>
+                              <a:rPr lang="de-CH" b="0" i="1" smtClean="0">
+                                <a:latin typeface="Cambria Math" panose="02040503050406030204" pitchFamily="18" charset="0"/>
+                                <a:ea typeface="Cambria Math" panose="02040503050406030204" pitchFamily="18" charset="0"/>
+                              </a:rPr>
+                              <m:t>𝑒</m:t>
+                            </m:r>
+                          </m:e>
+                          <m:sup>
+                            <m:sSub>
+                              <m:sSubPr>
+                                <m:ctrlPr>
+                                  <a:rPr lang="de-CH" b="0" i="1" smtClean="0">
+                                    <a:latin typeface="Cambria Math" panose="02040503050406030204" pitchFamily="18" charset="0"/>
+                                    <a:ea typeface="Cambria Math" panose="02040503050406030204" pitchFamily="18" charset="0"/>
+                                  </a:rPr>
+                                </m:ctrlPr>
+                              </m:sSubPr>
+                              <m:e>
+                                <m:r>
+                                  <a:rPr lang="de-CH" b="0" i="1" smtClean="0">
+                                    <a:latin typeface="Cambria Math" panose="02040503050406030204" pitchFamily="18" charset="0"/>
+                                    <a:ea typeface="Cambria Math" panose="02040503050406030204" pitchFamily="18" charset="0"/>
+                                  </a:rPr>
+                                  <m:t>𝑧</m:t>
+                                </m:r>
+                              </m:e>
+                              <m:sub>
+                                <m:r>
+                                  <a:rPr lang="de-CH" b="0" i="1" smtClean="0">
+                                    <a:latin typeface="Cambria Math" panose="02040503050406030204" pitchFamily="18" charset="0"/>
+                                    <a:ea typeface="Cambria Math" panose="02040503050406030204" pitchFamily="18" charset="0"/>
+                                  </a:rPr>
+                                  <m:t>𝑘</m:t>
+                                </m:r>
+                              </m:sub>
+                            </m:sSub>
+                          </m:sup>
+                        </m:sSup>
+                      </m:num>
+                      <m:den>
+                        <m:nary>
+                          <m:naryPr>
+                            <m:chr m:val="∑"/>
+                            <m:ctrlPr>
+                              <a:rPr lang="de-CH" b="0" i="1" smtClean="0">
+                                <a:latin typeface="Cambria Math" panose="02040503050406030204" pitchFamily="18" charset="0"/>
+                                <a:ea typeface="Cambria Math" panose="02040503050406030204" pitchFamily="18" charset="0"/>
+                              </a:rPr>
+                            </m:ctrlPr>
+                          </m:naryPr>
+                          <m:sub>
+                            <m:r>
+                              <m:rPr>
+                                <m:brk m:alnAt="23"/>
+                              </m:rPr>
+                              <a:rPr lang="de-CH" b="0" i="1" smtClean="0">
+                                <a:latin typeface="Cambria Math" panose="02040503050406030204" pitchFamily="18" charset="0"/>
+                                <a:ea typeface="Cambria Math" panose="02040503050406030204" pitchFamily="18" charset="0"/>
+                              </a:rPr>
+                              <m:t>𝑘</m:t>
+                            </m:r>
+                            <m:r>
+                              <a:rPr lang="de-CH" b="0" i="1" smtClean="0">
+                                <a:latin typeface="Cambria Math" panose="02040503050406030204" pitchFamily="18" charset="0"/>
+                                <a:ea typeface="Cambria Math" panose="02040503050406030204" pitchFamily="18" charset="0"/>
+                              </a:rPr>
+                              <m:t>=1</m:t>
+                            </m:r>
+                          </m:sub>
+                          <m:sup>
+                            <m:r>
+                              <a:rPr lang="de-CH" b="0" i="1" smtClean="0">
+                                <a:latin typeface="Cambria Math" panose="02040503050406030204" pitchFamily="18" charset="0"/>
+                                <a:ea typeface="Cambria Math" panose="02040503050406030204" pitchFamily="18" charset="0"/>
+                              </a:rPr>
+                              <m:t>𝐾</m:t>
+                            </m:r>
+                          </m:sup>
+                          <m:e>
+                            <m:sSup>
+                              <m:sSupPr>
+                                <m:ctrlPr>
+                                  <a:rPr lang="de-CH" b="0" i="1" smtClean="0">
+                                    <a:latin typeface="Cambria Math" panose="02040503050406030204" pitchFamily="18" charset="0"/>
+                                    <a:ea typeface="Cambria Math" panose="02040503050406030204" pitchFamily="18" charset="0"/>
+                                  </a:rPr>
+                                </m:ctrlPr>
+                              </m:sSupPr>
+                              <m:e>
+                                <m:r>
+                                  <a:rPr lang="de-CH" b="0" i="1" smtClean="0">
+                                    <a:latin typeface="Cambria Math" panose="02040503050406030204" pitchFamily="18" charset="0"/>
+                                    <a:ea typeface="Cambria Math" panose="02040503050406030204" pitchFamily="18" charset="0"/>
+                                  </a:rPr>
+                                  <m:t>𝑒</m:t>
+                                </m:r>
+                              </m:e>
+                              <m:sup>
+                                <m:r>
+                                  <a:rPr lang="de-CH" b="0" i="1" smtClean="0">
+                                    <a:latin typeface="Cambria Math" panose="02040503050406030204" pitchFamily="18" charset="0"/>
+                                    <a:ea typeface="Cambria Math" panose="02040503050406030204" pitchFamily="18" charset="0"/>
+                                  </a:rPr>
+                                  <m:t>𝑘</m:t>
+                                </m:r>
+                              </m:sup>
+                            </m:sSup>
+                          </m:e>
+                        </m:nary>
+                      </m:den>
+                    </m:f>
+                  </m:oMath>
+                </a14:m>
+                <a:endParaRPr lang="de-DE" dirty="0"/>
+              </a:p>
+            </p:txBody>
+          </p:sp>
+        </mc:Choice>
+        <mc:Fallback>
+          <p:sp>
+            <p:nvSpPr>
+              <p:cNvPr id="35" name="Textfeld 34">
+                <a:extLst>
+                  <a:ext uri="{FF2B5EF4-FFF2-40B4-BE49-F238E27FC236}">
+                    <a16:creationId xmlns:a16="http://schemas.microsoft.com/office/drawing/2014/main" id="{07A5360B-8ABD-0344-A9EC-365FFEAE6B01}"/>
+                  </a:ext>
+                </a:extLst>
+              </p:cNvPr>
+              <p:cNvSpPr txBox="1">
+                <a:spLocks noRot="1" noChangeAspect="1" noMove="1" noResize="1" noEditPoints="1" noAdjustHandles="1" noChangeArrowheads="1" noChangeShapeType="1" noTextEdit="1"/>
+              </p:cNvSpPr>
+              <p:nvPr/>
+            </p:nvSpPr>
+            <p:spPr>
+              <a:xfrm>
+                <a:off x="6544655" y="5757602"/>
+                <a:ext cx="2638094" cy="493661"/>
+              </a:xfrm>
+              <a:prstGeom prst="rect">
+                <a:avLst/>
+              </a:prstGeom>
+              <a:blipFill>
+                <a:blip r:embed="rId9"/>
+                <a:stretch>
+                  <a:fillRect l="-2871" t="-15000" r="-478" b="-97500"/>
+                </a:stretch>
+              </a:blipFill>
+            </p:spPr>
+            <p:txBody>
+              <a:bodyPr/>
+              <a:lstStyle/>
+              <a:p>
+                <a:r>
+                  <a:rPr lang="de-DE">
+                    <a:noFill/>
+                  </a:rPr>
+                  <a:t> </a:t>
+                </a:r>
+              </a:p>
+            </p:txBody>
+          </p:sp>
+        </mc:Fallback>
+      </mc:AlternateContent>
+      <p:cxnSp>
+        <p:nvCxnSpPr>
+          <p:cNvPr id="36" name="Gerade Verbindung mit Pfeil 35">
+            <a:extLst>
+              <a:ext uri="{FF2B5EF4-FFF2-40B4-BE49-F238E27FC236}">
+                <a16:creationId xmlns:a16="http://schemas.microsoft.com/office/drawing/2014/main" id="{DACBA329-C518-A34A-8250-D250756C7C27}"/>
+              </a:ext>
+            </a:extLst>
+          </p:cNvPr>
+          <p:cNvCxnSpPr>
+            <a:cxnSpLocks/>
+          </p:cNvCxnSpPr>
+          <p:nvPr/>
+        </p:nvCxnSpPr>
+        <p:spPr>
+          <a:xfrm>
+            <a:off x="2816723" y="1317770"/>
+            <a:ext cx="6597100" cy="0"/>
+          </a:xfrm>
+          <a:prstGeom prst="straightConnector1">
+            <a:avLst/>
+          </a:prstGeom>
+          <a:ln w="28575">
+            <a:solidFill>
+              <a:schemeClr val="tx1"/>
+            </a:solidFill>
+            <a:tailEnd type="triangle"/>
+          </a:ln>
+        </p:spPr>
+        <p:style>
+          <a:lnRef idx="1">
+            <a:schemeClr val="accent1"/>
+          </a:lnRef>
+          <a:fillRef idx="0">
+            <a:schemeClr val="accent1"/>
+          </a:fillRef>
+          <a:effectRef idx="0">
+            <a:schemeClr val="accent1"/>
+          </a:effectRef>
+          <a:fontRef idx="minor">
+            <a:schemeClr val="tx1"/>
+          </a:fontRef>
+        </p:style>
+      </p:cxnSp>
+      <mc:AlternateContent xmlns:mc="http://schemas.openxmlformats.org/markup-compatibility/2006">
+        <mc:Choice xmlns:a14="http://schemas.microsoft.com/office/drawing/2010/main" Requires="a14">
+          <p:sp>
+            <p:nvSpPr>
+              <p:cNvPr id="37" name="Textfeld 36">
+                <a:extLst>
+                  <a:ext uri="{FF2B5EF4-FFF2-40B4-BE49-F238E27FC236}">
+                    <a16:creationId xmlns:a16="http://schemas.microsoft.com/office/drawing/2014/main" id="{5E405426-F2C2-154A-96EF-ACEA870F731F}"/>
+                  </a:ext>
+                </a:extLst>
+              </p:cNvPr>
+              <p:cNvSpPr txBox="1"/>
+              <p:nvPr/>
+            </p:nvSpPr>
+            <p:spPr>
+              <a:xfrm>
+                <a:off x="4212491" y="868650"/>
+                <a:ext cx="4030527" cy="369332"/>
+              </a:xfrm>
+              <a:prstGeom prst="rect">
+                <a:avLst/>
+              </a:prstGeom>
+              <a:noFill/>
+            </p:spPr>
+            <p:txBody>
+              <a:bodyPr wrap="none" rtlCol="0">
+                <a:spAutoFit/>
+              </a:bodyPr>
+              <a:lstStyle/>
+              <a:p>
+                <a:r>
+                  <a:rPr lang="de-DE" dirty="0"/>
+                  <a:t>Forward Pass on sample </a:t>
+                </a:r>
+                <a14:m>
+                  <m:oMath xmlns:m="http://schemas.openxmlformats.org/officeDocument/2006/math">
+                    <m:sSub>
+                      <m:sSubPr>
+                        <m:ctrlPr>
+                          <a:rPr lang="de-CH" b="0" i="1" smtClean="0">
+                            <a:latin typeface="Cambria Math" panose="02040503050406030204" pitchFamily="18" charset="0"/>
+                          </a:rPr>
+                        </m:ctrlPr>
+                      </m:sSubPr>
+                      <m:e>
+                        <m:r>
+                          <a:rPr lang="de-CH" b="0" i="1" smtClean="0">
+                            <a:latin typeface="Cambria Math" panose="02040503050406030204" pitchFamily="18" charset="0"/>
+                          </a:rPr>
+                          <m:t>𝑥</m:t>
+                        </m:r>
+                      </m:e>
+                      <m:sub>
+                        <m:r>
+                          <a:rPr lang="de-CH" b="0" i="1" smtClean="0">
+                            <a:latin typeface="Cambria Math" panose="02040503050406030204" pitchFamily="18" charset="0"/>
+                          </a:rPr>
+                          <m:t>𝑛</m:t>
+                        </m:r>
+                      </m:sub>
+                    </m:sSub>
+                  </m:oMath>
+                </a14:m>
+                <a:r>
+                  <a:rPr lang="de-DE" dirty="0"/>
+                  <a:t> (1 </a:t>
+                </a:r>
+                <a:r>
+                  <a:rPr lang="de-DE" dirty="0" err="1"/>
+                  <a:t>row</a:t>
+                </a:r>
+                <a:r>
+                  <a:rPr lang="de-DE" dirty="0"/>
+                  <a:t> </a:t>
+                </a:r>
+                <a:r>
+                  <a:rPr lang="de-DE" dirty="0" err="1"/>
+                  <a:t>of</a:t>
+                </a:r>
+                <a:r>
+                  <a:rPr lang="de-DE" dirty="0"/>
+                  <a:t> </a:t>
+                </a:r>
+                <a14:m>
+                  <m:oMath xmlns:m="http://schemas.openxmlformats.org/officeDocument/2006/math">
+                    <m:r>
+                      <a:rPr lang="de-CH" b="0" i="1" smtClean="0">
+                        <a:latin typeface="Cambria Math" panose="02040503050406030204" pitchFamily="18" charset="0"/>
+                      </a:rPr>
+                      <m:t>𝑋</m:t>
+                    </m:r>
+                  </m:oMath>
+                </a14:m>
+                <a:r>
+                  <a:rPr lang="de-DE" dirty="0"/>
+                  <a:t>)</a:t>
+                </a:r>
+              </a:p>
+            </p:txBody>
+          </p:sp>
+        </mc:Choice>
+        <mc:Fallback>
+          <p:sp>
+            <p:nvSpPr>
+              <p:cNvPr id="37" name="Textfeld 36">
+                <a:extLst>
+                  <a:ext uri="{FF2B5EF4-FFF2-40B4-BE49-F238E27FC236}">
+                    <a16:creationId xmlns:a16="http://schemas.microsoft.com/office/drawing/2014/main" id="{5E405426-F2C2-154A-96EF-ACEA870F731F}"/>
+                  </a:ext>
+                </a:extLst>
+              </p:cNvPr>
+              <p:cNvSpPr txBox="1">
+                <a:spLocks noRot="1" noChangeAspect="1" noMove="1" noResize="1" noEditPoints="1" noAdjustHandles="1" noChangeArrowheads="1" noChangeShapeType="1" noTextEdit="1"/>
+              </p:cNvSpPr>
+              <p:nvPr/>
+            </p:nvSpPr>
+            <p:spPr>
+              <a:xfrm>
+                <a:off x="4212491" y="868650"/>
+                <a:ext cx="4030527" cy="369332"/>
+              </a:xfrm>
+              <a:prstGeom prst="rect">
+                <a:avLst/>
+              </a:prstGeom>
+              <a:blipFill>
+                <a:blip r:embed="rId10"/>
+                <a:stretch>
+                  <a:fillRect l="-1258" t="-3333" b="-26667"/>
+                </a:stretch>
+              </a:blipFill>
+            </p:spPr>
+            <p:txBody>
+              <a:bodyPr/>
+              <a:lstStyle/>
+              <a:p>
+                <a:r>
+                  <a:rPr lang="de-DE">
+                    <a:noFill/>
+                  </a:rPr>
+                  <a:t> </a:t>
+                </a:r>
+              </a:p>
+            </p:txBody>
+          </p:sp>
+        </mc:Fallback>
+      </mc:AlternateContent>
+      <p:sp>
+        <p:nvSpPr>
+          <p:cNvPr id="40" name="Oval 39">
+            <a:extLst>
+              <a:ext uri="{FF2B5EF4-FFF2-40B4-BE49-F238E27FC236}">
+                <a16:creationId xmlns:a16="http://schemas.microsoft.com/office/drawing/2014/main" id="{5C9897F8-1BD3-6044-BE99-943AE02E91D9}"/>
+              </a:ext>
+            </a:extLst>
+          </p:cNvPr>
+          <p:cNvSpPr/>
+          <p:nvPr/>
+        </p:nvSpPr>
+        <p:spPr>
+          <a:xfrm>
+            <a:off x="4577089" y="2611705"/>
+            <a:ext cx="594360" cy="609600"/>
+          </a:xfrm>
+          <a:prstGeom prst="ellipse">
+            <a:avLst/>
+          </a:prstGeom>
+          <a:solidFill>
+            <a:schemeClr val="accent2">
+              <a:lumMod val="60000"/>
+              <a:lumOff val="40000"/>
+            </a:schemeClr>
+          </a:solidFill>
+          <a:ln>
+            <a:noFill/>
+          </a:ln>
+        </p:spPr>
+        <p:style>
+          <a:lnRef idx="2">
+            <a:schemeClr val="accent1">
+              <a:shade val="50000"/>
+            </a:schemeClr>
+          </a:lnRef>
+          <a:fillRef idx="1">
+            <a:schemeClr val="accent1"/>
+          </a:fillRef>
+          <a:effectRef idx="0">
+            <a:schemeClr val="accent1"/>
+          </a:effectRef>
+          <a:fontRef idx="minor">
+            <a:schemeClr val="lt1"/>
+          </a:fontRef>
+        </p:style>
+        <p:txBody>
+          <a:bodyPr rtlCol="0" anchor="ctr"/>
+          <a:lstStyle/>
+          <a:p>
+            <a:pPr algn="ctr"/>
+            <a:endParaRPr lang="de-DE"/>
+          </a:p>
+        </p:txBody>
+      </p:sp>
+      <mc:AlternateContent xmlns:mc="http://schemas.openxmlformats.org/markup-compatibility/2006">
+        <mc:Choice xmlns:a14="http://schemas.microsoft.com/office/drawing/2010/main" Requires="a14">
+          <p:sp>
+            <p:nvSpPr>
+              <p:cNvPr id="41" name="Textfeld 40">
+                <a:extLst>
+                  <a:ext uri="{FF2B5EF4-FFF2-40B4-BE49-F238E27FC236}">
+                    <a16:creationId xmlns:a16="http://schemas.microsoft.com/office/drawing/2014/main" id="{35BCFFB0-C5B7-AD40-A550-929FD6331151}"/>
+                  </a:ext>
+                </a:extLst>
+              </p:cNvPr>
+              <p:cNvSpPr txBox="1"/>
+              <p:nvPr/>
+            </p:nvSpPr>
+            <p:spPr>
+              <a:xfrm>
+                <a:off x="4620860" y="2658812"/>
+                <a:ext cx="590675" cy="539507"/>
+              </a:xfrm>
+              <a:prstGeom prst="rect">
+                <a:avLst/>
+              </a:prstGeom>
+              <a:noFill/>
+            </p:spPr>
+            <p:txBody>
+              <a:bodyPr wrap="none" rtlCol="0">
+                <a:spAutoFit/>
+              </a:bodyPr>
+              <a:lstStyle/>
+              <a:p>
+                <a:pPr/>
+                <a14:m>
+                  <m:oMathPara xmlns:m="http://schemas.openxmlformats.org/officeDocument/2006/math">
+                    <m:oMathParaPr>
+                      <m:jc m:val="centerGroup"/>
+                    </m:oMathParaPr>
+                    <m:oMath xmlns:m="http://schemas.openxmlformats.org/officeDocument/2006/math">
+                      <m:nary>
+                        <m:naryPr>
+                          <m:chr m:val="∑"/>
+                          <m:subHide m:val="on"/>
+                          <m:supHide m:val="on"/>
+                          <m:ctrlPr>
+                            <a:rPr lang="de-DE" sz="1200" i="1" smtClean="0">
+                              <a:latin typeface="Cambria Math" panose="02040503050406030204" pitchFamily="18" charset="0"/>
+                            </a:rPr>
+                          </m:ctrlPr>
+                        </m:naryPr>
+                        <m:sub/>
+                        <m:sup/>
+                        <m:e/>
+                      </m:nary>
+                    </m:oMath>
+                  </m:oMathPara>
+                </a14:m>
+                <a:endParaRPr lang="de-DE" sz="1200" dirty="0"/>
+              </a:p>
+            </p:txBody>
+          </p:sp>
+        </mc:Choice>
+        <mc:Fallback>
+          <p:sp>
+            <p:nvSpPr>
+              <p:cNvPr id="41" name="Textfeld 40">
+                <a:extLst>
+                  <a:ext uri="{FF2B5EF4-FFF2-40B4-BE49-F238E27FC236}">
+                    <a16:creationId xmlns:a16="http://schemas.microsoft.com/office/drawing/2014/main" id="{35BCFFB0-C5B7-AD40-A550-929FD6331151}"/>
+                  </a:ext>
+                </a:extLst>
+              </p:cNvPr>
+              <p:cNvSpPr txBox="1">
+                <a:spLocks noRot="1" noChangeAspect="1" noMove="1" noResize="1" noEditPoints="1" noAdjustHandles="1" noChangeArrowheads="1" noChangeShapeType="1" noTextEdit="1"/>
+              </p:cNvSpPr>
+              <p:nvPr/>
+            </p:nvSpPr>
+            <p:spPr>
+              <a:xfrm>
+                <a:off x="4620860" y="2658812"/>
+                <a:ext cx="590675" cy="539507"/>
+              </a:xfrm>
+              <a:prstGeom prst="rect">
+                <a:avLst/>
+              </a:prstGeom>
+              <a:blipFill>
+                <a:blip r:embed="rId11"/>
+                <a:stretch>
+                  <a:fillRect l="-78723" t="-109091" r="-19149" b="-159091"/>
+                </a:stretch>
+              </a:blipFill>
+            </p:spPr>
+            <p:txBody>
+              <a:bodyPr/>
+              <a:lstStyle/>
+              <a:p>
+                <a:r>
+                  <a:rPr lang="de-DE">
+                    <a:noFill/>
+                  </a:rPr>
+                  <a:t> </a:t>
+                </a:r>
+              </a:p>
+            </p:txBody>
+          </p:sp>
+        </mc:Fallback>
+      </mc:AlternateContent>
+      <p:sp>
+        <p:nvSpPr>
+          <p:cNvPr id="42" name="Oval 41">
+            <a:extLst>
+              <a:ext uri="{FF2B5EF4-FFF2-40B4-BE49-F238E27FC236}">
+                <a16:creationId xmlns:a16="http://schemas.microsoft.com/office/drawing/2014/main" id="{F99DD993-5672-D144-82E0-AC3839677636}"/>
+              </a:ext>
+            </a:extLst>
+          </p:cNvPr>
+          <p:cNvSpPr/>
+          <p:nvPr/>
+        </p:nvSpPr>
+        <p:spPr>
+          <a:xfrm>
+            <a:off x="4577089" y="4660932"/>
+            <a:ext cx="594360" cy="609600"/>
+          </a:xfrm>
+          <a:prstGeom prst="ellipse">
+            <a:avLst/>
+          </a:prstGeom>
+          <a:solidFill>
+            <a:schemeClr val="accent2">
+              <a:lumMod val="60000"/>
+              <a:lumOff val="40000"/>
+            </a:schemeClr>
+          </a:solidFill>
+          <a:ln>
+            <a:noFill/>
+          </a:ln>
+        </p:spPr>
+        <p:style>
+          <a:lnRef idx="2">
+            <a:schemeClr val="accent1">
+              <a:shade val="50000"/>
+            </a:schemeClr>
+          </a:lnRef>
+          <a:fillRef idx="1">
+            <a:schemeClr val="accent1"/>
+          </a:fillRef>
+          <a:effectRef idx="0">
+            <a:schemeClr val="accent1"/>
+          </a:effectRef>
+          <a:fontRef idx="minor">
+            <a:schemeClr val="lt1"/>
+          </a:fontRef>
+        </p:style>
+        <p:txBody>
+          <a:bodyPr rtlCol="0" anchor="ctr"/>
+          <a:lstStyle/>
+          <a:p>
+            <a:pPr algn="ctr"/>
+            <a:endParaRPr lang="de-DE"/>
+          </a:p>
+        </p:txBody>
+      </p:sp>
+      <mc:AlternateContent xmlns:mc="http://schemas.openxmlformats.org/markup-compatibility/2006">
+        <mc:Choice xmlns:a14="http://schemas.microsoft.com/office/drawing/2010/main" Requires="a14">
+          <p:sp>
+            <p:nvSpPr>
+              <p:cNvPr id="43" name="Textfeld 42">
+                <a:extLst>
+                  <a:ext uri="{FF2B5EF4-FFF2-40B4-BE49-F238E27FC236}">
+                    <a16:creationId xmlns:a16="http://schemas.microsoft.com/office/drawing/2014/main" id="{F9ACD387-FF3D-B847-BAF8-07A632B49C84}"/>
+                  </a:ext>
+                </a:extLst>
+              </p:cNvPr>
+              <p:cNvSpPr txBox="1"/>
+              <p:nvPr/>
+            </p:nvSpPr>
+            <p:spPr>
+              <a:xfrm>
+                <a:off x="4620860" y="4708039"/>
+                <a:ext cx="590675" cy="539507"/>
+              </a:xfrm>
+              <a:prstGeom prst="rect">
+                <a:avLst/>
+              </a:prstGeom>
+              <a:noFill/>
+            </p:spPr>
+            <p:txBody>
+              <a:bodyPr wrap="none" rtlCol="0">
+                <a:spAutoFit/>
+              </a:bodyPr>
+              <a:lstStyle/>
+              <a:p>
+                <a:pPr/>
+                <a14:m>
+                  <m:oMathPara xmlns:m="http://schemas.openxmlformats.org/officeDocument/2006/math">
+                    <m:oMathParaPr>
+                      <m:jc m:val="centerGroup"/>
+                    </m:oMathParaPr>
+                    <m:oMath xmlns:m="http://schemas.openxmlformats.org/officeDocument/2006/math">
+                      <m:nary>
+                        <m:naryPr>
+                          <m:chr m:val="∑"/>
+                          <m:subHide m:val="on"/>
+                          <m:supHide m:val="on"/>
+                          <m:ctrlPr>
+                            <a:rPr lang="de-DE" sz="1200" i="1" smtClean="0">
+                              <a:latin typeface="Cambria Math" panose="02040503050406030204" pitchFamily="18" charset="0"/>
+                            </a:rPr>
+                          </m:ctrlPr>
+                        </m:naryPr>
+                        <m:sub/>
+                        <m:sup/>
+                        <m:e/>
+                      </m:nary>
+                    </m:oMath>
+                  </m:oMathPara>
+                </a14:m>
+                <a:endParaRPr lang="de-DE" sz="1200" dirty="0"/>
+              </a:p>
+            </p:txBody>
+          </p:sp>
+        </mc:Choice>
+        <mc:Fallback>
+          <p:sp>
+            <p:nvSpPr>
+              <p:cNvPr id="43" name="Textfeld 42">
+                <a:extLst>
+                  <a:ext uri="{FF2B5EF4-FFF2-40B4-BE49-F238E27FC236}">
+                    <a16:creationId xmlns:a16="http://schemas.microsoft.com/office/drawing/2014/main" id="{F9ACD387-FF3D-B847-BAF8-07A632B49C84}"/>
+                  </a:ext>
+                </a:extLst>
+              </p:cNvPr>
+              <p:cNvSpPr txBox="1">
+                <a:spLocks noRot="1" noChangeAspect="1" noMove="1" noResize="1" noEditPoints="1" noAdjustHandles="1" noChangeArrowheads="1" noChangeShapeType="1" noTextEdit="1"/>
+              </p:cNvSpPr>
+              <p:nvPr/>
+            </p:nvSpPr>
+            <p:spPr>
+              <a:xfrm>
+                <a:off x="4620860" y="4708039"/>
+                <a:ext cx="590675" cy="539507"/>
+              </a:xfrm>
+              <a:prstGeom prst="rect">
+                <a:avLst/>
+              </a:prstGeom>
+              <a:blipFill>
+                <a:blip r:embed="rId12"/>
+                <a:stretch>
+                  <a:fillRect l="-78723" t="-111628" r="-19149" b="-162791"/>
+                </a:stretch>
+              </a:blipFill>
+            </p:spPr>
+            <p:txBody>
+              <a:bodyPr/>
+              <a:lstStyle/>
+              <a:p>
+                <a:r>
+                  <a:rPr lang="de-DE">
+                    <a:noFill/>
+                  </a:rPr>
+                  <a:t> </a:t>
+                </a:r>
+              </a:p>
+            </p:txBody>
+          </p:sp>
+        </mc:Fallback>
+      </mc:AlternateContent>
+      <p:sp>
+        <p:nvSpPr>
+          <p:cNvPr id="47" name="Textfeld 46">
+            <a:extLst>
+              <a:ext uri="{FF2B5EF4-FFF2-40B4-BE49-F238E27FC236}">
+                <a16:creationId xmlns:a16="http://schemas.microsoft.com/office/drawing/2014/main" id="{0A93CF9D-772D-A343-88F1-9DD41B91ECD6}"/>
+              </a:ext>
+            </a:extLst>
+          </p:cNvPr>
+          <p:cNvSpPr txBox="1"/>
+          <p:nvPr/>
+        </p:nvSpPr>
+        <p:spPr>
+          <a:xfrm>
+            <a:off x="2211350" y="4014013"/>
+            <a:ext cx="343364" cy="369332"/>
+          </a:xfrm>
+          <a:prstGeom prst="rect">
+            <a:avLst/>
+          </a:prstGeom>
+          <a:noFill/>
+        </p:spPr>
+        <p:txBody>
+          <a:bodyPr wrap="none" rtlCol="0">
+            <a:spAutoFit/>
+          </a:bodyPr>
+          <a:lstStyle/>
+          <a:p>
+            <a:r>
+              <a:rPr lang="de-DE" dirty="0"/>
+              <a:t>…</a:t>
+            </a:r>
+          </a:p>
+        </p:txBody>
+      </p:sp>
+      <p:sp>
+        <p:nvSpPr>
+          <p:cNvPr id="48" name="Textfeld 47">
+            <a:extLst>
+              <a:ext uri="{FF2B5EF4-FFF2-40B4-BE49-F238E27FC236}">
+                <a16:creationId xmlns:a16="http://schemas.microsoft.com/office/drawing/2014/main" id="{57D86327-78F6-4A44-B5EE-772EBF3F9193}"/>
+              </a:ext>
+            </a:extLst>
+          </p:cNvPr>
+          <p:cNvSpPr txBox="1"/>
+          <p:nvPr/>
+        </p:nvSpPr>
+        <p:spPr>
+          <a:xfrm>
+            <a:off x="4723443" y="4214725"/>
+            <a:ext cx="343364" cy="369332"/>
+          </a:xfrm>
+          <a:prstGeom prst="rect">
+            <a:avLst/>
+          </a:prstGeom>
+          <a:noFill/>
+        </p:spPr>
+        <p:txBody>
+          <a:bodyPr wrap="none" rtlCol="0">
+            <a:spAutoFit/>
+          </a:bodyPr>
+          <a:lstStyle/>
+          <a:p>
+            <a:r>
+              <a:rPr lang="de-DE" dirty="0"/>
+              <a:t>…</a:t>
+            </a:r>
+          </a:p>
+        </p:txBody>
+      </p:sp>
+      <p:cxnSp>
+        <p:nvCxnSpPr>
+          <p:cNvPr id="49" name="Gerade Verbindung mit Pfeil 48">
+            <a:extLst>
+              <a:ext uri="{FF2B5EF4-FFF2-40B4-BE49-F238E27FC236}">
+                <a16:creationId xmlns:a16="http://schemas.microsoft.com/office/drawing/2014/main" id="{4558084A-E79E-4944-B3A1-7A66043FAB45}"/>
+              </a:ext>
+            </a:extLst>
+          </p:cNvPr>
+          <p:cNvCxnSpPr>
+            <a:cxnSpLocks/>
+          </p:cNvCxnSpPr>
+          <p:nvPr/>
+        </p:nvCxnSpPr>
+        <p:spPr>
+          <a:xfrm>
+            <a:off x="5265791" y="4977793"/>
+            <a:ext cx="532263" cy="0"/>
+          </a:xfrm>
+          <a:prstGeom prst="straightConnector1">
+            <a:avLst/>
+          </a:prstGeom>
+          <a:ln w="28575">
+            <a:solidFill>
+              <a:schemeClr val="accent2"/>
+            </a:solidFill>
+            <a:tailEnd type="triangle"/>
+          </a:ln>
+        </p:spPr>
+        <p:style>
+          <a:lnRef idx="1">
+            <a:schemeClr val="accent1"/>
+          </a:lnRef>
+          <a:fillRef idx="0">
+            <a:schemeClr val="accent1"/>
+          </a:fillRef>
+          <a:effectRef idx="0">
+            <a:schemeClr val="accent1"/>
+          </a:effectRef>
+          <a:fontRef idx="minor">
+            <a:schemeClr val="tx1"/>
+          </a:fontRef>
+        </p:style>
+      </p:cxnSp>
+      <p:cxnSp>
+        <p:nvCxnSpPr>
+          <p:cNvPr id="58" name="Gerade Verbindung mit Pfeil 57">
+            <a:extLst>
+              <a:ext uri="{FF2B5EF4-FFF2-40B4-BE49-F238E27FC236}">
+                <a16:creationId xmlns:a16="http://schemas.microsoft.com/office/drawing/2014/main" id="{B77A9695-D666-C840-BC71-A6E2C0E49489}"/>
+              </a:ext>
+            </a:extLst>
+          </p:cNvPr>
+          <p:cNvCxnSpPr>
+            <a:cxnSpLocks/>
+            <a:stCxn id="5" idx="6"/>
+            <a:endCxn id="16" idx="2"/>
+          </p:cNvCxnSpPr>
+          <p:nvPr/>
+        </p:nvCxnSpPr>
+        <p:spPr>
+          <a:xfrm>
+            <a:off x="2680212" y="2809429"/>
+            <a:ext cx="1919414" cy="922770"/>
+          </a:xfrm>
+          <a:prstGeom prst="straightConnector1">
+            <a:avLst/>
+          </a:prstGeom>
+          <a:ln w="28575">
+            <a:solidFill>
+              <a:schemeClr val="accent1"/>
+            </a:solidFill>
+            <a:headEnd type="none" w="med" len="med"/>
+            <a:tailEnd type="none" w="med" len="med"/>
+          </a:ln>
+        </p:spPr>
+        <p:style>
+          <a:lnRef idx="1">
+            <a:schemeClr val="accent1"/>
+          </a:lnRef>
+          <a:fillRef idx="0">
+            <a:schemeClr val="accent1"/>
+          </a:fillRef>
+          <a:effectRef idx="0">
+            <a:schemeClr val="accent1"/>
+          </a:effectRef>
+          <a:fontRef idx="minor">
+            <a:schemeClr val="tx1"/>
+          </a:fontRef>
+        </p:style>
+      </p:cxnSp>
+      <p:cxnSp>
+        <p:nvCxnSpPr>
+          <p:cNvPr id="61" name="Gerade Verbindung mit Pfeil 60">
+            <a:extLst>
+              <a:ext uri="{FF2B5EF4-FFF2-40B4-BE49-F238E27FC236}">
+                <a16:creationId xmlns:a16="http://schemas.microsoft.com/office/drawing/2014/main" id="{2382E546-D9DC-9C4A-8CA3-646802EB65F8}"/>
+              </a:ext>
+            </a:extLst>
+          </p:cNvPr>
+          <p:cNvCxnSpPr>
+            <a:cxnSpLocks/>
+            <a:stCxn id="5" idx="6"/>
+            <a:endCxn id="42" idx="2"/>
+          </p:cNvCxnSpPr>
+          <p:nvPr/>
+        </p:nvCxnSpPr>
+        <p:spPr>
+          <a:xfrm>
+            <a:off x="2680212" y="2809429"/>
+            <a:ext cx="1896877" cy="2156303"/>
+          </a:xfrm>
+          <a:prstGeom prst="straightConnector1">
+            <a:avLst/>
+          </a:prstGeom>
+          <a:ln w="28575">
+            <a:solidFill>
+              <a:schemeClr val="accent1"/>
+            </a:solidFill>
+            <a:headEnd type="none" w="med" len="med"/>
+            <a:tailEnd type="none" w="med" len="med"/>
+          </a:ln>
+        </p:spPr>
+        <p:style>
+          <a:lnRef idx="1">
+            <a:schemeClr val="accent1"/>
+          </a:lnRef>
+          <a:fillRef idx="0">
+            <a:schemeClr val="accent1"/>
+          </a:fillRef>
+          <a:effectRef idx="0">
+            <a:schemeClr val="accent1"/>
+          </a:effectRef>
+          <a:fontRef idx="minor">
+            <a:schemeClr val="tx1"/>
+          </a:fontRef>
+        </p:style>
+      </p:cxnSp>
+      <p:cxnSp>
+        <p:nvCxnSpPr>
+          <p:cNvPr id="50" name="Gerade Verbindung mit Pfeil 49">
+            <a:extLst>
+              <a:ext uri="{FF2B5EF4-FFF2-40B4-BE49-F238E27FC236}">
+                <a16:creationId xmlns:a16="http://schemas.microsoft.com/office/drawing/2014/main" id="{344E3B02-59EE-E44B-99D1-E28F7C673030}"/>
+              </a:ext>
+            </a:extLst>
+          </p:cNvPr>
+          <p:cNvCxnSpPr>
+            <a:cxnSpLocks/>
+          </p:cNvCxnSpPr>
+          <p:nvPr/>
+        </p:nvCxnSpPr>
+        <p:spPr>
+          <a:xfrm>
+            <a:off x="5234072" y="2969096"/>
+            <a:ext cx="532263" cy="0"/>
+          </a:xfrm>
+          <a:prstGeom prst="straightConnector1">
+            <a:avLst/>
+          </a:prstGeom>
+          <a:ln w="28575">
+            <a:solidFill>
+              <a:schemeClr val="accent2"/>
+            </a:solidFill>
+            <a:tailEnd type="triangle"/>
+          </a:ln>
+        </p:spPr>
+        <p:style>
+          <a:lnRef idx="1">
+            <a:schemeClr val="accent1"/>
+          </a:lnRef>
+          <a:fillRef idx="0">
+            <a:schemeClr val="accent1"/>
+          </a:fillRef>
+          <a:effectRef idx="0">
+            <a:schemeClr val="accent1"/>
+          </a:effectRef>
+          <a:fontRef idx="minor">
+            <a:schemeClr val="tx1"/>
+          </a:fontRef>
+        </p:style>
+      </p:cxnSp>
+      <p:sp>
+        <p:nvSpPr>
+          <p:cNvPr id="51" name="Oval 50">
+            <a:extLst>
+              <a:ext uri="{FF2B5EF4-FFF2-40B4-BE49-F238E27FC236}">
+                <a16:creationId xmlns:a16="http://schemas.microsoft.com/office/drawing/2014/main" id="{70CA6B83-E217-BE45-95BA-C5E7D19A5516}"/>
+              </a:ext>
+            </a:extLst>
+          </p:cNvPr>
+          <p:cNvSpPr/>
+          <p:nvPr/>
+        </p:nvSpPr>
+        <p:spPr>
+          <a:xfrm>
+            <a:off x="4064976" y="3049048"/>
+            <a:ext cx="380321" cy="369332"/>
+          </a:xfrm>
+          <a:prstGeom prst="ellipse">
+            <a:avLst/>
+          </a:prstGeom>
+          <a:solidFill>
+            <a:schemeClr val="accent6">
+              <a:lumMod val="60000"/>
+              <a:lumOff val="40000"/>
+            </a:schemeClr>
+          </a:solidFill>
+          <a:ln>
+            <a:noFill/>
+          </a:ln>
+        </p:spPr>
+        <p:style>
+          <a:lnRef idx="2">
+            <a:schemeClr val="accent1">
+              <a:shade val="50000"/>
+            </a:schemeClr>
+          </a:lnRef>
+          <a:fillRef idx="1">
+            <a:schemeClr val="accent1"/>
+          </a:fillRef>
+          <a:effectRef idx="0">
+            <a:schemeClr val="accent1"/>
+          </a:effectRef>
+          <a:fontRef idx="minor">
+            <a:schemeClr val="lt1"/>
+          </a:fontRef>
+        </p:style>
+        <p:txBody>
+          <a:bodyPr rtlCol="0" anchor="ctr"/>
+          <a:lstStyle/>
+          <a:p>
+            <a:pPr algn="ctr"/>
+            <a:endParaRPr lang="de-DE"/>
+          </a:p>
+        </p:txBody>
+      </p:sp>
+      <p:cxnSp>
+        <p:nvCxnSpPr>
+          <p:cNvPr id="52" name="Gerade Verbindung mit Pfeil 51">
+            <a:extLst>
+              <a:ext uri="{FF2B5EF4-FFF2-40B4-BE49-F238E27FC236}">
+                <a16:creationId xmlns:a16="http://schemas.microsoft.com/office/drawing/2014/main" id="{E24DC6F1-9CB2-1944-BD13-29FC7528E372}"/>
+              </a:ext>
+            </a:extLst>
+          </p:cNvPr>
+          <p:cNvCxnSpPr>
+            <a:cxnSpLocks/>
+          </p:cNvCxnSpPr>
+          <p:nvPr/>
+        </p:nvCxnSpPr>
+        <p:spPr>
+          <a:xfrm>
+            <a:off x="4397100" y="3349819"/>
+            <a:ext cx="275400" cy="217178"/>
+          </a:xfrm>
+          <a:prstGeom prst="straightConnector1">
+            <a:avLst/>
+          </a:prstGeom>
+          <a:ln w="28575">
+            <a:solidFill>
+              <a:schemeClr val="accent6"/>
+            </a:solidFill>
+            <a:tailEnd type="triangle"/>
+          </a:ln>
+        </p:spPr>
+        <p:style>
+          <a:lnRef idx="1">
+            <a:schemeClr val="accent1"/>
+          </a:lnRef>
+          <a:fillRef idx="0">
+            <a:schemeClr val="accent1"/>
+          </a:fillRef>
+          <a:effectRef idx="0">
+            <a:schemeClr val="accent1"/>
+          </a:effectRef>
+          <a:fontRef idx="minor">
+            <a:schemeClr val="tx1"/>
+          </a:fontRef>
+        </p:style>
+      </p:cxnSp>
+      <p:sp>
+        <p:nvSpPr>
+          <p:cNvPr id="71" name="Oval 70">
+            <a:extLst>
+              <a:ext uri="{FF2B5EF4-FFF2-40B4-BE49-F238E27FC236}">
+                <a16:creationId xmlns:a16="http://schemas.microsoft.com/office/drawing/2014/main" id="{7A70224D-02F9-9142-942E-7123BA1DA440}"/>
+              </a:ext>
+            </a:extLst>
+          </p:cNvPr>
+          <p:cNvSpPr/>
+          <p:nvPr/>
+        </p:nvSpPr>
+        <p:spPr>
+          <a:xfrm>
+            <a:off x="4017271" y="2180442"/>
+            <a:ext cx="380321" cy="369332"/>
+          </a:xfrm>
+          <a:prstGeom prst="ellipse">
+            <a:avLst/>
+          </a:prstGeom>
+          <a:solidFill>
+            <a:schemeClr val="accent6">
+              <a:lumMod val="60000"/>
+              <a:lumOff val="40000"/>
+            </a:schemeClr>
+          </a:solidFill>
+          <a:ln>
+            <a:noFill/>
+          </a:ln>
+        </p:spPr>
+        <p:style>
+          <a:lnRef idx="2">
+            <a:schemeClr val="accent1">
+              <a:shade val="50000"/>
+            </a:schemeClr>
+          </a:lnRef>
+          <a:fillRef idx="1">
+            <a:schemeClr val="accent1"/>
+          </a:fillRef>
+          <a:effectRef idx="0">
+            <a:schemeClr val="accent1"/>
+          </a:effectRef>
+          <a:fontRef idx="minor">
+            <a:schemeClr val="lt1"/>
+          </a:fontRef>
+        </p:style>
+        <p:txBody>
+          <a:bodyPr rtlCol="0" anchor="ctr"/>
+          <a:lstStyle/>
+          <a:p>
+            <a:pPr algn="ctr"/>
+            <a:endParaRPr lang="de-DE"/>
+          </a:p>
+        </p:txBody>
+      </p:sp>
+      <p:cxnSp>
+        <p:nvCxnSpPr>
+          <p:cNvPr id="72" name="Gerade Verbindung mit Pfeil 71">
+            <a:extLst>
+              <a:ext uri="{FF2B5EF4-FFF2-40B4-BE49-F238E27FC236}">
+                <a16:creationId xmlns:a16="http://schemas.microsoft.com/office/drawing/2014/main" id="{6BAC042B-E10C-884A-9332-B75E618A3D0C}"/>
+              </a:ext>
+            </a:extLst>
+          </p:cNvPr>
+          <p:cNvCxnSpPr>
+            <a:cxnSpLocks/>
+          </p:cNvCxnSpPr>
+          <p:nvPr/>
+        </p:nvCxnSpPr>
+        <p:spPr>
+          <a:xfrm>
+            <a:off x="4349395" y="2481213"/>
+            <a:ext cx="275400" cy="217178"/>
+          </a:xfrm>
+          <a:prstGeom prst="straightConnector1">
+            <a:avLst/>
+          </a:prstGeom>
+          <a:ln w="28575">
+            <a:solidFill>
+              <a:schemeClr val="accent6"/>
+            </a:solidFill>
+            <a:tailEnd type="triangle"/>
+          </a:ln>
+        </p:spPr>
+        <p:style>
+          <a:lnRef idx="1">
+            <a:schemeClr val="accent1"/>
+          </a:lnRef>
+          <a:fillRef idx="0">
+            <a:schemeClr val="accent1"/>
+          </a:fillRef>
+          <a:effectRef idx="0">
+            <a:schemeClr val="accent1"/>
+          </a:effectRef>
+          <a:fontRef idx="minor">
+            <a:schemeClr val="tx1"/>
+          </a:fontRef>
+        </p:style>
+      </p:cxnSp>
+      <mc:AlternateContent xmlns:mc="http://schemas.openxmlformats.org/markup-compatibility/2006">
+        <mc:Choice xmlns:a14="http://schemas.microsoft.com/office/drawing/2010/main" Requires="a14">
+          <p:sp>
+            <p:nvSpPr>
+              <p:cNvPr id="73" name="Textfeld 72">
+                <a:extLst>
+                  <a:ext uri="{FF2B5EF4-FFF2-40B4-BE49-F238E27FC236}">
+                    <a16:creationId xmlns:a16="http://schemas.microsoft.com/office/drawing/2014/main" id="{11EAAD03-F7D4-DC4A-B351-C539D6B7281B}"/>
+                  </a:ext>
+                </a:extLst>
+              </p:cNvPr>
+              <p:cNvSpPr txBox="1"/>
+              <p:nvPr/>
+            </p:nvSpPr>
+            <p:spPr>
+              <a:xfrm>
+                <a:off x="4007898" y="2176413"/>
+                <a:ext cx="457305" cy="369332"/>
+              </a:xfrm>
+              <a:prstGeom prst="rect">
+                <a:avLst/>
+              </a:prstGeom>
+              <a:noFill/>
+            </p:spPr>
+            <p:txBody>
+              <a:bodyPr wrap="none" rtlCol="0">
+                <a:spAutoFit/>
+              </a:bodyPr>
+              <a:lstStyle/>
+              <a:p>
+                <a:pPr/>
+                <a14:m>
+                  <m:oMathPara xmlns:m="http://schemas.openxmlformats.org/officeDocument/2006/math">
+                    <m:oMathParaPr>
+                      <m:jc m:val="centerGroup"/>
+                    </m:oMathParaPr>
+                    <m:oMath xmlns:m="http://schemas.openxmlformats.org/officeDocument/2006/math">
+                      <m:sSub>
+                        <m:sSubPr>
+                          <m:ctrlPr>
+                            <a:rPr lang="de-CH" b="0" i="1" smtClean="0">
+                              <a:latin typeface="Cambria Math" panose="02040503050406030204" pitchFamily="18" charset="0"/>
+                            </a:rPr>
+                          </m:ctrlPr>
+                        </m:sSubPr>
+                        <m:e>
+                          <m:r>
+                            <a:rPr lang="de-CH" b="0" i="1" smtClean="0">
+                              <a:latin typeface="Cambria Math" panose="02040503050406030204" pitchFamily="18" charset="0"/>
+                            </a:rPr>
+                            <m:t>𝑏</m:t>
+                          </m:r>
+                        </m:e>
+                        <m:sub>
+                          <m:r>
+                            <a:rPr lang="de-CH" b="0" i="1" smtClean="0">
+                              <a:latin typeface="Cambria Math" panose="02040503050406030204" pitchFamily="18" charset="0"/>
+                            </a:rPr>
+                            <m:t>1</m:t>
+                          </m:r>
+                        </m:sub>
+                      </m:sSub>
+                    </m:oMath>
+                  </m:oMathPara>
+                </a14:m>
+                <a:endParaRPr lang="de-DE" dirty="0"/>
+              </a:p>
+            </p:txBody>
+          </p:sp>
+        </mc:Choice>
+        <mc:Fallback>
+          <p:sp>
+            <p:nvSpPr>
+              <p:cNvPr id="73" name="Textfeld 72">
+                <a:extLst>
+                  <a:ext uri="{FF2B5EF4-FFF2-40B4-BE49-F238E27FC236}">
+                    <a16:creationId xmlns:a16="http://schemas.microsoft.com/office/drawing/2014/main" id="{11EAAD03-F7D4-DC4A-B351-C539D6B7281B}"/>
+                  </a:ext>
+                </a:extLst>
+              </p:cNvPr>
+              <p:cNvSpPr txBox="1">
+                <a:spLocks noRot="1" noChangeAspect="1" noMove="1" noResize="1" noEditPoints="1" noAdjustHandles="1" noChangeArrowheads="1" noChangeShapeType="1" noTextEdit="1"/>
+              </p:cNvSpPr>
+              <p:nvPr/>
+            </p:nvSpPr>
+            <p:spPr>
+              <a:xfrm>
+                <a:off x="4007898" y="2176413"/>
+                <a:ext cx="457305" cy="369332"/>
+              </a:xfrm>
+              <a:prstGeom prst="rect">
+                <a:avLst/>
+              </a:prstGeom>
+              <a:blipFill>
+                <a:blip r:embed="rId13"/>
+                <a:stretch>
+                  <a:fillRect/>
+                </a:stretch>
+              </a:blipFill>
+            </p:spPr>
+            <p:txBody>
+              <a:bodyPr/>
+              <a:lstStyle/>
+              <a:p>
+                <a:r>
+                  <a:rPr lang="de-DE">
+                    <a:noFill/>
+                  </a:rPr>
+                  <a:t> </a:t>
+                </a:r>
+              </a:p>
+            </p:txBody>
+          </p:sp>
+        </mc:Fallback>
+      </mc:AlternateContent>
+      <mc:AlternateContent xmlns:mc="http://schemas.openxmlformats.org/markup-compatibility/2006">
+        <mc:Choice xmlns:a14="http://schemas.microsoft.com/office/drawing/2010/main" Requires="a14">
+          <p:sp>
+            <p:nvSpPr>
+              <p:cNvPr id="74" name="Rechteck 73">
+                <a:extLst>
+                  <a:ext uri="{FF2B5EF4-FFF2-40B4-BE49-F238E27FC236}">
+                    <a16:creationId xmlns:a16="http://schemas.microsoft.com/office/drawing/2014/main" id="{26A51076-62A0-D04B-AE60-AF0C92E708D1}"/>
+                  </a:ext>
+                </a:extLst>
+              </p:cNvPr>
+              <p:cNvSpPr/>
+              <p:nvPr/>
+            </p:nvSpPr>
+            <p:spPr>
+              <a:xfrm>
+                <a:off x="3246111" y="2844951"/>
+                <a:ext cx="507127" cy="381515"/>
+              </a:xfrm>
+              <a:prstGeom prst="rect">
+                <a:avLst/>
+              </a:prstGeom>
+            </p:spPr>
+            <p:txBody>
+              <a:bodyPr wrap="square">
+                <a:spAutoFit/>
+              </a:bodyPr>
+              <a:lstStyle/>
+              <a:p>
+                <a:pPr/>
+                <a14:m>
+                  <m:oMathPara xmlns:m="http://schemas.openxmlformats.org/officeDocument/2006/math">
+                    <m:oMathParaPr>
+                      <m:jc m:val="centerGroup"/>
+                    </m:oMathParaPr>
+                    <m:oMath xmlns:m="http://schemas.openxmlformats.org/officeDocument/2006/math">
+                      <m:sSub>
+                        <m:sSubPr>
+                          <m:ctrlPr>
+                            <a:rPr lang="de-CH" b="0" i="1" smtClean="0">
+                              <a:latin typeface="Cambria Math" panose="02040503050406030204" pitchFamily="18" charset="0"/>
+                            </a:rPr>
+                          </m:ctrlPr>
+                        </m:sSubPr>
+                        <m:e>
+                          <m:r>
+                            <a:rPr lang="de-CH" b="0" i="1" smtClean="0">
+                              <a:latin typeface="Cambria Math" panose="02040503050406030204" pitchFamily="18" charset="0"/>
+                            </a:rPr>
+                            <m:t>𝑤</m:t>
+                          </m:r>
+                        </m:e>
+                        <m:sub>
+                          <m:r>
+                            <a:rPr lang="de-CH" b="0" i="1" smtClean="0">
+                              <a:latin typeface="Cambria Math" panose="02040503050406030204" pitchFamily="18" charset="0"/>
+                            </a:rPr>
+                            <m:t>1,2</m:t>
+                          </m:r>
+                        </m:sub>
+                      </m:sSub>
+                    </m:oMath>
+                  </m:oMathPara>
+                </a14:m>
+                <a:endParaRPr lang="de-DE" dirty="0"/>
+              </a:p>
+            </p:txBody>
+          </p:sp>
+        </mc:Choice>
+        <mc:Fallback>
+          <p:sp>
+            <p:nvSpPr>
+              <p:cNvPr id="74" name="Rechteck 73">
+                <a:extLst>
+                  <a:ext uri="{FF2B5EF4-FFF2-40B4-BE49-F238E27FC236}">
+                    <a16:creationId xmlns:a16="http://schemas.microsoft.com/office/drawing/2014/main" id="{26A51076-62A0-D04B-AE60-AF0C92E708D1}"/>
+                  </a:ext>
+                </a:extLst>
+              </p:cNvPr>
+              <p:cNvSpPr>
+                <a:spLocks noRot="1" noChangeAspect="1" noMove="1" noResize="1" noEditPoints="1" noAdjustHandles="1" noChangeArrowheads="1" noChangeShapeType="1" noTextEdit="1"/>
+              </p:cNvSpPr>
+              <p:nvPr/>
+            </p:nvSpPr>
+            <p:spPr>
+              <a:xfrm>
+                <a:off x="3246111" y="2844951"/>
+                <a:ext cx="507127" cy="381515"/>
+              </a:xfrm>
+              <a:prstGeom prst="rect">
+                <a:avLst/>
+              </a:prstGeom>
+              <a:blipFill>
+                <a:blip r:embed="rId14"/>
+                <a:stretch>
+                  <a:fillRect r="-2439"/>
+                </a:stretch>
+              </a:blipFill>
+            </p:spPr>
+            <p:txBody>
+              <a:bodyPr/>
+              <a:lstStyle/>
+              <a:p>
+                <a:r>
+                  <a:rPr lang="de-DE">
+                    <a:noFill/>
+                  </a:rPr>
+                  <a:t> </a:t>
+                </a:r>
+              </a:p>
+            </p:txBody>
+          </p:sp>
+        </mc:Fallback>
+      </mc:AlternateContent>
+      <p:sp>
+        <p:nvSpPr>
+          <p:cNvPr id="75" name="Oval 74">
+            <a:extLst>
+              <a:ext uri="{FF2B5EF4-FFF2-40B4-BE49-F238E27FC236}">
+                <a16:creationId xmlns:a16="http://schemas.microsoft.com/office/drawing/2014/main" id="{BC9BDC8F-E112-F149-BD79-03EF079F4DE4}"/>
+              </a:ext>
+            </a:extLst>
+          </p:cNvPr>
+          <p:cNvSpPr/>
+          <p:nvPr/>
+        </p:nvSpPr>
+        <p:spPr>
+          <a:xfrm>
+            <a:off x="4039148" y="4265052"/>
+            <a:ext cx="380321" cy="369332"/>
+          </a:xfrm>
+          <a:prstGeom prst="ellipse">
+            <a:avLst/>
+          </a:prstGeom>
+          <a:solidFill>
+            <a:schemeClr val="accent6">
+              <a:lumMod val="60000"/>
+              <a:lumOff val="40000"/>
+            </a:schemeClr>
+          </a:solidFill>
+          <a:ln>
+            <a:noFill/>
+          </a:ln>
+        </p:spPr>
+        <p:style>
+          <a:lnRef idx="2">
+            <a:schemeClr val="accent1">
+              <a:shade val="50000"/>
+            </a:schemeClr>
+          </a:lnRef>
+          <a:fillRef idx="1">
+            <a:schemeClr val="accent1"/>
+          </a:fillRef>
+          <a:effectRef idx="0">
+            <a:schemeClr val="accent1"/>
+          </a:effectRef>
+          <a:fontRef idx="minor">
+            <a:schemeClr val="lt1"/>
+          </a:fontRef>
+        </p:style>
+        <p:txBody>
+          <a:bodyPr rtlCol="0" anchor="ctr"/>
+          <a:lstStyle/>
+          <a:p>
+            <a:pPr algn="ctr"/>
+            <a:endParaRPr lang="de-DE"/>
+          </a:p>
+        </p:txBody>
+      </p:sp>
+      <p:cxnSp>
+        <p:nvCxnSpPr>
+          <p:cNvPr id="76" name="Gerade Verbindung mit Pfeil 75">
+            <a:extLst>
+              <a:ext uri="{FF2B5EF4-FFF2-40B4-BE49-F238E27FC236}">
+                <a16:creationId xmlns:a16="http://schemas.microsoft.com/office/drawing/2014/main" id="{B91F88CE-FDB2-C347-A8FD-3CA13609D4D8}"/>
+              </a:ext>
+            </a:extLst>
+          </p:cNvPr>
+          <p:cNvCxnSpPr>
+            <a:cxnSpLocks/>
+          </p:cNvCxnSpPr>
+          <p:nvPr/>
+        </p:nvCxnSpPr>
+        <p:spPr>
+          <a:xfrm>
+            <a:off x="4371272" y="4565823"/>
+            <a:ext cx="275400" cy="217178"/>
+          </a:xfrm>
+          <a:prstGeom prst="straightConnector1">
+            <a:avLst/>
+          </a:prstGeom>
+          <a:ln w="28575">
+            <a:solidFill>
+              <a:schemeClr val="accent6"/>
+            </a:solidFill>
+            <a:tailEnd type="triangle"/>
+          </a:ln>
+        </p:spPr>
+        <p:style>
+          <a:lnRef idx="1">
+            <a:schemeClr val="accent1"/>
+          </a:lnRef>
+          <a:fillRef idx="0">
+            <a:schemeClr val="accent1"/>
+          </a:fillRef>
+          <a:effectRef idx="0">
+            <a:schemeClr val="accent1"/>
+          </a:effectRef>
+          <a:fontRef idx="minor">
+            <a:schemeClr val="tx1"/>
+          </a:fontRef>
+        </p:style>
+      </p:cxnSp>
+      <mc:AlternateContent xmlns:mc="http://schemas.openxmlformats.org/markup-compatibility/2006">
+        <mc:Choice xmlns:a14="http://schemas.microsoft.com/office/drawing/2010/main" Requires="a14">
+          <p:sp>
+            <p:nvSpPr>
+              <p:cNvPr id="77" name="Textfeld 76">
+                <a:extLst>
+                  <a:ext uri="{FF2B5EF4-FFF2-40B4-BE49-F238E27FC236}">
+                    <a16:creationId xmlns:a16="http://schemas.microsoft.com/office/drawing/2014/main" id="{85D89C25-566A-D648-B70D-9EA6C7EA6D3D}"/>
+                  </a:ext>
+                </a:extLst>
+              </p:cNvPr>
+              <p:cNvSpPr txBox="1"/>
+              <p:nvPr/>
+            </p:nvSpPr>
+            <p:spPr>
+              <a:xfrm>
+                <a:off x="4001850" y="4261023"/>
+                <a:ext cx="491738" cy="369332"/>
+              </a:xfrm>
+              <a:prstGeom prst="rect">
+                <a:avLst/>
+              </a:prstGeom>
+              <a:noFill/>
+            </p:spPr>
+            <p:txBody>
+              <a:bodyPr wrap="none" rtlCol="0">
+                <a:spAutoFit/>
+              </a:bodyPr>
+              <a:lstStyle/>
+              <a:p>
+                <a:pPr/>
+                <a14:m>
+                  <m:oMathPara xmlns:m="http://schemas.openxmlformats.org/officeDocument/2006/math">
+                    <m:oMathParaPr>
+                      <m:jc m:val="centerGroup"/>
+                    </m:oMathParaPr>
+                    <m:oMath xmlns:m="http://schemas.openxmlformats.org/officeDocument/2006/math">
+                      <m:sSub>
+                        <m:sSubPr>
+                          <m:ctrlPr>
+                            <a:rPr lang="de-CH" b="0" i="1" smtClean="0">
+                              <a:latin typeface="Cambria Math" panose="02040503050406030204" pitchFamily="18" charset="0"/>
+                            </a:rPr>
+                          </m:ctrlPr>
+                        </m:sSubPr>
+                        <m:e>
+                          <m:r>
+                            <a:rPr lang="de-CH" b="0" i="1" smtClean="0">
+                              <a:latin typeface="Cambria Math" panose="02040503050406030204" pitchFamily="18" charset="0"/>
+                            </a:rPr>
+                            <m:t>𝑏</m:t>
+                          </m:r>
+                        </m:e>
+                        <m:sub>
+                          <m:r>
+                            <a:rPr lang="de-CH" b="0" i="1" smtClean="0">
+                              <a:latin typeface="Cambria Math" panose="02040503050406030204" pitchFamily="18" charset="0"/>
+                            </a:rPr>
+                            <m:t>𝐾</m:t>
+                          </m:r>
+                        </m:sub>
+                      </m:sSub>
+                    </m:oMath>
+                  </m:oMathPara>
+                </a14:m>
+                <a:endParaRPr lang="de-DE" dirty="0"/>
+              </a:p>
+            </p:txBody>
+          </p:sp>
+        </mc:Choice>
+        <mc:Fallback>
+          <p:sp>
+            <p:nvSpPr>
+              <p:cNvPr id="77" name="Textfeld 76">
+                <a:extLst>
+                  <a:ext uri="{FF2B5EF4-FFF2-40B4-BE49-F238E27FC236}">
+                    <a16:creationId xmlns:a16="http://schemas.microsoft.com/office/drawing/2014/main" id="{85D89C25-566A-D648-B70D-9EA6C7EA6D3D}"/>
+                  </a:ext>
+                </a:extLst>
+              </p:cNvPr>
+              <p:cNvSpPr txBox="1">
+                <a:spLocks noRot="1" noChangeAspect="1" noMove="1" noResize="1" noEditPoints="1" noAdjustHandles="1" noChangeArrowheads="1" noChangeShapeType="1" noTextEdit="1"/>
+              </p:cNvSpPr>
+              <p:nvPr/>
+            </p:nvSpPr>
+            <p:spPr>
+              <a:xfrm>
+                <a:off x="4001850" y="4261023"/>
+                <a:ext cx="491738" cy="369332"/>
+              </a:xfrm>
+              <a:prstGeom prst="rect">
+                <a:avLst/>
+              </a:prstGeom>
+              <a:blipFill>
+                <a:blip r:embed="rId15"/>
+                <a:stretch>
+                  <a:fillRect/>
+                </a:stretch>
+              </a:blipFill>
+            </p:spPr>
+            <p:txBody>
+              <a:bodyPr/>
+              <a:lstStyle/>
+              <a:p>
+                <a:r>
+                  <a:rPr lang="de-DE">
+                    <a:noFill/>
+                  </a:rPr>
+                  <a:t> </a:t>
+                </a:r>
+              </a:p>
+            </p:txBody>
+          </p:sp>
+        </mc:Fallback>
+      </mc:AlternateContent>
+      <mc:AlternateContent xmlns:mc="http://schemas.openxmlformats.org/markup-compatibility/2006">
+        <mc:Choice xmlns:a14="http://schemas.microsoft.com/office/drawing/2010/main" Requires="a14">
+          <p:sp>
+            <p:nvSpPr>
+              <p:cNvPr id="80" name="Rechteck 79">
+                <a:extLst>
+                  <a:ext uri="{FF2B5EF4-FFF2-40B4-BE49-F238E27FC236}">
+                    <a16:creationId xmlns:a16="http://schemas.microsoft.com/office/drawing/2014/main" id="{5D298507-3EA8-BA45-842E-55E66C4C504A}"/>
+                  </a:ext>
+                </a:extLst>
+              </p:cNvPr>
+              <p:cNvSpPr/>
+              <p:nvPr/>
+            </p:nvSpPr>
+            <p:spPr>
+              <a:xfrm>
+                <a:off x="3224226" y="3221305"/>
+                <a:ext cx="507127" cy="381515"/>
+              </a:xfrm>
+              <a:prstGeom prst="rect">
+                <a:avLst/>
+              </a:prstGeom>
+            </p:spPr>
+            <p:txBody>
+              <a:bodyPr wrap="square">
+                <a:spAutoFit/>
+              </a:bodyPr>
+              <a:lstStyle/>
+              <a:p>
+                <a:pPr/>
+                <a14:m>
+                  <m:oMathPara xmlns:m="http://schemas.openxmlformats.org/officeDocument/2006/math">
+                    <m:oMathParaPr>
+                      <m:jc m:val="centerGroup"/>
+                    </m:oMathParaPr>
+                    <m:oMath xmlns:m="http://schemas.openxmlformats.org/officeDocument/2006/math">
+                      <m:sSub>
+                        <m:sSubPr>
+                          <m:ctrlPr>
+                            <a:rPr lang="de-CH" b="0" i="1" smtClean="0">
+                              <a:latin typeface="Cambria Math" panose="02040503050406030204" pitchFamily="18" charset="0"/>
+                            </a:rPr>
+                          </m:ctrlPr>
+                        </m:sSubPr>
+                        <m:e>
+                          <m:r>
+                            <a:rPr lang="de-CH" b="0" i="1" smtClean="0">
+                              <a:latin typeface="Cambria Math" panose="02040503050406030204" pitchFamily="18" charset="0"/>
+                            </a:rPr>
+                            <m:t>𝑤</m:t>
+                          </m:r>
+                        </m:e>
+                        <m:sub>
+                          <m:r>
+                            <a:rPr lang="de-CH" b="0" i="1" smtClean="0">
+                              <a:latin typeface="Cambria Math" panose="02040503050406030204" pitchFamily="18" charset="0"/>
+                            </a:rPr>
+                            <m:t>1,</m:t>
+                          </m:r>
+                          <m:r>
+                            <a:rPr lang="de-CH" b="0" i="1" smtClean="0">
+                              <a:latin typeface="Cambria Math" panose="02040503050406030204" pitchFamily="18" charset="0"/>
+                            </a:rPr>
+                            <m:t>𝐾</m:t>
+                          </m:r>
+                        </m:sub>
+                      </m:sSub>
+                    </m:oMath>
+                  </m:oMathPara>
+                </a14:m>
+                <a:endParaRPr lang="de-DE" dirty="0"/>
+              </a:p>
+            </p:txBody>
+          </p:sp>
+        </mc:Choice>
+        <mc:Fallback>
+          <p:sp>
+            <p:nvSpPr>
+              <p:cNvPr id="80" name="Rechteck 79">
+                <a:extLst>
+                  <a:ext uri="{FF2B5EF4-FFF2-40B4-BE49-F238E27FC236}">
+                    <a16:creationId xmlns:a16="http://schemas.microsoft.com/office/drawing/2014/main" id="{5D298507-3EA8-BA45-842E-55E66C4C504A}"/>
+                  </a:ext>
+                </a:extLst>
+              </p:cNvPr>
+              <p:cNvSpPr>
+                <a:spLocks noRot="1" noChangeAspect="1" noMove="1" noResize="1" noEditPoints="1" noAdjustHandles="1" noChangeArrowheads="1" noChangeShapeType="1" noTextEdit="1"/>
+              </p:cNvSpPr>
+              <p:nvPr/>
+            </p:nvSpPr>
+            <p:spPr>
+              <a:xfrm>
+                <a:off x="3224226" y="3221305"/>
+                <a:ext cx="507127" cy="381515"/>
+              </a:xfrm>
+              <a:prstGeom prst="rect">
+                <a:avLst/>
+              </a:prstGeom>
+              <a:blipFill>
+                <a:blip r:embed="rId16"/>
+                <a:stretch>
+                  <a:fillRect r="-7317"/>
+                </a:stretch>
+              </a:blipFill>
+            </p:spPr>
+            <p:txBody>
+              <a:bodyPr/>
+              <a:lstStyle/>
+              <a:p>
+                <a:r>
+                  <a:rPr lang="de-DE">
+                    <a:noFill/>
+                  </a:rPr>
+                  <a:t> </a:t>
+                </a:r>
+              </a:p>
+            </p:txBody>
+          </p:sp>
+        </mc:Fallback>
+      </mc:AlternateContent>
+      <p:cxnSp>
+        <p:nvCxnSpPr>
+          <p:cNvPr id="84" name="Gerade Verbindung mit Pfeil 83">
+            <a:extLst>
+              <a:ext uri="{FF2B5EF4-FFF2-40B4-BE49-F238E27FC236}">
+                <a16:creationId xmlns:a16="http://schemas.microsoft.com/office/drawing/2014/main" id="{71BDCD1A-AE53-B646-8764-182F76EE0824}"/>
+              </a:ext>
+            </a:extLst>
+          </p:cNvPr>
+          <p:cNvCxnSpPr>
+            <a:cxnSpLocks/>
+            <a:stCxn id="13" idx="6"/>
+            <a:endCxn id="16" idx="2"/>
+          </p:cNvCxnSpPr>
+          <p:nvPr/>
+        </p:nvCxnSpPr>
+        <p:spPr>
+          <a:xfrm flipV="1">
+            <a:off x="2680212" y="3732199"/>
+            <a:ext cx="1919414" cy="1060928"/>
+          </a:xfrm>
+          <a:prstGeom prst="straightConnector1">
+            <a:avLst/>
+          </a:prstGeom>
+          <a:ln w="28575">
+            <a:solidFill>
+              <a:schemeClr val="accent1"/>
+            </a:solidFill>
+            <a:headEnd type="none" w="med" len="med"/>
+            <a:tailEnd type="none" w="med" len="med"/>
+          </a:ln>
+        </p:spPr>
+        <p:style>
+          <a:lnRef idx="1">
+            <a:schemeClr val="accent1"/>
+          </a:lnRef>
+          <a:fillRef idx="0">
+            <a:schemeClr val="accent1"/>
+          </a:fillRef>
+          <a:effectRef idx="0">
+            <a:schemeClr val="accent1"/>
+          </a:effectRef>
+          <a:fontRef idx="minor">
+            <a:schemeClr val="tx1"/>
+          </a:fontRef>
+        </p:style>
+      </p:cxnSp>
+      <p:cxnSp>
+        <p:nvCxnSpPr>
+          <p:cNvPr id="88" name="Gerade Verbindung mit Pfeil 87">
+            <a:extLst>
+              <a:ext uri="{FF2B5EF4-FFF2-40B4-BE49-F238E27FC236}">
+                <a16:creationId xmlns:a16="http://schemas.microsoft.com/office/drawing/2014/main" id="{037143E8-0083-884E-9CDF-7E784510F4F3}"/>
+              </a:ext>
+            </a:extLst>
+          </p:cNvPr>
+          <p:cNvCxnSpPr>
+            <a:cxnSpLocks/>
+            <a:stCxn id="13" idx="6"/>
+            <a:endCxn id="42" idx="2"/>
+          </p:cNvCxnSpPr>
+          <p:nvPr/>
+        </p:nvCxnSpPr>
+        <p:spPr>
+          <a:xfrm>
+            <a:off x="2680212" y="4793127"/>
+            <a:ext cx="1896877" cy="172605"/>
+          </a:xfrm>
+          <a:prstGeom prst="straightConnector1">
+            <a:avLst/>
+          </a:prstGeom>
+          <a:ln w="28575">
+            <a:solidFill>
+              <a:schemeClr val="accent1"/>
+            </a:solidFill>
+            <a:headEnd type="none" w="med" len="med"/>
+            <a:tailEnd type="none" w="med" len="med"/>
+          </a:ln>
+        </p:spPr>
+        <p:style>
+          <a:lnRef idx="1">
+            <a:schemeClr val="accent1"/>
+          </a:lnRef>
+          <a:fillRef idx="0">
+            <a:schemeClr val="accent1"/>
+          </a:fillRef>
+          <a:effectRef idx="0">
+            <a:schemeClr val="accent1"/>
+          </a:effectRef>
+          <a:fontRef idx="minor">
+            <a:schemeClr val="tx1"/>
+          </a:fontRef>
+        </p:style>
+      </p:cxnSp>
+      <mc:AlternateContent xmlns:mc="http://schemas.openxmlformats.org/markup-compatibility/2006">
+        <mc:Choice xmlns:a14="http://schemas.microsoft.com/office/drawing/2010/main" Requires="a14">
+          <p:sp>
+            <p:nvSpPr>
+              <p:cNvPr id="92" name="Rechteck 91">
+                <a:extLst>
+                  <a:ext uri="{FF2B5EF4-FFF2-40B4-BE49-F238E27FC236}">
+                    <a16:creationId xmlns:a16="http://schemas.microsoft.com/office/drawing/2014/main" id="{D65668AA-D300-984A-A2E2-691E6D4C6A25}"/>
+                  </a:ext>
+                </a:extLst>
+              </p:cNvPr>
+              <p:cNvSpPr/>
+              <p:nvPr/>
+            </p:nvSpPr>
+            <p:spPr>
+              <a:xfrm>
+                <a:off x="2953420" y="3725092"/>
+                <a:ext cx="507127" cy="381515"/>
+              </a:xfrm>
+              <a:prstGeom prst="rect">
+                <a:avLst/>
+              </a:prstGeom>
+            </p:spPr>
+            <p:txBody>
+              <a:bodyPr wrap="square">
+                <a:spAutoFit/>
+              </a:bodyPr>
+              <a:lstStyle/>
+              <a:p>
+                <a:pPr/>
+                <a14:m>
+                  <m:oMathPara xmlns:m="http://schemas.openxmlformats.org/officeDocument/2006/math">
+                    <m:oMathParaPr>
+                      <m:jc m:val="centerGroup"/>
+                    </m:oMathParaPr>
+                    <m:oMath xmlns:m="http://schemas.openxmlformats.org/officeDocument/2006/math">
+                      <m:sSub>
+                        <m:sSubPr>
+                          <m:ctrlPr>
+                            <a:rPr lang="de-CH" b="0" i="1" smtClean="0">
+                              <a:latin typeface="Cambria Math" panose="02040503050406030204" pitchFamily="18" charset="0"/>
+                            </a:rPr>
+                          </m:ctrlPr>
+                        </m:sSubPr>
+                        <m:e>
+                          <m:r>
+                            <a:rPr lang="de-CH" b="0" i="1" smtClean="0">
+                              <a:latin typeface="Cambria Math" panose="02040503050406030204" pitchFamily="18" charset="0"/>
+                            </a:rPr>
+                            <m:t>𝑤</m:t>
+                          </m:r>
+                        </m:e>
+                        <m:sub>
+                          <m:r>
+                            <a:rPr lang="de-CH" b="0" i="1" smtClean="0">
+                              <a:latin typeface="Cambria Math" panose="02040503050406030204" pitchFamily="18" charset="0"/>
+                            </a:rPr>
+                            <m:t>𝐷</m:t>
+                          </m:r>
+                          <m:r>
+                            <a:rPr lang="de-CH" b="0" i="1" smtClean="0">
+                              <a:latin typeface="Cambria Math" panose="02040503050406030204" pitchFamily="18" charset="0"/>
+                            </a:rPr>
+                            <m:t>,1</m:t>
+                          </m:r>
+                        </m:sub>
+                      </m:sSub>
+                    </m:oMath>
+                  </m:oMathPara>
+                </a14:m>
+                <a:endParaRPr lang="de-DE" dirty="0"/>
+              </a:p>
+            </p:txBody>
+          </p:sp>
+        </mc:Choice>
+        <mc:Fallback>
+          <p:sp>
+            <p:nvSpPr>
+              <p:cNvPr id="92" name="Rechteck 91">
+                <a:extLst>
+                  <a:ext uri="{FF2B5EF4-FFF2-40B4-BE49-F238E27FC236}">
+                    <a16:creationId xmlns:a16="http://schemas.microsoft.com/office/drawing/2014/main" id="{D65668AA-D300-984A-A2E2-691E6D4C6A25}"/>
+                  </a:ext>
+                </a:extLst>
+              </p:cNvPr>
+              <p:cNvSpPr>
+                <a:spLocks noRot="1" noChangeAspect="1" noMove="1" noResize="1" noEditPoints="1" noAdjustHandles="1" noChangeArrowheads="1" noChangeShapeType="1" noTextEdit="1"/>
+              </p:cNvSpPr>
+              <p:nvPr/>
+            </p:nvSpPr>
+            <p:spPr>
+              <a:xfrm>
+                <a:off x="2953420" y="3725092"/>
+                <a:ext cx="507127" cy="381515"/>
+              </a:xfrm>
+              <a:prstGeom prst="rect">
+                <a:avLst/>
+              </a:prstGeom>
+              <a:blipFill>
+                <a:blip r:embed="rId17"/>
+                <a:stretch>
+                  <a:fillRect r="-10000"/>
+                </a:stretch>
+              </a:blipFill>
+            </p:spPr>
+            <p:txBody>
+              <a:bodyPr/>
+              <a:lstStyle/>
+              <a:p>
+                <a:r>
+                  <a:rPr lang="de-DE">
+                    <a:noFill/>
+                  </a:rPr>
+                  <a:t> </a:t>
+                </a:r>
+              </a:p>
+            </p:txBody>
+          </p:sp>
+        </mc:Fallback>
+      </mc:AlternateContent>
+      <mc:AlternateContent xmlns:mc="http://schemas.openxmlformats.org/markup-compatibility/2006">
+        <mc:Choice xmlns:a14="http://schemas.microsoft.com/office/drawing/2010/main" Requires="a14">
+          <p:sp>
+            <p:nvSpPr>
+              <p:cNvPr id="53" name="Textfeld 52">
+                <a:extLst>
+                  <a:ext uri="{FF2B5EF4-FFF2-40B4-BE49-F238E27FC236}">
+                    <a16:creationId xmlns:a16="http://schemas.microsoft.com/office/drawing/2014/main" id="{012250A4-D3D1-BD4E-AD81-8FE39DA39AF5}"/>
+                  </a:ext>
+                </a:extLst>
+              </p:cNvPr>
+              <p:cNvSpPr txBox="1"/>
+              <p:nvPr/>
+            </p:nvSpPr>
+            <p:spPr>
+              <a:xfrm>
+                <a:off x="4041589" y="3036639"/>
+                <a:ext cx="462626" cy="369332"/>
+              </a:xfrm>
+              <a:prstGeom prst="rect">
+                <a:avLst/>
+              </a:prstGeom>
+              <a:noFill/>
+            </p:spPr>
+            <p:txBody>
+              <a:bodyPr wrap="none" rtlCol="0">
+                <a:spAutoFit/>
+              </a:bodyPr>
+              <a:lstStyle/>
+              <a:p>
+                <a:pPr/>
+                <a14:m>
+                  <m:oMathPara xmlns:m="http://schemas.openxmlformats.org/officeDocument/2006/math">
+                    <m:oMathParaPr>
+                      <m:jc m:val="centerGroup"/>
+                    </m:oMathParaPr>
+                    <m:oMath xmlns:m="http://schemas.openxmlformats.org/officeDocument/2006/math">
+                      <m:sSub>
+                        <m:sSubPr>
+                          <m:ctrlPr>
+                            <a:rPr lang="de-CH" b="0" i="1" smtClean="0">
+                              <a:latin typeface="Cambria Math" panose="02040503050406030204" pitchFamily="18" charset="0"/>
+                            </a:rPr>
+                          </m:ctrlPr>
+                        </m:sSubPr>
+                        <m:e>
+                          <m:r>
+                            <a:rPr lang="de-CH" b="0" i="1" smtClean="0">
+                              <a:latin typeface="Cambria Math" panose="02040503050406030204" pitchFamily="18" charset="0"/>
+                            </a:rPr>
+                            <m:t>𝑏</m:t>
+                          </m:r>
+                        </m:e>
+                        <m:sub>
+                          <m:r>
+                            <a:rPr lang="de-CH" b="0" i="1" smtClean="0">
+                              <a:latin typeface="Cambria Math" panose="02040503050406030204" pitchFamily="18" charset="0"/>
+                            </a:rPr>
+                            <m:t>2</m:t>
+                          </m:r>
+                        </m:sub>
+                      </m:sSub>
+                    </m:oMath>
+                  </m:oMathPara>
+                </a14:m>
+                <a:endParaRPr lang="de-DE" dirty="0"/>
+              </a:p>
+            </p:txBody>
+          </p:sp>
+        </mc:Choice>
+        <mc:Fallback>
+          <p:sp>
+            <p:nvSpPr>
+              <p:cNvPr id="53" name="Textfeld 52">
+                <a:extLst>
+                  <a:ext uri="{FF2B5EF4-FFF2-40B4-BE49-F238E27FC236}">
+                    <a16:creationId xmlns:a16="http://schemas.microsoft.com/office/drawing/2014/main" id="{012250A4-D3D1-BD4E-AD81-8FE39DA39AF5}"/>
+                  </a:ext>
+                </a:extLst>
+              </p:cNvPr>
+              <p:cNvSpPr txBox="1">
+                <a:spLocks noRot="1" noChangeAspect="1" noMove="1" noResize="1" noEditPoints="1" noAdjustHandles="1" noChangeArrowheads="1" noChangeShapeType="1" noTextEdit="1"/>
+              </p:cNvSpPr>
+              <p:nvPr/>
+            </p:nvSpPr>
+            <p:spPr>
+              <a:xfrm>
+                <a:off x="4041589" y="3036639"/>
+                <a:ext cx="462626" cy="369332"/>
+              </a:xfrm>
+              <a:prstGeom prst="rect">
+                <a:avLst/>
+              </a:prstGeom>
+              <a:blipFill>
+                <a:blip r:embed="rId18"/>
+                <a:stretch>
+                  <a:fillRect/>
+                </a:stretch>
+              </a:blipFill>
+            </p:spPr>
+            <p:txBody>
+              <a:bodyPr/>
+              <a:lstStyle/>
+              <a:p>
+                <a:r>
+                  <a:rPr lang="de-DE">
+                    <a:noFill/>
+                  </a:rPr>
+                  <a:t> </a:t>
+                </a:r>
+              </a:p>
+            </p:txBody>
+          </p:sp>
+        </mc:Fallback>
+      </mc:AlternateContent>
+      <p:sp>
+        <p:nvSpPr>
+          <p:cNvPr id="95" name="Textfeld 94">
+            <a:extLst>
+              <a:ext uri="{FF2B5EF4-FFF2-40B4-BE49-F238E27FC236}">
+                <a16:creationId xmlns:a16="http://schemas.microsoft.com/office/drawing/2014/main" id="{B931E861-4EED-BF41-AE2F-9BB471FE854F}"/>
+              </a:ext>
+            </a:extLst>
+          </p:cNvPr>
+          <p:cNvSpPr txBox="1"/>
+          <p:nvPr/>
+        </p:nvSpPr>
+        <p:spPr>
+          <a:xfrm rot="16200000">
+            <a:off x="5416630" y="3619924"/>
+            <a:ext cx="1524200" cy="584775"/>
+          </a:xfrm>
+          <a:prstGeom prst="rect">
+            <a:avLst/>
+          </a:prstGeom>
+          <a:noFill/>
+        </p:spPr>
+        <p:txBody>
+          <a:bodyPr wrap="none" rtlCol="0">
+            <a:spAutoFit/>
+          </a:bodyPr>
+          <a:lstStyle/>
+          <a:p>
+            <a:r>
+              <a:rPr lang="de-DE" sz="3200" dirty="0" err="1"/>
+              <a:t>softmax</a:t>
+            </a:r>
+            <a:endParaRPr lang="de-DE" sz="3200" dirty="0"/>
+          </a:p>
+        </p:txBody>
+      </p:sp>
+      <p:sp>
+        <p:nvSpPr>
+          <p:cNvPr id="96" name="Oval 95">
+            <a:extLst>
+              <a:ext uri="{FF2B5EF4-FFF2-40B4-BE49-F238E27FC236}">
+                <a16:creationId xmlns:a16="http://schemas.microsoft.com/office/drawing/2014/main" id="{52754611-8FD8-0842-99DC-A2A54D025B91}"/>
+              </a:ext>
+            </a:extLst>
+          </p:cNvPr>
+          <p:cNvSpPr/>
+          <p:nvPr/>
+        </p:nvSpPr>
+        <p:spPr>
+          <a:xfrm>
+            <a:off x="7194449" y="2604683"/>
+            <a:ext cx="594360" cy="609600"/>
+          </a:xfrm>
+          <a:prstGeom prst="ellipse">
+            <a:avLst/>
+          </a:prstGeom>
+          <a:solidFill>
+            <a:srgbClr val="D883FF"/>
+          </a:solidFill>
+          <a:ln>
+            <a:noFill/>
+          </a:ln>
+        </p:spPr>
+        <p:style>
+          <a:lnRef idx="2">
+            <a:schemeClr val="accent1">
+              <a:shade val="50000"/>
+            </a:schemeClr>
+          </a:lnRef>
+          <a:fillRef idx="1">
+            <a:schemeClr val="accent1"/>
+          </a:fillRef>
+          <a:effectRef idx="0">
+            <a:schemeClr val="accent1"/>
+          </a:effectRef>
+          <a:fontRef idx="minor">
+            <a:schemeClr val="lt1"/>
+          </a:fontRef>
+        </p:style>
+        <p:txBody>
+          <a:bodyPr rtlCol="0" anchor="ctr"/>
+          <a:lstStyle/>
+          <a:p>
+            <a:pPr algn="ctr"/>
+            <a:endParaRPr lang="de-DE"/>
+          </a:p>
+        </p:txBody>
+      </p:sp>
+      <mc:AlternateContent xmlns:mc="http://schemas.openxmlformats.org/markup-compatibility/2006">
+        <mc:Choice xmlns:a14="http://schemas.microsoft.com/office/drawing/2010/main" Requires="a14">
+          <p:sp>
+            <p:nvSpPr>
+              <p:cNvPr id="97" name="Textfeld 96">
+                <a:extLst>
+                  <a:ext uri="{FF2B5EF4-FFF2-40B4-BE49-F238E27FC236}">
+                    <a16:creationId xmlns:a16="http://schemas.microsoft.com/office/drawing/2014/main" id="{FC3724F3-77CB-814E-91E5-4DB7C7B237E4}"/>
+                  </a:ext>
+                </a:extLst>
+              </p:cNvPr>
+              <p:cNvSpPr txBox="1"/>
+              <p:nvPr/>
+            </p:nvSpPr>
+            <p:spPr>
+              <a:xfrm>
+                <a:off x="7160016" y="2711636"/>
+                <a:ext cx="697114" cy="369332"/>
+              </a:xfrm>
+              <a:prstGeom prst="rect">
+                <a:avLst/>
+              </a:prstGeom>
+              <a:noFill/>
+            </p:spPr>
+            <p:txBody>
+              <a:bodyPr wrap="none" rtlCol="0">
+                <a:spAutoFit/>
+              </a:bodyPr>
+              <a:lstStyle/>
+              <a:p>
+                <a:pPr/>
+                <a14:m>
+                  <m:oMathPara xmlns:m="http://schemas.openxmlformats.org/officeDocument/2006/math">
+                    <m:oMathParaPr>
+                      <m:jc m:val="centerGroup"/>
+                    </m:oMathParaPr>
+                    <m:oMath xmlns:m="http://schemas.openxmlformats.org/officeDocument/2006/math">
+                      <m:sSub>
+                        <m:sSubPr>
+                          <m:ctrlPr>
+                            <a:rPr lang="de-CH" b="0" i="1" smtClean="0">
+                              <a:latin typeface="Cambria Math" panose="02040503050406030204" pitchFamily="18" charset="0"/>
+                            </a:rPr>
+                          </m:ctrlPr>
+                        </m:sSubPr>
+                        <m:e>
+                          <m:r>
+                            <a:rPr lang="de-CH" b="0" i="1" smtClean="0">
+                              <a:latin typeface="Cambria Math" panose="02040503050406030204" pitchFamily="18" charset="0"/>
+                            </a:rPr>
+                            <m:t>𝑦</m:t>
+                          </m:r>
+                        </m:e>
+                        <m:sub>
+                          <m:r>
+                            <a:rPr lang="de-CH" b="0" i="1" smtClean="0">
+                              <a:latin typeface="Cambria Math" panose="02040503050406030204" pitchFamily="18" charset="0"/>
+                            </a:rPr>
+                            <m:t>𝑘</m:t>
+                          </m:r>
+                          <m:r>
+                            <a:rPr lang="de-CH" b="0" i="1" smtClean="0">
+                              <a:latin typeface="Cambria Math" panose="02040503050406030204" pitchFamily="18" charset="0"/>
+                            </a:rPr>
+                            <m:t>=1</m:t>
+                          </m:r>
+                        </m:sub>
+                      </m:sSub>
+                    </m:oMath>
+                  </m:oMathPara>
+                </a14:m>
+                <a:endParaRPr lang="de-DE" dirty="0"/>
+              </a:p>
+            </p:txBody>
+          </p:sp>
+        </mc:Choice>
+        <mc:Fallback>
+          <p:sp>
+            <p:nvSpPr>
+              <p:cNvPr id="97" name="Textfeld 96">
+                <a:extLst>
+                  <a:ext uri="{FF2B5EF4-FFF2-40B4-BE49-F238E27FC236}">
+                    <a16:creationId xmlns:a16="http://schemas.microsoft.com/office/drawing/2014/main" id="{FC3724F3-77CB-814E-91E5-4DB7C7B237E4}"/>
+                  </a:ext>
+                </a:extLst>
+              </p:cNvPr>
+              <p:cNvSpPr txBox="1">
+                <a:spLocks noRot="1" noChangeAspect="1" noMove="1" noResize="1" noEditPoints="1" noAdjustHandles="1" noChangeArrowheads="1" noChangeShapeType="1" noTextEdit="1"/>
+              </p:cNvSpPr>
+              <p:nvPr/>
+            </p:nvSpPr>
+            <p:spPr>
+              <a:xfrm>
+                <a:off x="7160016" y="2711636"/>
+                <a:ext cx="697114" cy="369332"/>
+              </a:xfrm>
+              <a:prstGeom prst="rect">
+                <a:avLst/>
+              </a:prstGeom>
+              <a:blipFill>
+                <a:blip r:embed="rId19"/>
+                <a:stretch>
+                  <a:fillRect b="-3333"/>
+                </a:stretch>
+              </a:blipFill>
+            </p:spPr>
+            <p:txBody>
+              <a:bodyPr/>
+              <a:lstStyle/>
+              <a:p>
+                <a:r>
+                  <a:rPr lang="de-DE">
+                    <a:noFill/>
+                  </a:rPr>
+                  <a:t> </a:t>
+                </a:r>
+              </a:p>
+            </p:txBody>
+          </p:sp>
+        </mc:Fallback>
+      </mc:AlternateContent>
+      <p:cxnSp>
+        <p:nvCxnSpPr>
+          <p:cNvPr id="98" name="Gerade Verbindung mit Pfeil 97">
+            <a:extLst>
+              <a:ext uri="{FF2B5EF4-FFF2-40B4-BE49-F238E27FC236}">
+                <a16:creationId xmlns:a16="http://schemas.microsoft.com/office/drawing/2014/main" id="{33B45813-DED0-0447-AF55-B2B2B68A7914}"/>
+              </a:ext>
+            </a:extLst>
+          </p:cNvPr>
+          <p:cNvCxnSpPr/>
+          <p:nvPr/>
+        </p:nvCxnSpPr>
+        <p:spPr>
+          <a:xfrm>
+            <a:off x="6567552" y="2969096"/>
+            <a:ext cx="532263" cy="0"/>
+          </a:xfrm>
+          <a:prstGeom prst="straightConnector1">
+            <a:avLst/>
+          </a:prstGeom>
+          <a:ln w="28575">
+            <a:solidFill>
+              <a:schemeClr val="accent4"/>
+            </a:solidFill>
+            <a:tailEnd type="triangle"/>
+          </a:ln>
+        </p:spPr>
+        <p:style>
+          <a:lnRef idx="1">
+            <a:schemeClr val="accent1"/>
+          </a:lnRef>
+          <a:fillRef idx="0">
+            <a:schemeClr val="accent1"/>
+          </a:fillRef>
+          <a:effectRef idx="0">
+            <a:schemeClr val="accent1"/>
+          </a:effectRef>
+          <a:fontRef idx="minor">
+            <a:schemeClr val="tx1"/>
+          </a:fontRef>
+        </p:style>
+      </p:cxnSp>
+      <p:cxnSp>
+        <p:nvCxnSpPr>
+          <p:cNvPr id="99" name="Gerade Verbindung mit Pfeil 98">
+            <a:extLst>
+              <a:ext uri="{FF2B5EF4-FFF2-40B4-BE49-F238E27FC236}">
+                <a16:creationId xmlns:a16="http://schemas.microsoft.com/office/drawing/2014/main" id="{4AF1A128-75D3-E940-BDD2-CBCDB84B4109}"/>
+              </a:ext>
+            </a:extLst>
+          </p:cNvPr>
+          <p:cNvCxnSpPr/>
+          <p:nvPr/>
+        </p:nvCxnSpPr>
+        <p:spPr>
+          <a:xfrm>
+            <a:off x="6567552" y="4977793"/>
+            <a:ext cx="532263" cy="0"/>
+          </a:xfrm>
+          <a:prstGeom prst="straightConnector1">
+            <a:avLst/>
+          </a:prstGeom>
+          <a:ln w="28575">
+            <a:solidFill>
+              <a:schemeClr val="accent4"/>
+            </a:solidFill>
+            <a:tailEnd type="triangle"/>
+          </a:ln>
+        </p:spPr>
+        <p:style>
+          <a:lnRef idx="1">
+            <a:schemeClr val="accent1"/>
+          </a:lnRef>
+          <a:fillRef idx="0">
+            <a:schemeClr val="accent1"/>
+          </a:fillRef>
+          <a:effectRef idx="0">
+            <a:schemeClr val="accent1"/>
+          </a:effectRef>
+          <a:fontRef idx="minor">
+            <a:schemeClr val="tx1"/>
+          </a:fontRef>
+        </p:style>
+      </p:cxnSp>
+      <p:sp>
+        <p:nvSpPr>
+          <p:cNvPr id="100" name="Oval 99">
+            <a:extLst>
+              <a:ext uri="{FF2B5EF4-FFF2-40B4-BE49-F238E27FC236}">
+                <a16:creationId xmlns:a16="http://schemas.microsoft.com/office/drawing/2014/main" id="{CDD37DCE-2DBD-1F4D-97A5-BF8643CB732A}"/>
+              </a:ext>
+            </a:extLst>
+          </p:cNvPr>
+          <p:cNvSpPr/>
+          <p:nvPr/>
+        </p:nvSpPr>
+        <p:spPr>
+          <a:xfrm>
+            <a:off x="7256868" y="4649518"/>
+            <a:ext cx="594360" cy="609600"/>
+          </a:xfrm>
+          <a:prstGeom prst="ellipse">
+            <a:avLst/>
+          </a:prstGeom>
+          <a:solidFill>
+            <a:srgbClr val="D883FF"/>
+          </a:solidFill>
+          <a:ln>
+            <a:noFill/>
+          </a:ln>
+        </p:spPr>
+        <p:style>
+          <a:lnRef idx="2">
+            <a:schemeClr val="accent1">
+              <a:shade val="50000"/>
+            </a:schemeClr>
+          </a:lnRef>
+          <a:fillRef idx="1">
+            <a:schemeClr val="accent1"/>
+          </a:fillRef>
+          <a:effectRef idx="0">
+            <a:schemeClr val="accent1"/>
+          </a:effectRef>
+          <a:fontRef idx="minor">
+            <a:schemeClr val="lt1"/>
+          </a:fontRef>
+        </p:style>
+        <p:txBody>
+          <a:bodyPr rtlCol="0" anchor="ctr"/>
+          <a:lstStyle/>
+          <a:p>
+            <a:pPr algn="ctr"/>
+            <a:endParaRPr lang="de-DE"/>
+          </a:p>
+        </p:txBody>
+      </p:sp>
+      <mc:AlternateContent xmlns:mc="http://schemas.openxmlformats.org/markup-compatibility/2006">
+        <mc:Choice xmlns:a14="http://schemas.microsoft.com/office/drawing/2010/main" Requires="a14">
+          <p:sp>
+            <p:nvSpPr>
+              <p:cNvPr id="101" name="Textfeld 100">
+                <a:extLst>
+                  <a:ext uri="{FF2B5EF4-FFF2-40B4-BE49-F238E27FC236}">
+                    <a16:creationId xmlns:a16="http://schemas.microsoft.com/office/drawing/2014/main" id="{1E632A52-32D1-4141-9B2F-917246FB2874}"/>
+                  </a:ext>
+                </a:extLst>
+              </p:cNvPr>
+              <p:cNvSpPr txBox="1"/>
+              <p:nvPr/>
+            </p:nvSpPr>
+            <p:spPr>
+              <a:xfrm>
+                <a:off x="7222435" y="4756471"/>
+                <a:ext cx="726224" cy="369332"/>
+              </a:xfrm>
+              <a:prstGeom prst="rect">
+                <a:avLst/>
+              </a:prstGeom>
+              <a:noFill/>
+            </p:spPr>
+            <p:txBody>
+              <a:bodyPr wrap="none" rtlCol="0">
+                <a:spAutoFit/>
+              </a:bodyPr>
+              <a:lstStyle/>
+              <a:p>
+                <a:pPr/>
+                <a14:m>
+                  <m:oMathPara xmlns:m="http://schemas.openxmlformats.org/officeDocument/2006/math">
+                    <m:oMathParaPr>
+                      <m:jc m:val="centerGroup"/>
+                    </m:oMathParaPr>
+                    <m:oMath xmlns:m="http://schemas.openxmlformats.org/officeDocument/2006/math">
+                      <m:sSub>
+                        <m:sSubPr>
+                          <m:ctrlPr>
+                            <a:rPr lang="de-CH" b="0" i="1" smtClean="0">
+                              <a:latin typeface="Cambria Math" panose="02040503050406030204" pitchFamily="18" charset="0"/>
+                            </a:rPr>
+                          </m:ctrlPr>
+                        </m:sSubPr>
+                        <m:e>
+                          <m:r>
+                            <a:rPr lang="de-CH" b="0" i="1" smtClean="0">
+                              <a:latin typeface="Cambria Math" panose="02040503050406030204" pitchFamily="18" charset="0"/>
+                            </a:rPr>
+                            <m:t>𝑦</m:t>
+                          </m:r>
+                        </m:e>
+                        <m:sub>
+                          <m:r>
+                            <a:rPr lang="de-CH" b="0" i="1" smtClean="0">
+                              <a:latin typeface="Cambria Math" panose="02040503050406030204" pitchFamily="18" charset="0"/>
+                            </a:rPr>
+                            <m:t>𝑘</m:t>
+                          </m:r>
+                          <m:r>
+                            <a:rPr lang="de-CH" b="0" i="1" smtClean="0">
+                              <a:latin typeface="Cambria Math" panose="02040503050406030204" pitchFamily="18" charset="0"/>
+                            </a:rPr>
+                            <m:t>=</m:t>
+                          </m:r>
+                          <m:r>
+                            <a:rPr lang="de-CH" b="0" i="1" smtClean="0">
+                              <a:latin typeface="Cambria Math" panose="02040503050406030204" pitchFamily="18" charset="0"/>
+                            </a:rPr>
+                            <m:t>𝐾</m:t>
+                          </m:r>
+                        </m:sub>
+                      </m:sSub>
+                    </m:oMath>
+                  </m:oMathPara>
+                </a14:m>
+                <a:endParaRPr lang="de-DE" dirty="0"/>
+              </a:p>
+            </p:txBody>
+          </p:sp>
+        </mc:Choice>
+        <mc:Fallback>
+          <p:sp>
+            <p:nvSpPr>
+              <p:cNvPr id="101" name="Textfeld 100">
+                <a:extLst>
+                  <a:ext uri="{FF2B5EF4-FFF2-40B4-BE49-F238E27FC236}">
+                    <a16:creationId xmlns:a16="http://schemas.microsoft.com/office/drawing/2014/main" id="{1E632A52-32D1-4141-9B2F-917246FB2874}"/>
+                  </a:ext>
+                </a:extLst>
+              </p:cNvPr>
+              <p:cNvSpPr txBox="1">
+                <a:spLocks noRot="1" noChangeAspect="1" noMove="1" noResize="1" noEditPoints="1" noAdjustHandles="1" noChangeArrowheads="1" noChangeShapeType="1" noTextEdit="1"/>
+              </p:cNvSpPr>
+              <p:nvPr/>
+            </p:nvSpPr>
+            <p:spPr>
+              <a:xfrm>
+                <a:off x="7222435" y="4756471"/>
+                <a:ext cx="726224" cy="369332"/>
+              </a:xfrm>
+              <a:prstGeom prst="rect">
+                <a:avLst/>
+              </a:prstGeom>
+              <a:blipFill>
+                <a:blip r:embed="rId20"/>
+                <a:stretch>
+                  <a:fillRect b="-6667"/>
+                </a:stretch>
+              </a:blipFill>
+            </p:spPr>
+            <p:txBody>
+              <a:bodyPr/>
+              <a:lstStyle/>
+              <a:p>
+                <a:r>
+                  <a:rPr lang="de-DE">
+                    <a:noFill/>
+                  </a:rPr>
+                  <a:t> </a:t>
+                </a:r>
+              </a:p>
+            </p:txBody>
+          </p:sp>
+        </mc:Fallback>
+      </mc:AlternateContent>
+      <p:sp>
+        <p:nvSpPr>
+          <p:cNvPr id="102" name="Geschweifte Klammer rechts 101">
+            <a:extLst>
+              <a:ext uri="{FF2B5EF4-FFF2-40B4-BE49-F238E27FC236}">
+                <a16:creationId xmlns:a16="http://schemas.microsoft.com/office/drawing/2014/main" id="{80518F2B-6838-6F44-B8EB-FA8DF89FBF91}"/>
+              </a:ext>
+            </a:extLst>
+          </p:cNvPr>
+          <p:cNvSpPr/>
+          <p:nvPr/>
+        </p:nvSpPr>
+        <p:spPr>
+          <a:xfrm>
+            <a:off x="8529403" y="2481213"/>
+            <a:ext cx="329784" cy="3000142"/>
+          </a:xfrm>
+          <a:prstGeom prst="rightBrace">
+            <a:avLst/>
+          </a:prstGeom>
+          <a:ln w="28575">
+            <a:solidFill>
+              <a:schemeClr val="tx1"/>
+            </a:solidFill>
+          </a:ln>
+        </p:spPr>
+        <p:style>
+          <a:lnRef idx="1">
+            <a:schemeClr val="accent1"/>
+          </a:lnRef>
+          <a:fillRef idx="0">
+            <a:schemeClr val="accent1"/>
+          </a:fillRef>
+          <a:effectRef idx="0">
+            <a:schemeClr val="accent1"/>
+          </a:effectRef>
+          <a:fontRef idx="minor">
+            <a:schemeClr val="tx1"/>
+          </a:fontRef>
+        </p:style>
+        <p:txBody>
+          <a:bodyPr rtlCol="0" anchor="ctr"/>
+          <a:lstStyle/>
+          <a:p>
+            <a:pPr algn="ctr"/>
+            <a:endParaRPr lang="de-DE"/>
+          </a:p>
+        </p:txBody>
+      </p:sp>
+      <p:sp>
+        <p:nvSpPr>
+          <p:cNvPr id="103" name="Textfeld 102">
+            <a:extLst>
+              <a:ext uri="{FF2B5EF4-FFF2-40B4-BE49-F238E27FC236}">
+                <a16:creationId xmlns:a16="http://schemas.microsoft.com/office/drawing/2014/main" id="{8246E8F9-74CB-844B-B4EC-8479BB3D79DF}"/>
+              </a:ext>
+            </a:extLst>
+          </p:cNvPr>
+          <p:cNvSpPr txBox="1"/>
+          <p:nvPr/>
+        </p:nvSpPr>
+        <p:spPr>
+          <a:xfrm>
+            <a:off x="8703372" y="2109914"/>
+            <a:ext cx="873509" cy="369332"/>
+          </a:xfrm>
+          <a:prstGeom prst="rect">
+            <a:avLst/>
+          </a:prstGeom>
+          <a:noFill/>
+        </p:spPr>
+        <p:txBody>
+          <a:bodyPr wrap="none" rtlCol="0">
+            <a:spAutoFit/>
+          </a:bodyPr>
+          <a:lstStyle/>
+          <a:p>
+            <a:r>
+              <a:rPr lang="de-DE" dirty="0" err="1"/>
+              <a:t>argmax</a:t>
+            </a:r>
+            <a:endParaRPr lang="de-DE" dirty="0"/>
+          </a:p>
+        </p:txBody>
+      </p:sp>
+      <p:sp>
+        <p:nvSpPr>
+          <p:cNvPr id="104" name="Oval 103">
+            <a:extLst>
+              <a:ext uri="{FF2B5EF4-FFF2-40B4-BE49-F238E27FC236}">
+                <a16:creationId xmlns:a16="http://schemas.microsoft.com/office/drawing/2014/main" id="{4EA46F88-42A4-1F40-9048-6051D33E8DED}"/>
+              </a:ext>
+            </a:extLst>
+          </p:cNvPr>
+          <p:cNvSpPr/>
+          <p:nvPr/>
+        </p:nvSpPr>
+        <p:spPr>
+          <a:xfrm>
+            <a:off x="9182749" y="3612065"/>
+            <a:ext cx="594360" cy="609600"/>
+          </a:xfrm>
+          <a:prstGeom prst="ellipse">
+            <a:avLst/>
+          </a:prstGeom>
+          <a:solidFill>
+            <a:srgbClr val="D883FF"/>
+          </a:solidFill>
+          <a:ln>
+            <a:noFill/>
+          </a:ln>
+        </p:spPr>
+        <p:style>
+          <a:lnRef idx="2">
+            <a:schemeClr val="accent1">
+              <a:shade val="50000"/>
+            </a:schemeClr>
+          </a:lnRef>
+          <a:fillRef idx="1">
+            <a:schemeClr val="accent1"/>
+          </a:fillRef>
+          <a:effectRef idx="0">
+            <a:schemeClr val="accent1"/>
+          </a:effectRef>
+          <a:fontRef idx="minor">
+            <a:schemeClr val="lt1"/>
+          </a:fontRef>
+        </p:style>
+        <p:txBody>
+          <a:bodyPr rtlCol="0" anchor="ctr"/>
+          <a:lstStyle/>
+          <a:p>
+            <a:pPr algn="ctr"/>
+            <a:endParaRPr lang="de-DE"/>
+          </a:p>
+        </p:txBody>
+      </p:sp>
+      <mc:AlternateContent xmlns:mc="http://schemas.openxmlformats.org/markup-compatibility/2006">
+        <mc:Choice xmlns:a14="http://schemas.microsoft.com/office/drawing/2010/main" Requires="a14">
+          <p:sp>
+            <p:nvSpPr>
+              <p:cNvPr id="106" name="Rechteck 105">
+                <a:extLst>
+                  <a:ext uri="{FF2B5EF4-FFF2-40B4-BE49-F238E27FC236}">
+                    <a16:creationId xmlns:a16="http://schemas.microsoft.com/office/drawing/2014/main" id="{DC2F0CB3-2350-F243-A447-D5CAED1FFDF8}"/>
+                  </a:ext>
+                </a:extLst>
+              </p:cNvPr>
+              <p:cNvSpPr/>
+              <p:nvPr/>
+            </p:nvSpPr>
+            <p:spPr>
+              <a:xfrm>
+                <a:off x="361320" y="1214770"/>
+                <a:ext cx="1066639" cy="1754326"/>
+              </a:xfrm>
+              <a:prstGeom prst="rect">
+                <a:avLst/>
+              </a:prstGeom>
+            </p:spPr>
+            <p:txBody>
+              <a:bodyPr wrap="none">
+                <a:spAutoFit/>
+              </a:bodyPr>
+              <a:lstStyle/>
+              <a:p>
+                <a14:m>
+                  <m:oMathPara xmlns:m="http://schemas.openxmlformats.org/officeDocument/2006/math">
+                    <m:oMathParaPr>
+                      <m:jc m:val="centerGroup"/>
+                    </m:oMathParaPr>
+                    <m:oMath xmlns:m="http://schemas.openxmlformats.org/officeDocument/2006/math">
+                      <m:r>
+                        <a:rPr lang="de-CH" i="1" smtClean="0">
+                          <a:latin typeface="Cambria Math" panose="02040503050406030204" pitchFamily="18" charset="0"/>
+                          <a:ea typeface="Cambria Math" panose="02040503050406030204" pitchFamily="18" charset="0"/>
+                        </a:rPr>
+                        <m:t>𝑊</m:t>
+                      </m:r>
+                      <m:r>
+                        <a:rPr lang="de-CH" b="0" i="1" smtClean="0">
+                          <a:latin typeface="Cambria Math" panose="02040503050406030204" pitchFamily="18" charset="0"/>
+                          <a:ea typeface="Cambria Math" panose="02040503050406030204" pitchFamily="18" charset="0"/>
+                        </a:rPr>
+                        <m:t>:</m:t>
+                      </m:r>
+                      <m:r>
+                        <a:rPr lang="de-CH" b="0" i="1" smtClean="0">
+                          <a:latin typeface="Cambria Math" panose="02040503050406030204" pitchFamily="18" charset="0"/>
+                          <a:ea typeface="Cambria Math" panose="02040503050406030204" pitchFamily="18" charset="0"/>
+                        </a:rPr>
+                        <m:t>𝐷</m:t>
+                      </m:r>
+                      <m:r>
+                        <a:rPr lang="de-CH" b="0" i="1" smtClean="0">
+                          <a:latin typeface="Cambria Math" panose="02040503050406030204" pitchFamily="18" charset="0"/>
+                          <a:ea typeface="Cambria Math" panose="02040503050406030204" pitchFamily="18" charset="0"/>
+                        </a:rPr>
+                        <m:t>×</m:t>
+                      </m:r>
+                      <m:r>
+                        <a:rPr lang="de-CH" b="0" i="1" smtClean="0">
+                          <a:latin typeface="Cambria Math" panose="02040503050406030204" pitchFamily="18" charset="0"/>
+                          <a:ea typeface="Cambria Math" panose="02040503050406030204" pitchFamily="18" charset="0"/>
+                        </a:rPr>
+                        <m:t>𝐾</m:t>
+                      </m:r>
+                    </m:oMath>
+                  </m:oMathPara>
+                </a14:m>
+                <a:endParaRPr lang="de-DE" dirty="0"/>
+              </a:p>
+              <a:p>
+                <a14:m>
+                  <m:oMathPara xmlns:m="http://schemas.openxmlformats.org/officeDocument/2006/math">
+                    <m:oMathParaPr>
+                      <m:jc m:val="centerGroup"/>
+                    </m:oMathParaPr>
+                    <m:oMath xmlns:m="http://schemas.openxmlformats.org/officeDocument/2006/math">
+                      <m:r>
+                        <a:rPr lang="de-CH" b="0" i="1" smtClean="0">
+                          <a:latin typeface="Cambria Math" panose="02040503050406030204" pitchFamily="18" charset="0"/>
+                          <a:ea typeface="Cambria Math" panose="02040503050406030204" pitchFamily="18" charset="0"/>
+                        </a:rPr>
+                        <m:t>𝑋</m:t>
+                      </m:r>
+                      <m:r>
+                        <a:rPr lang="de-CH" i="1">
+                          <a:latin typeface="Cambria Math" panose="02040503050406030204" pitchFamily="18" charset="0"/>
+                          <a:ea typeface="Cambria Math" panose="02040503050406030204" pitchFamily="18" charset="0"/>
+                        </a:rPr>
+                        <m:t>:</m:t>
+                      </m:r>
+                      <m:r>
+                        <a:rPr lang="de-CH" b="0" i="1" smtClean="0">
+                          <a:latin typeface="Cambria Math" panose="02040503050406030204" pitchFamily="18" charset="0"/>
+                          <a:ea typeface="Cambria Math" panose="02040503050406030204" pitchFamily="18" charset="0"/>
+                        </a:rPr>
+                        <m:t>𝑁</m:t>
+                      </m:r>
+                      <m:r>
+                        <a:rPr lang="de-CH" i="1">
+                          <a:latin typeface="Cambria Math" panose="02040503050406030204" pitchFamily="18" charset="0"/>
+                          <a:ea typeface="Cambria Math" panose="02040503050406030204" pitchFamily="18" charset="0"/>
+                        </a:rPr>
+                        <m:t>×</m:t>
+                      </m:r>
+                      <m:r>
+                        <a:rPr lang="de-CH" b="0" i="1" smtClean="0">
+                          <a:latin typeface="Cambria Math" panose="02040503050406030204" pitchFamily="18" charset="0"/>
+                          <a:ea typeface="Cambria Math" panose="02040503050406030204" pitchFamily="18" charset="0"/>
+                        </a:rPr>
+                        <m:t>𝐷</m:t>
+                      </m:r>
+                    </m:oMath>
+                  </m:oMathPara>
+                </a14:m>
+                <a:endParaRPr lang="de-DE" dirty="0"/>
+              </a:p>
+              <a:p>
+                <a14:m>
+                  <m:oMathPara xmlns:m="http://schemas.openxmlformats.org/officeDocument/2006/math">
+                    <m:oMathParaPr>
+                      <m:jc m:val="centerGroup"/>
+                    </m:oMathParaPr>
+                    <m:oMath xmlns:m="http://schemas.openxmlformats.org/officeDocument/2006/math">
+                      <m:r>
+                        <a:rPr lang="de-CH" b="0" i="1" smtClean="0">
+                          <a:latin typeface="Cambria Math" panose="02040503050406030204" pitchFamily="18" charset="0"/>
+                          <a:ea typeface="Cambria Math" panose="02040503050406030204" pitchFamily="18" charset="0"/>
+                        </a:rPr>
+                        <m:t>𝑥</m:t>
+                      </m:r>
+                      <m:r>
+                        <a:rPr lang="de-CH" i="1">
+                          <a:latin typeface="Cambria Math" panose="02040503050406030204" pitchFamily="18" charset="0"/>
+                          <a:ea typeface="Cambria Math" panose="02040503050406030204" pitchFamily="18" charset="0"/>
+                        </a:rPr>
+                        <m:t>:</m:t>
+                      </m:r>
+                      <m:r>
+                        <a:rPr lang="de-CH" i="1">
+                          <a:latin typeface="Cambria Math" panose="02040503050406030204" pitchFamily="18" charset="0"/>
+                          <a:ea typeface="Cambria Math" panose="02040503050406030204" pitchFamily="18" charset="0"/>
+                        </a:rPr>
+                        <m:t>𝐷</m:t>
+                      </m:r>
+                    </m:oMath>
+                  </m:oMathPara>
+                </a14:m>
+                <a:endParaRPr lang="de-CH" i="1" dirty="0">
+                  <a:latin typeface="Cambria Math" panose="02040503050406030204" pitchFamily="18" charset="0"/>
+                  <a:ea typeface="Cambria Math" panose="02040503050406030204" pitchFamily="18" charset="0"/>
+                </a:endParaRPr>
+              </a:p>
+              <a:p>
+                <a14:m>
+                  <m:oMathPara xmlns:m="http://schemas.openxmlformats.org/officeDocument/2006/math">
+                    <m:oMathParaPr>
+                      <m:jc m:val="centerGroup"/>
+                    </m:oMathParaPr>
+                    <m:oMath xmlns:m="http://schemas.openxmlformats.org/officeDocument/2006/math">
+                      <m:r>
+                        <a:rPr lang="de-CH" b="0" i="1" smtClean="0">
+                          <a:latin typeface="Cambria Math" panose="02040503050406030204" pitchFamily="18" charset="0"/>
+                          <a:ea typeface="Cambria Math" panose="02040503050406030204" pitchFamily="18" charset="0"/>
+                        </a:rPr>
+                        <m:t>𝑏</m:t>
+                      </m:r>
+                      <m:r>
+                        <a:rPr lang="de-CH" i="1">
+                          <a:latin typeface="Cambria Math" panose="02040503050406030204" pitchFamily="18" charset="0"/>
+                          <a:ea typeface="Cambria Math" panose="02040503050406030204" pitchFamily="18" charset="0"/>
+                        </a:rPr>
+                        <m:t>:</m:t>
+                      </m:r>
+                      <m:r>
+                        <a:rPr lang="de-CH" i="1">
+                          <a:latin typeface="Cambria Math" panose="02040503050406030204" pitchFamily="18" charset="0"/>
+                          <a:ea typeface="Cambria Math" panose="02040503050406030204" pitchFamily="18" charset="0"/>
+                        </a:rPr>
+                        <m:t>𝐾</m:t>
+                      </m:r>
+                    </m:oMath>
+                  </m:oMathPara>
+                </a14:m>
+                <a:endParaRPr lang="de-DE" dirty="0"/>
+              </a:p>
+              <a:p>
+                <a14:m>
+                  <m:oMathPara xmlns:m="http://schemas.openxmlformats.org/officeDocument/2006/math">
+                    <m:oMathParaPr>
+                      <m:jc m:val="centerGroup"/>
+                    </m:oMathParaPr>
+                    <m:oMath xmlns:m="http://schemas.openxmlformats.org/officeDocument/2006/math">
+                      <m:r>
+                        <a:rPr lang="de-CH" b="0" i="1" smtClean="0">
+                          <a:latin typeface="Cambria Math" panose="02040503050406030204" pitchFamily="18" charset="0"/>
+                          <a:ea typeface="Cambria Math" panose="02040503050406030204" pitchFamily="18" charset="0"/>
+                        </a:rPr>
+                        <m:t>𝑧</m:t>
+                      </m:r>
+                      <m:r>
+                        <a:rPr lang="de-CH" i="1">
+                          <a:latin typeface="Cambria Math" panose="02040503050406030204" pitchFamily="18" charset="0"/>
+                          <a:ea typeface="Cambria Math" panose="02040503050406030204" pitchFamily="18" charset="0"/>
+                        </a:rPr>
+                        <m:t>:</m:t>
+                      </m:r>
+                      <m:r>
+                        <a:rPr lang="de-CH" i="1">
+                          <a:latin typeface="Cambria Math" panose="02040503050406030204" pitchFamily="18" charset="0"/>
+                          <a:ea typeface="Cambria Math" panose="02040503050406030204" pitchFamily="18" charset="0"/>
+                        </a:rPr>
+                        <m:t>𝐾</m:t>
+                      </m:r>
+                    </m:oMath>
+                  </m:oMathPara>
+                </a14:m>
+                <a:endParaRPr lang="de-DE" dirty="0"/>
+              </a:p>
+              <a:p>
+                <a14:m>
+                  <m:oMathPara xmlns:m="http://schemas.openxmlformats.org/officeDocument/2006/math">
+                    <m:oMathParaPr>
+                      <m:jc m:val="centerGroup"/>
+                    </m:oMathParaPr>
+                    <m:oMath xmlns:m="http://schemas.openxmlformats.org/officeDocument/2006/math">
+                      <m:r>
+                        <a:rPr lang="de-CH" b="0" i="1" smtClean="0">
+                          <a:latin typeface="Cambria Math" panose="02040503050406030204" pitchFamily="18" charset="0"/>
+                          <a:ea typeface="Cambria Math" panose="02040503050406030204" pitchFamily="18" charset="0"/>
+                        </a:rPr>
+                        <m:t>𝑦</m:t>
+                      </m:r>
+                      <m:r>
+                        <a:rPr lang="de-CH" i="1">
+                          <a:latin typeface="Cambria Math" panose="02040503050406030204" pitchFamily="18" charset="0"/>
+                          <a:ea typeface="Cambria Math" panose="02040503050406030204" pitchFamily="18" charset="0"/>
+                        </a:rPr>
+                        <m:t>:</m:t>
+                      </m:r>
+                      <m:r>
+                        <a:rPr lang="de-CH" i="1">
+                          <a:latin typeface="Cambria Math" panose="02040503050406030204" pitchFamily="18" charset="0"/>
+                          <a:ea typeface="Cambria Math" panose="02040503050406030204" pitchFamily="18" charset="0"/>
+                        </a:rPr>
+                        <m:t>𝐾</m:t>
+                      </m:r>
+                    </m:oMath>
+                  </m:oMathPara>
+                </a14:m>
+                <a:endParaRPr lang="de-DE" dirty="0"/>
+              </a:p>
+            </p:txBody>
+          </p:sp>
+        </mc:Choice>
+        <mc:Fallback>
+          <p:sp>
+            <p:nvSpPr>
+              <p:cNvPr id="106" name="Rechteck 105">
+                <a:extLst>
+                  <a:ext uri="{FF2B5EF4-FFF2-40B4-BE49-F238E27FC236}">
+                    <a16:creationId xmlns:a16="http://schemas.microsoft.com/office/drawing/2014/main" id="{DC2F0CB3-2350-F243-A447-D5CAED1FFDF8}"/>
+                  </a:ext>
+                </a:extLst>
+              </p:cNvPr>
+              <p:cNvSpPr>
+                <a:spLocks noRot="1" noChangeAspect="1" noMove="1" noResize="1" noEditPoints="1" noAdjustHandles="1" noChangeArrowheads="1" noChangeShapeType="1" noTextEdit="1"/>
+              </p:cNvSpPr>
+              <p:nvPr/>
+            </p:nvSpPr>
+            <p:spPr>
+              <a:xfrm>
+                <a:off x="361320" y="1214770"/>
+                <a:ext cx="1066639" cy="1754326"/>
+              </a:xfrm>
+              <a:prstGeom prst="rect">
+                <a:avLst/>
+              </a:prstGeom>
+              <a:blipFill>
+                <a:blip r:embed="rId21"/>
+                <a:stretch>
+                  <a:fillRect b="-725"/>
+                </a:stretch>
+              </a:blipFill>
+            </p:spPr>
+            <p:txBody>
+              <a:bodyPr/>
+              <a:lstStyle/>
+              <a:p>
+                <a:r>
+                  <a:rPr lang="de-DE">
+                    <a:noFill/>
+                  </a:rPr>
+                  <a:t> </a:t>
+                </a:r>
+              </a:p>
+            </p:txBody>
+          </p:sp>
+        </mc:Fallback>
+      </mc:AlternateContent>
+      <p:sp>
+        <p:nvSpPr>
+          <p:cNvPr id="107" name="Textfeld 106">
+            <a:extLst>
+              <a:ext uri="{FF2B5EF4-FFF2-40B4-BE49-F238E27FC236}">
+                <a16:creationId xmlns:a16="http://schemas.microsoft.com/office/drawing/2014/main" id="{AA6571B4-6DE3-954E-A574-3A1CD0A7673C}"/>
+              </a:ext>
+            </a:extLst>
+          </p:cNvPr>
+          <p:cNvSpPr txBox="1"/>
+          <p:nvPr/>
+        </p:nvSpPr>
+        <p:spPr>
+          <a:xfrm>
+            <a:off x="361320" y="845438"/>
+            <a:ext cx="1277914" cy="369332"/>
+          </a:xfrm>
+          <a:prstGeom prst="rect">
+            <a:avLst/>
+          </a:prstGeom>
+          <a:noFill/>
+        </p:spPr>
+        <p:txBody>
+          <a:bodyPr wrap="none" rtlCol="0">
+            <a:spAutoFit/>
+          </a:bodyPr>
+          <a:lstStyle/>
+          <a:p>
+            <a:r>
+              <a:rPr lang="de-DE" dirty="0" err="1"/>
+              <a:t>Dimensions</a:t>
+            </a:r>
+            <a:endParaRPr lang="de-DE" dirty="0"/>
+          </a:p>
+        </p:txBody>
+      </p:sp>
+    </p:spTree>
+    <p:extLst>
+      <p:ext uri="{BB962C8B-B14F-4D97-AF65-F5344CB8AC3E}">
+        <p14:creationId xmlns:p14="http://schemas.microsoft.com/office/powerpoint/2010/main" val="36231654"/>
       </p:ext>
     </p:extLst>
   </p:cSld>

--- a/logistic_regression/pics/perc.pptx
+++ b/logistic_regression/pics/perc.pptx
@@ -261,7 +261,7 @@
           <a:p>
             <a:fld id="{95C9C945-6086-B246-BB53-7510ED701B45}" type="datetimeFigureOut">
               <a:rPr lang="de-DE" smtClean="0"/>
-              <a:t>05.03.20</a:t>
+              <a:t>07.03.20</a:t>
             </a:fld>
             <a:endParaRPr lang="de-DE"/>
           </a:p>
@@ -459,7 +459,7 @@
           <a:p>
             <a:fld id="{95C9C945-6086-B246-BB53-7510ED701B45}" type="datetimeFigureOut">
               <a:rPr lang="de-DE" smtClean="0"/>
-              <a:t>05.03.20</a:t>
+              <a:t>07.03.20</a:t>
             </a:fld>
             <a:endParaRPr lang="de-DE"/>
           </a:p>
@@ -667,7 +667,7 @@
           <a:p>
             <a:fld id="{95C9C945-6086-B246-BB53-7510ED701B45}" type="datetimeFigureOut">
               <a:rPr lang="de-DE" smtClean="0"/>
-              <a:t>05.03.20</a:t>
+              <a:t>07.03.20</a:t>
             </a:fld>
             <a:endParaRPr lang="de-DE"/>
           </a:p>
@@ -865,7 +865,7 @@
           <a:p>
             <a:fld id="{95C9C945-6086-B246-BB53-7510ED701B45}" type="datetimeFigureOut">
               <a:rPr lang="de-DE" smtClean="0"/>
-              <a:t>05.03.20</a:t>
+              <a:t>07.03.20</a:t>
             </a:fld>
             <a:endParaRPr lang="de-DE"/>
           </a:p>
@@ -1140,7 +1140,7 @@
           <a:p>
             <a:fld id="{95C9C945-6086-B246-BB53-7510ED701B45}" type="datetimeFigureOut">
               <a:rPr lang="de-DE" smtClean="0"/>
-              <a:t>05.03.20</a:t>
+              <a:t>07.03.20</a:t>
             </a:fld>
             <a:endParaRPr lang="de-DE"/>
           </a:p>
@@ -1405,7 +1405,7 @@
           <a:p>
             <a:fld id="{95C9C945-6086-B246-BB53-7510ED701B45}" type="datetimeFigureOut">
               <a:rPr lang="de-DE" smtClean="0"/>
-              <a:t>05.03.20</a:t>
+              <a:t>07.03.20</a:t>
             </a:fld>
             <a:endParaRPr lang="de-DE"/>
           </a:p>
@@ -1817,7 +1817,7 @@
           <a:p>
             <a:fld id="{95C9C945-6086-B246-BB53-7510ED701B45}" type="datetimeFigureOut">
               <a:rPr lang="de-DE" smtClean="0"/>
-              <a:t>05.03.20</a:t>
+              <a:t>07.03.20</a:t>
             </a:fld>
             <a:endParaRPr lang="de-DE"/>
           </a:p>
@@ -1958,7 +1958,7 @@
           <a:p>
             <a:fld id="{95C9C945-6086-B246-BB53-7510ED701B45}" type="datetimeFigureOut">
               <a:rPr lang="de-DE" smtClean="0"/>
-              <a:t>05.03.20</a:t>
+              <a:t>07.03.20</a:t>
             </a:fld>
             <a:endParaRPr lang="de-DE"/>
           </a:p>
@@ -2071,7 +2071,7 @@
           <a:p>
             <a:fld id="{95C9C945-6086-B246-BB53-7510ED701B45}" type="datetimeFigureOut">
               <a:rPr lang="de-DE" smtClean="0"/>
-              <a:t>05.03.20</a:t>
+              <a:t>07.03.20</a:t>
             </a:fld>
             <a:endParaRPr lang="de-DE"/>
           </a:p>
@@ -2382,7 +2382,7 @@
           <a:p>
             <a:fld id="{95C9C945-6086-B246-BB53-7510ED701B45}" type="datetimeFigureOut">
               <a:rPr lang="de-DE" smtClean="0"/>
-              <a:t>05.03.20</a:t>
+              <a:t>07.03.20</a:t>
             </a:fld>
             <a:endParaRPr lang="de-DE"/>
           </a:p>
@@ -2670,7 +2670,7 @@
           <a:p>
             <a:fld id="{95C9C945-6086-B246-BB53-7510ED701B45}" type="datetimeFigureOut">
               <a:rPr lang="de-DE" smtClean="0"/>
-              <a:t>05.03.20</a:t>
+              <a:t>07.03.20</a:t>
             </a:fld>
             <a:endParaRPr lang="de-DE"/>
           </a:p>
@@ -2911,7 +2911,7 @@
           <a:p>
             <a:fld id="{95C9C945-6086-B246-BB53-7510ED701B45}" type="datetimeFigureOut">
               <a:rPr lang="de-DE" smtClean="0"/>
-              <a:t>05.03.20</a:t>
+              <a:t>07.03.20</a:t>
             </a:fld>
             <a:endParaRPr lang="de-DE"/>
           </a:p>
@@ -3328,8 +3328,8 @@
           <a:chExt cx="0" cy="0"/>
         </a:xfrm>
       </p:grpSpPr>
-      <mc:AlternateContent xmlns:mc="http://schemas.openxmlformats.org/markup-compatibility/2006">
-        <mc:Choice xmlns:a14="http://schemas.microsoft.com/office/drawing/2010/main" Requires="a14">
+      <mc:AlternateContent xmlns:mc="http://schemas.openxmlformats.org/markup-compatibility/2006" xmlns:a14="http://schemas.microsoft.com/office/drawing/2010/main">
+        <mc:Choice Requires="a14">
           <p:sp>
             <p:nvSpPr>
               <p:cNvPr id="4" name="Textfeld 3">
@@ -3344,7 +3344,7 @@
             </p:nvSpPr>
             <p:spPr>
               <a:xfrm>
-                <a:off x="4272197" y="4641551"/>
+                <a:off x="1710993" y="4601504"/>
                 <a:ext cx="2158584" cy="1077539"/>
               </a:xfrm>
               <a:prstGeom prst="rect">
@@ -3358,6 +3358,7 @@
               </a:bodyPr>
               <a:lstStyle/>
               <a:p>
+                <a:pPr/>
                 <a14:m>
                   <m:oMathPara xmlns:m="http://schemas.openxmlformats.org/officeDocument/2006/math">
                     <m:oMathParaPr>
@@ -3409,7 +3410,13 @@
                                   <a:rPr lang="de-CH" b="0" i="1" smtClean="0">
                                     <a:latin typeface="Cambria Math" panose="02040503050406030204" pitchFamily="18" charset="0"/>
                                   </a:rPr>
-                                  <m:t>1,1</m:t>
+                                  <m:t>1</m:t>
+                                </m:r>
+                                <m:r>
+                                  <a:rPr lang="de-CH" b="0" i="1" smtClean="0">
+                                    <a:latin typeface="Cambria Math" panose="02040503050406030204" pitchFamily="18" charset="0"/>
+                                  </a:rPr>
+                                  <m:t>,1</m:t>
                                 </m:r>
                               </m:sub>
                             </m:sSub>
@@ -3719,7 +3726,7 @@
             </p:txBody>
           </p:sp>
         </mc:Choice>
-        <mc:Fallback>
+        <mc:Fallback xmlns="">
           <p:sp>
             <p:nvSpPr>
               <p:cNvPr id="4" name="Textfeld 3">
@@ -3736,7 +3743,7 @@
             </p:nvSpPr>
             <p:spPr>
               <a:xfrm>
-                <a:off x="4272197" y="4641551"/>
+                <a:off x="1710993" y="4601504"/>
                 <a:ext cx="2158584" cy="1077539"/>
               </a:xfrm>
               <a:prstGeom prst="rect">
@@ -3745,7 +3752,7 @@
               <a:blipFill>
                 <a:blip r:embed="rId2"/>
                 <a:stretch>
-                  <a:fillRect l="-2941" r="-4118" b="-4651"/>
+                  <a:fillRect l="-2339" r="-4094" b="-4651"/>
                 </a:stretch>
               </a:blipFill>
             </p:spPr>
@@ -3778,7 +3785,7 @@
         </p:nvSpPr>
         <p:spPr>
           <a:xfrm>
-            <a:off x="3649151" y="4119447"/>
+            <a:off x="1087947" y="4079400"/>
             <a:ext cx="1034579" cy="369332"/>
           </a:xfrm>
           <a:prstGeom prst="rect">
@@ -3817,7 +3824,7 @@
         </p:nvSpPr>
         <p:spPr>
           <a:xfrm>
-            <a:off x="5885502" y="4113546"/>
+            <a:off x="3324298" y="4073499"/>
             <a:ext cx="1060227" cy="369332"/>
           </a:xfrm>
           <a:prstGeom prst="rect">
@@ -3856,7 +3863,7 @@
         </p:nvSpPr>
         <p:spPr>
           <a:xfrm>
-            <a:off x="6658131" y="4595942"/>
+            <a:off x="4096927" y="4555895"/>
             <a:ext cx="1029449" cy="369332"/>
           </a:xfrm>
           <a:prstGeom prst="rect">
@@ -3891,7 +3898,7 @@
         </p:nvSpPr>
         <p:spPr>
           <a:xfrm>
-            <a:off x="6658131" y="5384861"/>
+            <a:off x="4096927" y="5344814"/>
             <a:ext cx="1061509" cy="369332"/>
           </a:xfrm>
           <a:prstGeom prst="rect">
@@ -4188,8 +4195,8 @@
           </a:p>
         </p:txBody>
       </p:sp>
-      <mc:AlternateContent xmlns:mc="http://schemas.openxmlformats.org/markup-compatibility/2006">
-        <mc:Choice xmlns:a14="http://schemas.microsoft.com/office/drawing/2010/main" Requires="a14">
+      <mc:AlternateContent xmlns:mc="http://schemas.openxmlformats.org/markup-compatibility/2006" xmlns:a14="http://schemas.microsoft.com/office/drawing/2010/main">
+        <mc:Choice Requires="a14">
           <p:sp>
             <p:nvSpPr>
               <p:cNvPr id="10" name="Rechteck 9">
@@ -4283,7 +4290,7 @@
             </p:txBody>
           </p:sp>
         </mc:Choice>
-        <mc:Fallback>
+        <mc:Fallback xmlns="">
           <p:sp>
             <p:nvSpPr>
               <p:cNvPr id="10" name="Rechteck 9">
@@ -4328,8 +4335,8 @@
           </p:sp>
         </mc:Fallback>
       </mc:AlternateContent>
-      <mc:AlternateContent xmlns:mc="http://schemas.openxmlformats.org/markup-compatibility/2006">
-        <mc:Choice xmlns:a14="http://schemas.microsoft.com/office/drawing/2010/main" Requires="a14">
+      <mc:AlternateContent xmlns:mc="http://schemas.openxmlformats.org/markup-compatibility/2006" xmlns:a14="http://schemas.microsoft.com/office/drawing/2010/main">
+        <mc:Choice Requires="a14">
           <p:sp>
             <p:nvSpPr>
               <p:cNvPr id="11" name="Rechteck 10">
@@ -4407,7 +4414,7 @@
             </p:txBody>
           </p:sp>
         </mc:Choice>
-        <mc:Fallback>
+        <mc:Fallback xmlns="">
           <p:sp>
             <p:nvSpPr>
               <p:cNvPr id="11" name="Rechteck 10">
@@ -4484,6 +4491,323 @@
               <a:rPr lang="de-DE" dirty="0"/>
               <a:t>but</a:t>
             </a:r>
+          </a:p>
+        </p:txBody>
+      </p:sp>
+      <mc:AlternateContent xmlns:mc="http://schemas.openxmlformats.org/markup-compatibility/2006" xmlns:a14="http://schemas.microsoft.com/office/drawing/2010/main">
+        <mc:Choice Requires="a14">
+          <p:sp>
+            <p:nvSpPr>
+              <p:cNvPr id="13" name="Textfeld 12">
+                <a:extLst>
+                  <a:ext uri="{FF2B5EF4-FFF2-40B4-BE49-F238E27FC236}">
+                    <a16:creationId xmlns:a16="http://schemas.microsoft.com/office/drawing/2014/main" id="{27A939CF-A4D3-074E-8EDE-A2CF6DCCC32C}"/>
+                  </a:ext>
+                </a:extLst>
+              </p:cNvPr>
+              <p:cNvSpPr txBox="1"/>
+              <p:nvPr/>
+            </p:nvSpPr>
+            <p:spPr>
+              <a:xfrm>
+                <a:off x="6432894" y="4509670"/>
+                <a:ext cx="280974" cy="1028487"/>
+              </a:xfrm>
+              <a:prstGeom prst="rect">
+                <a:avLst/>
+              </a:prstGeom>
+              <a:noFill/>
+            </p:spPr>
+            <p:txBody>
+              <a:bodyPr wrap="none" lIns="0" tIns="0" rIns="0" bIns="0" rtlCol="0">
+                <a:spAutoFit/>
+              </a:bodyPr>
+              <a:lstStyle/>
+              <a:p>
+                <a:pPr/>
+                <a14:m>
+                  <m:oMathPara xmlns:m="http://schemas.openxmlformats.org/officeDocument/2006/math">
+                    <m:oMathParaPr>
+                      <m:jc m:val="centerGroup"/>
+                    </m:oMathParaPr>
+                    <m:oMath xmlns:m="http://schemas.openxmlformats.org/officeDocument/2006/math">
+                      <m:m>
+                        <m:mPr>
+                          <m:mcs>
+                            <m:mc>
+                              <m:mcPr>
+                                <m:count m:val="1"/>
+                                <m:mcJc m:val="center"/>
+                              </m:mcPr>
+                            </m:mc>
+                          </m:mcs>
+                          <m:ctrlPr>
+                            <a:rPr lang="de-DE" i="1" smtClean="0">
+                              <a:latin typeface="Cambria Math" panose="02040503050406030204" pitchFamily="18" charset="0"/>
+                            </a:rPr>
+                          </m:ctrlPr>
+                        </m:mPr>
+                        <m:mr>
+                          <m:e>
+                            <m:sSub>
+                              <m:sSubPr>
+                                <m:ctrlPr>
+                                  <a:rPr lang="de-DE" i="1" smtClean="0">
+                                    <a:latin typeface="Cambria Math" panose="02040503050406030204" pitchFamily="18" charset="0"/>
+                                  </a:rPr>
+                                </m:ctrlPr>
+                              </m:sSubPr>
+                              <m:e>
+                                <m:r>
+                                  <a:rPr lang="de-CH" b="0" i="1" smtClean="0">
+                                    <a:latin typeface="Cambria Math" panose="02040503050406030204" pitchFamily="18" charset="0"/>
+                                  </a:rPr>
+                                  <m:t>𝑡</m:t>
+                                </m:r>
+                              </m:e>
+                              <m:sub>
+                                <m:r>
+                                  <a:rPr lang="de-CH" b="0" i="1" smtClean="0">
+                                    <a:latin typeface="Cambria Math" panose="02040503050406030204" pitchFamily="18" charset="0"/>
+                                  </a:rPr>
+                                  <m:t>1</m:t>
+                                </m:r>
+                              </m:sub>
+                            </m:sSub>
+                          </m:e>
+                        </m:mr>
+                        <m:mr>
+                          <m:e>
+                            <m:sSub>
+                              <m:sSubPr>
+                                <m:ctrlPr>
+                                  <a:rPr lang="de-DE" i="1" smtClean="0">
+                                    <a:latin typeface="Cambria Math" panose="02040503050406030204" pitchFamily="18" charset="0"/>
+                                  </a:rPr>
+                                </m:ctrlPr>
+                              </m:sSubPr>
+                              <m:e>
+                                <m:r>
+                                  <a:rPr lang="de-CH" b="0" i="1" smtClean="0">
+                                    <a:latin typeface="Cambria Math" panose="02040503050406030204" pitchFamily="18" charset="0"/>
+                                  </a:rPr>
+                                  <m:t>𝑡</m:t>
+                                </m:r>
+                              </m:e>
+                              <m:sub>
+                                <m:r>
+                                  <a:rPr lang="de-CH" b="0" i="1" smtClean="0">
+                                    <a:latin typeface="Cambria Math" panose="02040503050406030204" pitchFamily="18" charset="0"/>
+                                  </a:rPr>
+                                  <m:t>2</m:t>
+                                </m:r>
+                              </m:sub>
+                            </m:sSub>
+                          </m:e>
+                        </m:mr>
+                        <m:mr>
+                          <m:e>
+                            <m:r>
+                              <a:rPr lang="de-DE" i="1" smtClean="0">
+                                <a:latin typeface="Cambria Math" panose="02040503050406030204" pitchFamily="18" charset="0"/>
+                              </a:rPr>
+                              <m:t>⋮</m:t>
+                            </m:r>
+                          </m:e>
+                        </m:mr>
+                        <m:mr>
+                          <m:e>
+                            <m:sSub>
+                              <m:sSubPr>
+                                <m:ctrlPr>
+                                  <a:rPr lang="de-DE" i="1" smtClean="0">
+                                    <a:latin typeface="Cambria Math" panose="02040503050406030204" pitchFamily="18" charset="0"/>
+                                  </a:rPr>
+                                </m:ctrlPr>
+                              </m:sSubPr>
+                              <m:e>
+                                <m:r>
+                                  <a:rPr lang="de-CH" b="0" i="1" smtClean="0">
+                                    <a:latin typeface="Cambria Math" panose="02040503050406030204" pitchFamily="18" charset="0"/>
+                                  </a:rPr>
+                                  <m:t>𝑡</m:t>
+                                </m:r>
+                              </m:e>
+                              <m:sub>
+                                <m:r>
+                                  <a:rPr lang="de-CH" b="0" i="1" smtClean="0">
+                                    <a:latin typeface="Cambria Math" panose="02040503050406030204" pitchFamily="18" charset="0"/>
+                                  </a:rPr>
+                                  <m:t>𝑁</m:t>
+                                </m:r>
+                              </m:sub>
+                            </m:sSub>
+                          </m:e>
+                        </m:mr>
+                      </m:m>
+                    </m:oMath>
+                  </m:oMathPara>
+                </a14:m>
+                <a:endParaRPr lang="de-DE" dirty="0"/>
+              </a:p>
+            </p:txBody>
+          </p:sp>
+        </mc:Choice>
+        <mc:Fallback xmlns="">
+          <p:sp>
+            <p:nvSpPr>
+              <p:cNvPr id="13" name="Textfeld 12">
+                <a:extLst>
+                  <a:ext uri="{FF2B5EF4-FFF2-40B4-BE49-F238E27FC236}">
+                    <a16:creationId xmlns:a16="http://schemas.microsoft.com/office/drawing/2014/main" id="{27A939CF-A4D3-074E-8EDE-A2CF6DCCC32C}"/>
+                  </a:ext>
+                </a:extLst>
+              </p:cNvPr>
+              <p:cNvSpPr txBox="1">
+                <a:spLocks noRot="1" noChangeAspect="1" noMove="1" noResize="1" noEditPoints="1" noAdjustHandles="1" noChangeArrowheads="1" noChangeShapeType="1" noTextEdit="1"/>
+              </p:cNvSpPr>
+              <p:nvPr/>
+            </p:nvSpPr>
+            <p:spPr>
+              <a:xfrm>
+                <a:off x="6432894" y="4509670"/>
+                <a:ext cx="280974" cy="1028487"/>
+              </a:xfrm>
+              <a:prstGeom prst="rect">
+                <a:avLst/>
+              </a:prstGeom>
+              <a:blipFill>
+                <a:blip r:embed="rId5"/>
+                <a:stretch>
+                  <a:fillRect l="-13043" b="-4878"/>
+                </a:stretch>
+              </a:blipFill>
+            </p:spPr>
+            <p:txBody>
+              <a:bodyPr/>
+              <a:lstStyle/>
+              <a:p>
+                <a:r>
+                  <a:rPr lang="de-DE">
+                    <a:noFill/>
+                  </a:rPr>
+                  <a:t> </a:t>
+                </a:r>
+              </a:p>
+            </p:txBody>
+          </p:sp>
+        </mc:Fallback>
+      </mc:AlternateContent>
+      <p:sp>
+        <p:nvSpPr>
+          <p:cNvPr id="14" name="Textfeld 13">
+            <a:extLst>
+              <a:ext uri="{FF2B5EF4-FFF2-40B4-BE49-F238E27FC236}">
+                <a16:creationId xmlns:a16="http://schemas.microsoft.com/office/drawing/2014/main" id="{F657ED08-C9FB-D64F-B00D-9D9322F14387}"/>
+              </a:ext>
+            </a:extLst>
+          </p:cNvPr>
+          <p:cNvSpPr txBox="1"/>
+          <p:nvPr/>
+        </p:nvSpPr>
+        <p:spPr>
+          <a:xfrm>
+            <a:off x="6192827" y="4084524"/>
+            <a:ext cx="929806" cy="369332"/>
+          </a:xfrm>
+          <a:prstGeom prst="rect">
+            <a:avLst/>
+          </a:prstGeom>
+          <a:noFill/>
+        </p:spPr>
+        <p:txBody>
+          <a:bodyPr wrap="none" rtlCol="0">
+            <a:spAutoFit/>
+          </a:bodyPr>
+          <a:lstStyle/>
+          <a:p>
+            <a:r>
+              <a:rPr lang="de-DE" dirty="0"/>
+              <a:t>Target T</a:t>
+            </a:r>
+          </a:p>
+        </p:txBody>
+      </p:sp>
+      <p:sp>
+        <p:nvSpPr>
+          <p:cNvPr id="15" name="Textfeld 14">
+            <a:extLst>
+              <a:ext uri="{FF2B5EF4-FFF2-40B4-BE49-F238E27FC236}">
+                <a16:creationId xmlns:a16="http://schemas.microsoft.com/office/drawing/2014/main" id="{DE8B3158-D1C7-BE4B-9AFC-C29B73FD5864}"/>
+              </a:ext>
+            </a:extLst>
+          </p:cNvPr>
+          <p:cNvSpPr txBox="1"/>
+          <p:nvPr/>
+        </p:nvSpPr>
+        <p:spPr>
+          <a:xfrm>
+            <a:off x="7688975" y="4073499"/>
+            <a:ext cx="4227439" cy="646331"/>
+          </a:xfrm>
+          <a:prstGeom prst="rect">
+            <a:avLst/>
+          </a:prstGeom>
+          <a:noFill/>
+        </p:spPr>
+        <p:txBody>
+          <a:bodyPr wrap="none" rtlCol="0">
+            <a:spAutoFit/>
+          </a:bodyPr>
+          <a:lstStyle/>
+          <a:p>
+            <a:r>
+              <a:rPr lang="de-DE" dirty="0"/>
+              <a:t>Also </a:t>
+            </a:r>
+            <a:r>
+              <a:rPr lang="de-DE" dirty="0" err="1"/>
+              <a:t>sometimes</a:t>
+            </a:r>
+            <a:r>
+              <a:rPr lang="de-DE" dirty="0"/>
+              <a:t> </a:t>
+            </a:r>
+            <a:r>
+              <a:rPr lang="de-DE" dirty="0" err="1"/>
+              <a:t>as</a:t>
+            </a:r>
+            <a:r>
+              <a:rPr lang="de-DE" dirty="0"/>
+              <a:t> an </a:t>
+            </a:r>
+            <a:r>
+              <a:rPr lang="de-DE" dirty="0" err="1"/>
+              <a:t>indicator</a:t>
+            </a:r>
+            <a:r>
+              <a:rPr lang="de-DE" dirty="0"/>
+              <a:t> </a:t>
+            </a:r>
+            <a:r>
+              <a:rPr lang="de-DE" dirty="0" err="1"/>
+              <a:t>matrix</a:t>
+            </a:r>
+            <a:r>
+              <a:rPr lang="de-DE" dirty="0"/>
+              <a:t> [0,1]</a:t>
+            </a:r>
+          </a:p>
+          <a:p>
+            <a:r>
+              <a:rPr lang="de-DE" dirty="0"/>
+              <a:t>T: </a:t>
+            </a:r>
+            <a:r>
+              <a:rPr lang="de-DE" dirty="0" err="1"/>
+              <a:t>NxK</a:t>
+            </a:r>
+            <a:endParaRPr lang="de-DE" dirty="0"/>
           </a:p>
         </p:txBody>
       </p:sp>
@@ -6602,8 +6926,8 @@
           </p:sp>
         </mc:Fallback>
       </mc:AlternateContent>
-      <mc:AlternateContent xmlns:mc="http://schemas.openxmlformats.org/markup-compatibility/2006">
-        <mc:Choice xmlns:a14="http://schemas.microsoft.com/office/drawing/2010/main" Requires="a14">
+      <mc:AlternateContent xmlns:mc="http://schemas.openxmlformats.org/markup-compatibility/2006" xmlns:a14="http://schemas.microsoft.com/office/drawing/2010/main">
+        <mc:Choice Requires="a14">
           <p:sp>
             <p:nvSpPr>
               <p:cNvPr id="18" name="Textfeld 17">
@@ -6743,7 +7067,7 @@
             </p:txBody>
           </p:sp>
         </mc:Choice>
-        <mc:Fallback>
+        <mc:Fallback xmlns="">
           <p:sp>
             <p:nvSpPr>
               <p:cNvPr id="18" name="Textfeld 17">
@@ -6867,8 +7191,8 @@
           </a:p>
         </p:txBody>
       </p:sp>
-      <mc:AlternateContent xmlns:mc="http://schemas.openxmlformats.org/markup-compatibility/2006">
-        <mc:Choice xmlns:a14="http://schemas.microsoft.com/office/drawing/2010/main" Requires="a14">
+      <mc:AlternateContent xmlns:mc="http://schemas.openxmlformats.org/markup-compatibility/2006" xmlns:a14="http://schemas.microsoft.com/office/drawing/2010/main">
+        <mc:Choice Requires="a14">
           <p:sp>
             <p:nvSpPr>
               <p:cNvPr id="2" name="Rechteck 1">
@@ -6997,7 +7321,7 @@
             </p:txBody>
           </p:sp>
         </mc:Choice>
-        <mc:Fallback>
+        <mc:Fallback xmlns="">
           <p:sp>
             <p:nvSpPr>
               <p:cNvPr id="2" name="Rechteck 1">
@@ -7221,8 +7545,8 @@
           </a:p>
         </p:txBody>
       </p:sp>
-      <mc:AlternateContent xmlns:mc="http://schemas.openxmlformats.org/markup-compatibility/2006">
-        <mc:Choice xmlns:a14="http://schemas.microsoft.com/office/drawing/2010/main" Requires="a14">
+      <mc:AlternateContent xmlns:mc="http://schemas.openxmlformats.org/markup-compatibility/2006" xmlns:a14="http://schemas.microsoft.com/office/drawing/2010/main">
+        <mc:Choice Requires="a14">
           <p:sp>
             <p:nvSpPr>
               <p:cNvPr id="9" name="Textfeld 8">
@@ -7291,7 +7615,7 @@
             </p:txBody>
           </p:sp>
         </mc:Choice>
-        <mc:Fallback>
+        <mc:Fallback xmlns="">
           <p:sp>
             <p:nvSpPr>
               <p:cNvPr id="9" name="Textfeld 8">
@@ -7391,8 +7715,8 @@
           </a:p>
         </p:txBody>
       </p:sp>
-      <mc:AlternateContent xmlns:mc="http://schemas.openxmlformats.org/markup-compatibility/2006">
-        <mc:Choice xmlns:a14="http://schemas.microsoft.com/office/drawing/2010/main" Requires="a14">
+      <mc:AlternateContent xmlns:mc="http://schemas.openxmlformats.org/markup-compatibility/2006" xmlns:a14="http://schemas.microsoft.com/office/drawing/2010/main">
+        <mc:Choice Requires="a14">
           <p:sp>
             <p:nvSpPr>
               <p:cNvPr id="12" name="Textfeld 11">
@@ -7461,7 +7785,7 @@
             </p:txBody>
           </p:sp>
         </mc:Choice>
-        <mc:Fallback>
+        <mc:Fallback xmlns="">
           <p:sp>
             <p:nvSpPr>
               <p:cNvPr id="12" name="Textfeld 11">
@@ -7561,8 +7885,8 @@
           </a:p>
         </p:txBody>
       </p:sp>
-      <mc:AlternateContent xmlns:mc="http://schemas.openxmlformats.org/markup-compatibility/2006">
-        <mc:Choice xmlns:a14="http://schemas.microsoft.com/office/drawing/2010/main" Requires="a14">
+      <mc:AlternateContent xmlns:mc="http://schemas.openxmlformats.org/markup-compatibility/2006" xmlns:a14="http://schemas.microsoft.com/office/drawing/2010/main">
+        <mc:Choice Requires="a14">
           <p:sp>
             <p:nvSpPr>
               <p:cNvPr id="15" name="Textfeld 14">
@@ -7631,7 +7955,7 @@
             </p:txBody>
           </p:sp>
         </mc:Choice>
-        <mc:Fallback>
+        <mc:Fallback xmlns="">
           <p:sp>
             <p:nvSpPr>
               <p:cNvPr id="15" name="Textfeld 14">
@@ -7731,8 +8055,8 @@
           </a:p>
         </p:txBody>
       </p:sp>
-      <mc:AlternateContent xmlns:mc="http://schemas.openxmlformats.org/markup-compatibility/2006">
-        <mc:Choice xmlns:a14="http://schemas.microsoft.com/office/drawing/2010/main" Requires="a14">
+      <mc:AlternateContent xmlns:mc="http://schemas.openxmlformats.org/markup-compatibility/2006" xmlns:a14="http://schemas.microsoft.com/office/drawing/2010/main">
+        <mc:Choice Requires="a14">
           <p:sp>
             <p:nvSpPr>
               <p:cNvPr id="17" name="Textfeld 16">
@@ -7791,7 +8115,7 @@
             </p:txBody>
           </p:sp>
         </mc:Choice>
-        <mc:Fallback>
+        <mc:Fallback xmlns="">
           <p:sp>
             <p:nvSpPr>
               <p:cNvPr id="17" name="Textfeld 16">
@@ -8029,8 +8353,8 @@
           </a:p>
         </p:txBody>
       </p:sp>
-      <mc:AlternateContent xmlns:mc="http://schemas.openxmlformats.org/markup-compatibility/2006">
-        <mc:Choice xmlns:a14="http://schemas.microsoft.com/office/drawing/2010/main" Requires="a14">
+      <mc:AlternateContent xmlns:mc="http://schemas.openxmlformats.org/markup-compatibility/2006" xmlns:a14="http://schemas.microsoft.com/office/drawing/2010/main">
+        <mc:Choice Requires="a14">
           <p:sp>
             <p:nvSpPr>
               <p:cNvPr id="23" name="Textfeld 22">
@@ -8105,7 +8429,7 @@
             </p:txBody>
           </p:sp>
         </mc:Choice>
-        <mc:Fallback>
+        <mc:Fallback xmlns="">
           <p:sp>
             <p:nvSpPr>
               <p:cNvPr id="23" name="Textfeld 22">
@@ -8332,8 +8656,8 @@
           </a:p>
         </p:txBody>
       </p:sp>
-      <mc:AlternateContent xmlns:mc="http://schemas.openxmlformats.org/markup-compatibility/2006">
-        <mc:Choice xmlns:a14="http://schemas.microsoft.com/office/drawing/2010/main" Requires="a14">
+      <mc:AlternateContent xmlns:mc="http://schemas.openxmlformats.org/markup-compatibility/2006" xmlns:a14="http://schemas.microsoft.com/office/drawing/2010/main">
+        <mc:Choice Requires="a14">
           <p:sp>
             <p:nvSpPr>
               <p:cNvPr id="29" name="Rechteck 28">
@@ -8401,7 +8725,7 @@
             </p:txBody>
           </p:sp>
         </mc:Choice>
-        <mc:Fallback>
+        <mc:Fallback xmlns="">
           <p:sp>
             <p:nvSpPr>
               <p:cNvPr id="29" name="Rechteck 28">
@@ -8446,8 +8770,8 @@
           </p:sp>
         </mc:Fallback>
       </mc:AlternateContent>
-      <mc:AlternateContent xmlns:mc="http://schemas.openxmlformats.org/markup-compatibility/2006">
-        <mc:Choice xmlns:a14="http://schemas.microsoft.com/office/drawing/2010/main" Requires="a14">
+      <mc:AlternateContent xmlns:mc="http://schemas.openxmlformats.org/markup-compatibility/2006" xmlns:a14="http://schemas.microsoft.com/office/drawing/2010/main">
+        <mc:Choice Requires="a14">
           <p:sp>
             <p:nvSpPr>
               <p:cNvPr id="34" name="Textfeld 33">
@@ -8556,7 +8880,7 @@
             </p:txBody>
           </p:sp>
         </mc:Choice>
-        <mc:Fallback>
+        <mc:Fallback xmlns="">
           <p:sp>
             <p:nvSpPr>
               <p:cNvPr id="34" name="Textfeld 33">
@@ -8601,8 +8925,8 @@
           </p:sp>
         </mc:Fallback>
       </mc:AlternateContent>
-      <mc:AlternateContent xmlns:mc="http://schemas.openxmlformats.org/markup-compatibility/2006">
-        <mc:Choice xmlns:a14="http://schemas.microsoft.com/office/drawing/2010/main" Requires="a14">
+      <mc:AlternateContent xmlns:mc="http://schemas.openxmlformats.org/markup-compatibility/2006" xmlns:a14="http://schemas.microsoft.com/office/drawing/2010/main">
+        <mc:Choice Requires="a14">
           <p:sp>
             <p:nvSpPr>
               <p:cNvPr id="35" name="Textfeld 34">
@@ -8631,7 +8955,6 @@
               </a:bodyPr>
               <a:lstStyle/>
               <a:p>
-                <a:pPr/>
                 <a14:m>
                   <m:oMath xmlns:m="http://schemas.openxmlformats.org/officeDocument/2006/math">
                     <m:sSub>
@@ -8865,7 +9188,7 @@
             </p:txBody>
           </p:sp>
         </mc:Choice>
-        <mc:Fallback>
+        <mc:Fallback xmlns="">
           <p:sp>
             <p:nvSpPr>
               <p:cNvPr id="35" name="Textfeld 34">
@@ -8954,8 +9277,8 @@
           </a:fontRef>
         </p:style>
       </p:cxnSp>
-      <mc:AlternateContent xmlns:mc="http://schemas.openxmlformats.org/markup-compatibility/2006">
-        <mc:Choice xmlns:a14="http://schemas.microsoft.com/office/drawing/2010/main" Requires="a14">
+      <mc:AlternateContent xmlns:mc="http://schemas.openxmlformats.org/markup-compatibility/2006" xmlns:a14="http://schemas.microsoft.com/office/drawing/2010/main">
+        <mc:Choice Requires="a14">
           <p:sp>
             <p:nvSpPr>
               <p:cNvPr id="37" name="Textfeld 36">
@@ -9055,7 +9378,7 @@
             </p:txBody>
           </p:sp>
         </mc:Choice>
-        <mc:Fallback>
+        <mc:Fallback xmlns="">
           <p:sp>
             <p:nvSpPr>
               <p:cNvPr id="37" name="Textfeld 36">
@@ -9155,8 +9478,8 @@
           </a:p>
         </p:txBody>
       </p:sp>
-      <mc:AlternateContent xmlns:mc="http://schemas.openxmlformats.org/markup-compatibility/2006">
-        <mc:Choice xmlns:a14="http://schemas.microsoft.com/office/drawing/2010/main" Requires="a14">
+      <mc:AlternateContent xmlns:mc="http://schemas.openxmlformats.org/markup-compatibility/2006" xmlns:a14="http://schemas.microsoft.com/office/drawing/2010/main">
+        <mc:Choice Requires="a14">
           <p:sp>
             <p:nvSpPr>
               <p:cNvPr id="41" name="Textfeld 40">
@@ -9215,7 +9538,7 @@
             </p:txBody>
           </p:sp>
         </mc:Choice>
-        <mc:Fallback>
+        <mc:Fallback xmlns="">
           <p:sp>
             <p:nvSpPr>
               <p:cNvPr id="41" name="Textfeld 40">
@@ -9315,8 +9638,8 @@
           </a:p>
         </p:txBody>
       </p:sp>
-      <mc:AlternateContent xmlns:mc="http://schemas.openxmlformats.org/markup-compatibility/2006">
-        <mc:Choice xmlns:a14="http://schemas.microsoft.com/office/drawing/2010/main" Requires="a14">
+      <mc:AlternateContent xmlns:mc="http://schemas.openxmlformats.org/markup-compatibility/2006" xmlns:a14="http://schemas.microsoft.com/office/drawing/2010/main">
+        <mc:Choice Requires="a14">
           <p:sp>
             <p:nvSpPr>
               <p:cNvPr id="43" name="Textfeld 42">
@@ -9375,7 +9698,7 @@
             </p:txBody>
           </p:sp>
         </mc:Choice>
-        <mc:Fallback>
+        <mc:Fallback xmlns="">
           <p:sp>
             <p:nvSpPr>
               <p:cNvPr id="43" name="Textfeld 42">
@@ -9870,8 +10193,8 @@
           </a:fontRef>
         </p:style>
       </p:cxnSp>
-      <mc:AlternateContent xmlns:mc="http://schemas.openxmlformats.org/markup-compatibility/2006">
-        <mc:Choice xmlns:a14="http://schemas.microsoft.com/office/drawing/2010/main" Requires="a14">
+      <mc:AlternateContent xmlns:mc="http://schemas.openxmlformats.org/markup-compatibility/2006" xmlns:a14="http://schemas.microsoft.com/office/drawing/2010/main">
+        <mc:Choice Requires="a14">
           <p:sp>
             <p:nvSpPr>
               <p:cNvPr id="73" name="Textfeld 72">
@@ -9940,7 +10263,7 @@
             </p:txBody>
           </p:sp>
         </mc:Choice>
-        <mc:Fallback>
+        <mc:Fallback xmlns="">
           <p:sp>
             <p:nvSpPr>
               <p:cNvPr id="73" name="Textfeld 72">
@@ -9985,8 +10308,8 @@
           </p:sp>
         </mc:Fallback>
       </mc:AlternateContent>
-      <mc:AlternateContent xmlns:mc="http://schemas.openxmlformats.org/markup-compatibility/2006">
-        <mc:Choice xmlns:a14="http://schemas.microsoft.com/office/drawing/2010/main" Requires="a14">
+      <mc:AlternateContent xmlns:mc="http://schemas.openxmlformats.org/markup-compatibility/2006" xmlns:a14="http://schemas.microsoft.com/office/drawing/2010/main">
+        <mc:Choice Requires="a14">
           <p:sp>
             <p:nvSpPr>
               <p:cNvPr id="74" name="Rechteck 73">
@@ -10054,7 +10377,7 @@
             </p:txBody>
           </p:sp>
         </mc:Choice>
-        <mc:Fallback>
+        <mc:Fallback xmlns="">
           <p:sp>
             <p:nvSpPr>
               <p:cNvPr id="74" name="Rechteck 73">
@@ -10198,8 +10521,8 @@
           </a:fontRef>
         </p:style>
       </p:cxnSp>
-      <mc:AlternateContent xmlns:mc="http://schemas.openxmlformats.org/markup-compatibility/2006">
-        <mc:Choice xmlns:a14="http://schemas.microsoft.com/office/drawing/2010/main" Requires="a14">
+      <mc:AlternateContent xmlns:mc="http://schemas.openxmlformats.org/markup-compatibility/2006" xmlns:a14="http://schemas.microsoft.com/office/drawing/2010/main">
+        <mc:Choice Requires="a14">
           <p:sp>
             <p:nvSpPr>
               <p:cNvPr id="77" name="Textfeld 76">
@@ -10268,7 +10591,7 @@
             </p:txBody>
           </p:sp>
         </mc:Choice>
-        <mc:Fallback>
+        <mc:Fallback xmlns="">
           <p:sp>
             <p:nvSpPr>
               <p:cNvPr id="77" name="Textfeld 76">
@@ -10313,8 +10636,8 @@
           </p:sp>
         </mc:Fallback>
       </mc:AlternateContent>
-      <mc:AlternateContent xmlns:mc="http://schemas.openxmlformats.org/markup-compatibility/2006">
-        <mc:Choice xmlns:a14="http://schemas.microsoft.com/office/drawing/2010/main" Requires="a14">
+      <mc:AlternateContent xmlns:mc="http://schemas.openxmlformats.org/markup-compatibility/2006" xmlns:a14="http://schemas.microsoft.com/office/drawing/2010/main">
+        <mc:Choice Requires="a14">
           <p:sp>
             <p:nvSpPr>
               <p:cNvPr id="80" name="Rechteck 79">
@@ -10388,7 +10711,7 @@
             </p:txBody>
           </p:sp>
         </mc:Choice>
-        <mc:Fallback>
+        <mc:Fallback xmlns="">
           <p:sp>
             <p:nvSpPr>
               <p:cNvPr id="80" name="Rechteck 79">
@@ -10527,8 +10850,8 @@
           </a:fontRef>
         </p:style>
       </p:cxnSp>
-      <mc:AlternateContent xmlns:mc="http://schemas.openxmlformats.org/markup-compatibility/2006">
-        <mc:Choice xmlns:a14="http://schemas.microsoft.com/office/drawing/2010/main" Requires="a14">
+      <mc:AlternateContent xmlns:mc="http://schemas.openxmlformats.org/markup-compatibility/2006" xmlns:a14="http://schemas.microsoft.com/office/drawing/2010/main">
+        <mc:Choice Requires="a14">
           <p:sp>
             <p:nvSpPr>
               <p:cNvPr id="92" name="Rechteck 91">
@@ -10602,7 +10925,7 @@
             </p:txBody>
           </p:sp>
         </mc:Choice>
-        <mc:Fallback>
+        <mc:Fallback xmlns="">
           <p:sp>
             <p:nvSpPr>
               <p:cNvPr id="92" name="Rechteck 91">
@@ -10647,8 +10970,8 @@
           </p:sp>
         </mc:Fallback>
       </mc:AlternateContent>
-      <mc:AlternateContent xmlns:mc="http://schemas.openxmlformats.org/markup-compatibility/2006">
-        <mc:Choice xmlns:a14="http://schemas.microsoft.com/office/drawing/2010/main" Requires="a14">
+      <mc:AlternateContent xmlns:mc="http://schemas.openxmlformats.org/markup-compatibility/2006" xmlns:a14="http://schemas.microsoft.com/office/drawing/2010/main">
+        <mc:Choice Requires="a14">
           <p:sp>
             <p:nvSpPr>
               <p:cNvPr id="53" name="Textfeld 52">
@@ -10717,7 +11040,7 @@
             </p:txBody>
           </p:sp>
         </mc:Choice>
-        <mc:Fallback>
+        <mc:Fallback xmlns="">
           <p:sp>
             <p:nvSpPr>
               <p:cNvPr id="53" name="Textfeld 52">
@@ -10850,8 +11173,8 @@
           </a:p>
         </p:txBody>
       </p:sp>
-      <mc:AlternateContent xmlns:mc="http://schemas.openxmlformats.org/markup-compatibility/2006">
-        <mc:Choice xmlns:a14="http://schemas.microsoft.com/office/drawing/2010/main" Requires="a14">
+      <mc:AlternateContent xmlns:mc="http://schemas.openxmlformats.org/markup-compatibility/2006" xmlns:a14="http://schemas.microsoft.com/office/drawing/2010/main">
+        <mc:Choice Requires="a14">
           <p:sp>
             <p:nvSpPr>
               <p:cNvPr id="97" name="Textfeld 96">
@@ -10926,7 +11249,7 @@
             </p:txBody>
           </p:sp>
         </mc:Choice>
-        <mc:Fallback>
+        <mc:Fallback xmlns="">
           <p:sp>
             <p:nvSpPr>
               <p:cNvPr id="97" name="Textfeld 96">
@@ -11107,8 +11430,8 @@
           </a:p>
         </p:txBody>
       </p:sp>
-      <mc:AlternateContent xmlns:mc="http://schemas.openxmlformats.org/markup-compatibility/2006">
-        <mc:Choice xmlns:a14="http://schemas.microsoft.com/office/drawing/2010/main" Requires="a14">
+      <mc:AlternateContent xmlns:mc="http://schemas.openxmlformats.org/markup-compatibility/2006" xmlns:a14="http://schemas.microsoft.com/office/drawing/2010/main">
+        <mc:Choice Requires="a14">
           <p:sp>
             <p:nvSpPr>
               <p:cNvPr id="101" name="Textfeld 100">
@@ -11189,7 +11512,7 @@
             </p:txBody>
           </p:sp>
         </mc:Choice>
-        <mc:Fallback>
+        <mc:Fallback xmlns="">
           <p:sp>
             <p:nvSpPr>
               <p:cNvPr id="101" name="Textfeld 100">
@@ -11371,8 +11694,8 @@
           </a:p>
         </p:txBody>
       </p:sp>
-      <mc:AlternateContent xmlns:mc="http://schemas.openxmlformats.org/markup-compatibility/2006">
-        <mc:Choice xmlns:a14="http://schemas.microsoft.com/office/drawing/2010/main" Requires="a14">
+      <mc:AlternateContent xmlns:mc="http://schemas.openxmlformats.org/markup-compatibility/2006" xmlns:a14="http://schemas.microsoft.com/office/drawing/2010/main">
+        <mc:Choice Requires="a14">
           <p:sp>
             <p:nvSpPr>
               <p:cNvPr id="106" name="Rechteck 105">
@@ -11400,6 +11723,7 @@
               </a:bodyPr>
               <a:lstStyle/>
               <a:p>
+                <a:pPr/>
                 <a14:m>
                   <m:oMathPara xmlns:m="http://schemas.openxmlformats.org/officeDocument/2006/math">
                     <m:oMathParaPr>
@@ -11447,6 +11771,7 @@
                 <a:endParaRPr lang="de-DE" dirty="0"/>
               </a:p>
               <a:p>
+                <a:pPr/>
                 <a14:m>
                   <m:oMathPara xmlns:m="http://schemas.openxmlformats.org/officeDocument/2006/math">
                     <m:oMathParaPr>
@@ -11494,6 +11819,7 @@
                 <a:endParaRPr lang="de-DE" dirty="0"/>
               </a:p>
               <a:p>
+                <a:pPr/>
                 <a14:m>
                   <m:oMathPara xmlns:m="http://schemas.openxmlformats.org/officeDocument/2006/math">
                     <m:oMathParaPr>
@@ -11530,6 +11856,7 @@
                 </a:endParaRPr>
               </a:p>
               <a:p>
+                <a:pPr/>
                 <a14:m>
                   <m:oMathPara xmlns:m="http://schemas.openxmlformats.org/officeDocument/2006/math">
                     <m:oMathParaPr>
@@ -11563,6 +11890,7 @@
                 <a:endParaRPr lang="de-DE" dirty="0"/>
               </a:p>
               <a:p>
+                <a:pPr/>
                 <a14:m>
                   <m:oMathPara xmlns:m="http://schemas.openxmlformats.org/officeDocument/2006/math">
                     <m:oMathParaPr>
@@ -11596,6 +11924,7 @@
                 <a:endParaRPr lang="de-DE" dirty="0"/>
               </a:p>
               <a:p>
+                <a:pPr/>
                 <a14:m>
                   <m:oMathPara xmlns:m="http://schemas.openxmlformats.org/officeDocument/2006/math">
                     <m:oMathParaPr>
@@ -11631,7 +11960,7 @@
             </p:txBody>
           </p:sp>
         </mc:Choice>
-        <mc:Fallback>
+        <mc:Fallback xmlns="">
           <p:sp>
             <p:nvSpPr>
               <p:cNvPr id="106" name="Rechteck 105">
@@ -11712,6 +12041,102 @@
           </a:p>
         </p:txBody>
       </p:sp>
+      <mc:AlternateContent xmlns:mc="http://schemas.openxmlformats.org/markup-compatibility/2006" xmlns:a14="http://schemas.microsoft.com/office/drawing/2010/main">
+        <mc:Choice Requires="a14">
+          <p:sp>
+            <p:nvSpPr>
+              <p:cNvPr id="109" name="Textfeld 108">
+                <a:extLst>
+                  <a:ext uri="{FF2B5EF4-FFF2-40B4-BE49-F238E27FC236}">
+                    <a16:creationId xmlns:a16="http://schemas.microsoft.com/office/drawing/2014/main" id="{D9B1CD95-35FA-1C48-84BD-D2702F58F122}"/>
+                  </a:ext>
+                </a:extLst>
+              </p:cNvPr>
+              <p:cNvSpPr txBox="1"/>
+              <p:nvPr/>
+            </p:nvSpPr>
+            <p:spPr>
+              <a:xfrm>
+                <a:off x="9413823" y="3802603"/>
+                <a:ext cx="181395" cy="276999"/>
+              </a:xfrm>
+              <a:prstGeom prst="rect">
+                <a:avLst/>
+              </a:prstGeom>
+              <a:noFill/>
+            </p:spPr>
+            <p:txBody>
+              <a:bodyPr wrap="square" lIns="0" tIns="0" rIns="0" bIns="0" rtlCol="0">
+                <a:spAutoFit/>
+              </a:bodyPr>
+              <a:lstStyle/>
+              <a:p>
+                <a:pPr/>
+                <a14:m>
+                  <m:oMathPara xmlns:m="http://schemas.openxmlformats.org/officeDocument/2006/math">
+                    <m:oMathParaPr>
+                      <m:jc m:val="centerGroup"/>
+                    </m:oMathParaPr>
+                    <m:oMath xmlns:m="http://schemas.openxmlformats.org/officeDocument/2006/math">
+                      <m:r>
+                        <a:rPr lang="de-CH" b="0" i="1" smtClean="0">
+                          <a:latin typeface="Cambria Math" panose="02040503050406030204" pitchFamily="18" charset="0"/>
+                        </a:rPr>
+                        <m:t>𝑜</m:t>
+                      </m:r>
+                    </m:oMath>
+                  </m:oMathPara>
+                </a14:m>
+                <a:endParaRPr lang="de-DE" dirty="0"/>
+              </a:p>
+            </p:txBody>
+          </p:sp>
+        </mc:Choice>
+        <mc:Fallback xmlns="">
+          <p:sp>
+            <p:nvSpPr>
+              <p:cNvPr id="109" name="Textfeld 108">
+                <a:extLst>
+                  <a:ext uri="{FF2B5EF4-FFF2-40B4-BE49-F238E27FC236}">
+                    <a16:creationId xmlns:a16="http://schemas.microsoft.com/office/drawing/2014/main" id="{D9B1CD95-35FA-1C48-84BD-D2702F58F122}"/>
+                  </a:ext>
+                </a:extLst>
+              </p:cNvPr>
+              <p:cNvSpPr txBox="1">
+                <a:spLocks noRot="1" noChangeAspect="1" noMove="1" noResize="1" noEditPoints="1" noAdjustHandles="1" noChangeArrowheads="1" noChangeShapeType="1" noTextEdit="1"/>
+              </p:cNvSpPr>
+              <p:nvPr/>
+            </p:nvSpPr>
+            <p:spPr>
+              <a:xfrm>
+                <a:off x="9413823" y="3802603"/>
+                <a:ext cx="181395" cy="276999"/>
+              </a:xfrm>
+              <a:prstGeom prst="rect">
+                <a:avLst/>
+              </a:prstGeom>
+              <a:blipFill>
+                <a:blip r:embed="rId22"/>
+                <a:stretch>
+                  <a:fillRect l="-12500" r="-6250"/>
+                </a:stretch>
+              </a:blipFill>
+            </p:spPr>
+            <p:txBody>
+              <a:bodyPr/>
+              <a:lstStyle/>
+              <a:p>
+                <a:r>
+                  <a:rPr lang="de-DE">
+                    <a:noFill/>
+                  </a:rPr>
+                  <a:t> </a:t>
+                </a:r>
+              </a:p>
+            </p:txBody>
+          </p:sp>
+        </mc:Fallback>
+      </mc:AlternateContent>
     </p:spTree>
     <p:extLst>
       <p:ext uri="{BB962C8B-B14F-4D97-AF65-F5344CB8AC3E}">
